--- a/Progetto_TCM/Progetto2.0/CommuniTEDx_2.0.pptx
+++ b/Progetto_TCM/Progetto2.0/CommuniTEDx_2.0.pptx
@@ -5,7 +5,7 @@
     <p:sldMasterId id="2147483678" r:id="rId1"/>
   </p:sldMasterIdLst>
   <p:notesMasterIdLst>
-    <p:notesMasterId r:id="rId16"/>
+    <p:notesMasterId r:id="rId25"/>
   </p:notesMasterIdLst>
   <p:sldIdLst>
     <p:sldId id="256" r:id="rId2"/>
@@ -22,43 +22,52 @@
     <p:sldId id="300" r:id="rId13"/>
     <p:sldId id="308" r:id="rId14"/>
     <p:sldId id="307" r:id="rId15"/>
+    <p:sldId id="309" r:id="rId16"/>
+    <p:sldId id="310" r:id="rId17"/>
+    <p:sldId id="311" r:id="rId18"/>
+    <p:sldId id="312" r:id="rId19"/>
+    <p:sldId id="313" r:id="rId20"/>
+    <p:sldId id="314" r:id="rId21"/>
+    <p:sldId id="315" r:id="rId22"/>
+    <p:sldId id="316" r:id="rId23"/>
+    <p:sldId id="317" r:id="rId24"/>
   </p:sldIdLst>
   <p:sldSz cx="9144000" cy="5143500" type="screen16x9"/>
   <p:notesSz cx="6858000" cy="9144000"/>
   <p:embeddedFontLst>
     <p:embeddedFont>
       <p:font typeface="Manrope Light" panose="020B0604020202020204" charset="0"/>
-      <p:regular r:id="rId17"/>
-      <p:bold r:id="rId18"/>
+      <p:regular r:id="rId26"/>
+      <p:bold r:id="rId27"/>
     </p:embeddedFont>
     <p:embeddedFont>
       <p:font typeface="Manrope Medium" panose="020B0604020202020204" charset="0"/>
-      <p:regular r:id="rId19"/>
-      <p:bold r:id="rId20"/>
+      <p:regular r:id="rId28"/>
+      <p:bold r:id="rId29"/>
     </p:embeddedFont>
     <p:embeddedFont>
       <p:font typeface="Manrope SemiBold" panose="020B0604020202020204" charset="0"/>
-      <p:regular r:id="rId21"/>
-      <p:bold r:id="rId22"/>
+      <p:regular r:id="rId30"/>
+      <p:bold r:id="rId31"/>
     </p:embeddedFont>
     <p:embeddedFont>
       <p:font typeface="Montserrat" panose="00000500000000000000" pitchFamily="2" charset="0"/>
-      <p:regular r:id="rId23"/>
-      <p:bold r:id="rId24"/>
-      <p:italic r:id="rId25"/>
-      <p:boldItalic r:id="rId26"/>
+      <p:regular r:id="rId32"/>
+      <p:bold r:id="rId33"/>
+      <p:italic r:id="rId34"/>
+      <p:boldItalic r:id="rId35"/>
     </p:embeddedFont>
     <p:embeddedFont>
       <p:font typeface="Nunito Light" pitchFamily="2" charset="0"/>
-      <p:regular r:id="rId27"/>
-      <p:italic r:id="rId28"/>
+      <p:regular r:id="rId36"/>
+      <p:italic r:id="rId37"/>
     </p:embeddedFont>
     <p:embeddedFont>
       <p:font typeface="Raleway" pitchFamily="2" charset="0"/>
-      <p:regular r:id="rId29"/>
-      <p:bold r:id="rId30"/>
-      <p:italic r:id="rId31"/>
-      <p:boldItalic r:id="rId32"/>
+      <p:regular r:id="rId38"/>
+      <p:bold r:id="rId39"/>
+      <p:italic r:id="rId40"/>
+      <p:boldItalic r:id="rId41"/>
     </p:embeddedFont>
   </p:embeddedFontLst>
   <p:defaultTextStyle>
@@ -843,6 +852,115 @@
 </p:notes>
 </file>
 
+<file path=ppt/notesSlides/notesSlide10.xml><?xml version="1.0" encoding="utf-8"?>
+<p:notes xmlns:a="http://schemas.openxmlformats.org/drawingml/2006/main" xmlns:r="http://schemas.openxmlformats.org/officeDocument/2006/relationships" xmlns:p="http://schemas.openxmlformats.org/presentationml/2006/main" showMasterSp="0" showMasterPhAnim="0">
+  <p:cSld>
+    <p:spTree>
+      <p:nvGrpSpPr>
+        <p:cNvPr id="1" name="Shape 1068"/>
+        <p:cNvGrpSpPr/>
+        <p:nvPr/>
+      </p:nvGrpSpPr>
+      <p:grpSpPr>
+        <a:xfrm>
+          <a:off x="0" y="0"/>
+          <a:ext cx="0" cy="0"/>
+          <a:chOff x="0" y="0"/>
+          <a:chExt cx="0" cy="0"/>
+        </a:xfrm>
+      </p:grpSpPr>
+      <p:sp>
+        <p:nvSpPr>
+          <p:cNvPr id="1069" name="Google Shape;1069;g1910c9cffe2_0_69:notes"/>
+          <p:cNvSpPr>
+            <a:spLocks noGrp="1" noRot="1" noChangeAspect="1"/>
+          </p:cNvSpPr>
+          <p:nvPr>
+            <p:ph type="sldImg" idx="2"/>
+          </p:nvPr>
+        </p:nvSpPr>
+        <p:spPr>
+          <a:xfrm>
+            <a:off x="381000" y="685800"/>
+            <a:ext cx="6096000" cy="3429000"/>
+          </a:xfrm>
+          <a:custGeom>
+            <a:avLst/>
+            <a:gdLst/>
+            <a:ahLst/>
+            <a:cxnLst/>
+            <a:rect l="l" t="t" r="r" b="b"/>
+            <a:pathLst>
+              <a:path w="120000" h="120000" extrusionOk="0">
+                <a:moveTo>
+                  <a:pt x="0" y="0"/>
+                </a:moveTo>
+                <a:lnTo>
+                  <a:pt x="120000" y="0"/>
+                </a:lnTo>
+                <a:lnTo>
+                  <a:pt x="120000" y="120000"/>
+                </a:lnTo>
+                <a:lnTo>
+                  <a:pt x="0" y="120000"/>
+                </a:lnTo>
+                <a:close/>
+              </a:path>
+            </a:pathLst>
+          </a:custGeom>
+        </p:spPr>
+      </p:sp>
+      <p:sp>
+        <p:nvSpPr>
+          <p:cNvPr id="1070" name="Google Shape;1070;g1910c9cffe2_0_69:notes"/>
+          <p:cNvSpPr txBox="1">
+            <a:spLocks noGrp="1"/>
+          </p:cNvSpPr>
+          <p:nvPr>
+            <p:ph type="body" idx="1"/>
+          </p:nvPr>
+        </p:nvSpPr>
+        <p:spPr>
+          <a:xfrm>
+            <a:off x="685800" y="4343400"/>
+            <a:ext cx="5486400" cy="4114800"/>
+          </a:xfrm>
+          <a:prstGeom prst="rect">
+            <a:avLst/>
+          </a:prstGeom>
+        </p:spPr>
+        <p:txBody>
+          <a:bodyPr spcFirstLastPara="1" wrap="square" lIns="91425" tIns="91425" rIns="91425" bIns="91425" anchor="t" anchorCtr="0">
+            <a:noAutofit/>
+          </a:bodyPr>
+          <a:lstStyle/>
+          <a:p>
+            <a:pPr marL="0" lvl="0" indent="0" algn="l" rtl="0">
+              <a:spcBef>
+                <a:spcPts val="0"/>
+              </a:spcBef>
+              <a:spcAft>
+                <a:spcPts val="0"/>
+              </a:spcAft>
+              <a:buNone/>
+            </a:pPr>
+            <a:endParaRPr/>
+          </a:p>
+        </p:txBody>
+      </p:sp>
+    </p:spTree>
+    <p:extLst>
+      <p:ext uri="{BB962C8B-B14F-4D97-AF65-F5344CB8AC3E}">
+        <p14:creationId xmlns:p14="http://schemas.microsoft.com/office/powerpoint/2010/main" val="465770592"/>
+      </p:ext>
+    </p:extLst>
+  </p:cSld>
+  <p:clrMapOvr>
+    <a:masterClrMapping/>
+  </p:clrMapOvr>
+</p:notes>
+</file>
+
 <file path=ppt/notesSlides/notesSlide2.xml><?xml version="1.0" encoding="utf-8"?>
 <p:notes xmlns:a="http://schemas.openxmlformats.org/drawingml/2006/main" xmlns:r="http://schemas.openxmlformats.org/officeDocument/2006/relationships" xmlns:p="http://schemas.openxmlformats.org/presentationml/2006/main" showMasterSp="0" showMasterPhAnim="0">
   <p:cSld>
@@ -1582,6 +1700,115 @@
     <p:extLst>
       <p:ext uri="{BB962C8B-B14F-4D97-AF65-F5344CB8AC3E}">
         <p14:creationId xmlns:p14="http://schemas.microsoft.com/office/powerpoint/2010/main" val="1943945786"/>
+      </p:ext>
+    </p:extLst>
+  </p:cSld>
+  <p:clrMapOvr>
+    <a:masterClrMapping/>
+  </p:clrMapOvr>
+</p:notes>
+</file>
+
+<file path=ppt/notesSlides/notesSlide9.xml><?xml version="1.0" encoding="utf-8"?>
+<p:notes xmlns:a="http://schemas.openxmlformats.org/drawingml/2006/main" xmlns:r="http://schemas.openxmlformats.org/officeDocument/2006/relationships" xmlns:p="http://schemas.openxmlformats.org/presentationml/2006/main" showMasterSp="0" showMasterPhAnim="0">
+  <p:cSld>
+    <p:spTree>
+      <p:nvGrpSpPr>
+        <p:cNvPr id="1" name="Shape 1068"/>
+        <p:cNvGrpSpPr/>
+        <p:nvPr/>
+      </p:nvGrpSpPr>
+      <p:grpSpPr>
+        <a:xfrm>
+          <a:off x="0" y="0"/>
+          <a:ext cx="0" cy="0"/>
+          <a:chOff x="0" y="0"/>
+          <a:chExt cx="0" cy="0"/>
+        </a:xfrm>
+      </p:grpSpPr>
+      <p:sp>
+        <p:nvSpPr>
+          <p:cNvPr id="1069" name="Google Shape;1069;g1910c9cffe2_0_69:notes"/>
+          <p:cNvSpPr>
+            <a:spLocks noGrp="1" noRot="1" noChangeAspect="1"/>
+          </p:cNvSpPr>
+          <p:nvPr>
+            <p:ph type="sldImg" idx="2"/>
+          </p:nvPr>
+        </p:nvSpPr>
+        <p:spPr>
+          <a:xfrm>
+            <a:off x="381000" y="685800"/>
+            <a:ext cx="6096000" cy="3429000"/>
+          </a:xfrm>
+          <a:custGeom>
+            <a:avLst/>
+            <a:gdLst/>
+            <a:ahLst/>
+            <a:cxnLst/>
+            <a:rect l="l" t="t" r="r" b="b"/>
+            <a:pathLst>
+              <a:path w="120000" h="120000" extrusionOk="0">
+                <a:moveTo>
+                  <a:pt x="0" y="0"/>
+                </a:moveTo>
+                <a:lnTo>
+                  <a:pt x="120000" y="0"/>
+                </a:lnTo>
+                <a:lnTo>
+                  <a:pt x="120000" y="120000"/>
+                </a:lnTo>
+                <a:lnTo>
+                  <a:pt x="0" y="120000"/>
+                </a:lnTo>
+                <a:close/>
+              </a:path>
+            </a:pathLst>
+          </a:custGeom>
+        </p:spPr>
+      </p:sp>
+      <p:sp>
+        <p:nvSpPr>
+          <p:cNvPr id="1070" name="Google Shape;1070;g1910c9cffe2_0_69:notes"/>
+          <p:cNvSpPr txBox="1">
+            <a:spLocks noGrp="1"/>
+          </p:cNvSpPr>
+          <p:nvPr>
+            <p:ph type="body" idx="1"/>
+          </p:nvPr>
+        </p:nvSpPr>
+        <p:spPr>
+          <a:xfrm>
+            <a:off x="685800" y="4343400"/>
+            <a:ext cx="5486400" cy="4114800"/>
+          </a:xfrm>
+          <a:prstGeom prst="rect">
+            <a:avLst/>
+          </a:prstGeom>
+        </p:spPr>
+        <p:txBody>
+          <a:bodyPr spcFirstLastPara="1" wrap="square" lIns="91425" tIns="91425" rIns="91425" bIns="91425" anchor="t" anchorCtr="0">
+            <a:noAutofit/>
+          </a:bodyPr>
+          <a:lstStyle/>
+          <a:p>
+            <a:pPr marL="0" lvl="0" indent="0" algn="l" rtl="0">
+              <a:spcBef>
+                <a:spcPts val="0"/>
+              </a:spcBef>
+              <a:spcAft>
+                <a:spcPts val="0"/>
+              </a:spcAft>
+              <a:buNone/>
+            </a:pPr>
+            <a:endParaRPr/>
+          </a:p>
+        </p:txBody>
+      </p:sp>
+    </p:spTree>
+    <p:extLst>
+      <p:ext uri="{BB962C8B-B14F-4D97-AF65-F5344CB8AC3E}">
+        <p14:creationId xmlns:p14="http://schemas.microsoft.com/office/powerpoint/2010/main" val="292900639"/>
       </p:ext>
     </p:extLst>
   </p:cSld>
@@ -27321,7 +27548,7 @@
             </a:pPr>
             <a:r>
               <a:rPr lang="en" dirty="0"/>
-              <a:t>Aggiunta dei watch next videos per ogni video</a:t>
+              <a:t>Aggiunta dei watch next videos</a:t>
             </a:r>
           </a:p>
           <a:p>
@@ -27348,7 +27575,7 @@
             </a:pPr>
             <a:r>
               <a:rPr lang="en" dirty="0"/>
-              <a:t>Aggiunta della gestione del dataset rendendo </a:t>
+              <a:t>Gestione del dataset per rendere </a:t>
             </a:r>
             <a:r>
               <a:rPr lang="it-IT" dirty="0"/>
@@ -29075,7 +29302,10 @@
           <a:bodyPr/>
           <a:lstStyle/>
           <a:p>
-            <a:endParaRPr lang="it-IT" dirty="0"/>
+            <a:r>
+              <a:rPr lang="it-IT" dirty="0"/>
+              <a:t>Video suggeriti e Selezione dati</a:t>
+            </a:r>
           </a:p>
         </p:txBody>
       </p:sp>
@@ -29095,12 +29325,113 @@
             <p:ph type="body" idx="1"/>
           </p:nvPr>
         </p:nvSpPr>
-        <p:spPr/>
+        <p:spPr>
+          <a:xfrm>
+            <a:off x="720000" y="1489392"/>
+            <a:ext cx="7704000" cy="1823134"/>
+          </a:xfrm>
+        </p:spPr>
         <p:txBody>
           <a:bodyPr/>
           <a:lstStyle/>
           <a:p>
-            <a:endParaRPr lang="it-IT"/>
+            <a:pPr marL="152400" indent="0">
+              <a:buNone/>
+            </a:pPr>
+            <a:r>
+              <a:rPr lang="it-IT" dirty="0"/>
+              <a:t>Nella seconda parte del progetto è stata implementata, in primo luogo, la possibilità di visualizzare i video associati ad un determinato </a:t>
+            </a:r>
+            <a:r>
+              <a:rPr lang="it-IT" dirty="0" err="1"/>
+              <a:t>Ted</a:t>
+            </a:r>
+            <a:r>
+              <a:rPr lang="it-IT" dirty="0"/>
+              <a:t>, quindi i video suggeriti in base al </a:t>
+            </a:r>
+            <a:r>
+              <a:rPr lang="it-IT" dirty="0" err="1"/>
+              <a:t>Ted</a:t>
+            </a:r>
+            <a:r>
+              <a:rPr lang="it-IT" dirty="0"/>
+              <a:t> che si sta guardando ( </a:t>
+            </a:r>
+            <a:r>
+              <a:rPr lang="it-IT" dirty="0" err="1"/>
+              <a:t>watch</a:t>
+            </a:r>
+            <a:r>
+              <a:rPr lang="it-IT" dirty="0"/>
+              <a:t> </a:t>
+            </a:r>
+            <a:r>
+              <a:rPr lang="it-IT" dirty="0" err="1"/>
+              <a:t>next</a:t>
+            </a:r>
+            <a:r>
+              <a:rPr lang="it-IT" dirty="0"/>
+              <a:t> </a:t>
+            </a:r>
+            <a:r>
+              <a:rPr lang="it-IT" dirty="0" err="1"/>
+              <a:t>videos</a:t>
+            </a:r>
+            <a:r>
+              <a:rPr lang="it-IT" dirty="0"/>
+              <a:t> ) e in secondo luogo la selezione dei dati presenti nel dataset in base ai criteri descritti nella prima parte del progetto e quindi video </a:t>
+            </a:r>
+            <a:r>
+              <a:rPr lang="it-IT" dirty="0" err="1"/>
+              <a:t>Ted</a:t>
+            </a:r>
+            <a:r>
+              <a:rPr lang="it-IT" dirty="0"/>
+              <a:t> relativi a </a:t>
+            </a:r>
+            <a:r>
+              <a:rPr lang="it-IT" b="1" dirty="0"/>
+              <a:t>scienza </a:t>
+            </a:r>
+            <a:r>
+              <a:rPr lang="it-IT" dirty="0"/>
+              <a:t>e </a:t>
+            </a:r>
+            <a:r>
+              <a:rPr lang="it-IT" b="1" dirty="0"/>
+              <a:t>tecnologia </a:t>
+            </a:r>
+            <a:r>
+              <a:rPr lang="it-IT" dirty="0"/>
+              <a:t>, scremando dall’intero insieme di dati solo quelli che servono per lo sviluppo del progetto.</a:t>
+            </a:r>
+          </a:p>
+          <a:p>
+            <a:pPr marL="152400" indent="0">
+              <a:buNone/>
+            </a:pPr>
+            <a:r>
+              <a:rPr lang="it-IT" dirty="0"/>
+              <a:t>A questo proposito viene inizializzato e implementato un job </a:t>
+            </a:r>
+            <a:r>
+              <a:rPr lang="it-IT" dirty="0" err="1"/>
+              <a:t>PySpark</a:t>
+            </a:r>
+            <a:r>
+              <a:rPr lang="it-IT" dirty="0"/>
+              <a:t>.</a:t>
+            </a:r>
+          </a:p>
+          <a:p>
+            <a:pPr marL="152400" indent="0">
+              <a:buNone/>
+            </a:pPr>
+            <a:r>
+              <a:rPr lang="it-IT" dirty="0"/>
+              <a:t>Il job è descritto in seguito.</a:t>
+            </a:r>
           </a:p>
         </p:txBody>
       </p:sp>
@@ -29108,6 +29439,1330 @@
     <p:extLst>
       <p:ext uri="{BB962C8B-B14F-4D97-AF65-F5344CB8AC3E}">
         <p14:creationId xmlns:p14="http://schemas.microsoft.com/office/powerpoint/2010/main" val="4275465686"/>
+      </p:ext>
+    </p:extLst>
+  </p:cSld>
+  <p:clrMapOvr>
+    <a:masterClrMapping/>
+  </p:clrMapOvr>
+</p:sld>
+</file>
+
+<file path=ppt/slides/slide15.xml><?xml version="1.0" encoding="utf-8"?>
+<p:sld xmlns:a="http://schemas.openxmlformats.org/drawingml/2006/main" xmlns:r="http://schemas.openxmlformats.org/officeDocument/2006/relationships" xmlns:p="http://schemas.openxmlformats.org/presentationml/2006/main">
+  <p:cSld>
+    <p:spTree>
+      <p:nvGrpSpPr>
+        <p:cNvPr id="1" name=""/>
+        <p:cNvGrpSpPr/>
+        <p:nvPr/>
+      </p:nvGrpSpPr>
+      <p:grpSpPr>
+        <a:xfrm>
+          <a:off x="0" y="0"/>
+          <a:ext cx="0" cy="0"/>
+          <a:chOff x="0" y="0"/>
+          <a:chExt cx="0" cy="0"/>
+        </a:xfrm>
+      </p:grpSpPr>
+      <p:sp>
+        <p:nvSpPr>
+          <p:cNvPr id="2" name="Titolo 1">
+            <a:extLst>
+              <a:ext uri="{FF2B5EF4-FFF2-40B4-BE49-F238E27FC236}">
+                <a16:creationId xmlns:a16="http://schemas.microsoft.com/office/drawing/2014/main" id="{70A8D066-6120-3A3D-11F2-6F7F9C36C408}"/>
+              </a:ext>
+            </a:extLst>
+          </p:cNvPr>
+          <p:cNvSpPr>
+            <a:spLocks noGrp="1"/>
+          </p:cNvSpPr>
+          <p:nvPr>
+            <p:ph type="title"/>
+          </p:nvPr>
+        </p:nvSpPr>
+        <p:spPr/>
+        <p:txBody>
+          <a:bodyPr/>
+          <a:lstStyle/>
+          <a:p>
+            <a:r>
+              <a:rPr lang="it-IT" sz="2400" dirty="0"/>
+              <a:t>Aggiunta del </a:t>
+            </a:r>
+            <a:r>
+              <a:rPr lang="it-IT" sz="2400" dirty="0" err="1"/>
+              <a:t>Related_videos</a:t>
+            </a:r>
+            <a:r>
+              <a:rPr lang="it-IT" sz="2400" dirty="0"/>
+              <a:t> Dataset</a:t>
+            </a:r>
+          </a:p>
+        </p:txBody>
+      </p:sp>
+      <p:pic>
+        <p:nvPicPr>
+          <p:cNvPr id="5" name="Immagine 4">
+            <a:extLst>
+              <a:ext uri="{FF2B5EF4-FFF2-40B4-BE49-F238E27FC236}">
+                <a16:creationId xmlns:a16="http://schemas.microsoft.com/office/drawing/2014/main" id="{A19B091A-64E6-9FB0-2E2C-EE5EB19BA837}"/>
+              </a:ext>
+            </a:extLst>
+          </p:cNvPr>
+          <p:cNvPicPr>
+            <a:picLocks noChangeAspect="1"/>
+          </p:cNvPicPr>
+          <p:nvPr/>
+        </p:nvPicPr>
+        <p:blipFill>
+          <a:blip r:embed="rId2"/>
+          <a:stretch>
+            <a:fillRect/>
+          </a:stretch>
+        </p:blipFill>
+        <p:spPr>
+          <a:xfrm>
+            <a:off x="293040" y="1984211"/>
+            <a:ext cx="8557919" cy="2171748"/>
+          </a:xfrm>
+          <a:prstGeom prst="rect">
+            <a:avLst/>
+          </a:prstGeom>
+        </p:spPr>
+      </p:pic>
+      <p:sp>
+        <p:nvSpPr>
+          <p:cNvPr id="6" name="Segnaposto testo 2">
+            <a:extLst>
+              <a:ext uri="{FF2B5EF4-FFF2-40B4-BE49-F238E27FC236}">
+                <a16:creationId xmlns:a16="http://schemas.microsoft.com/office/drawing/2014/main" id="{4DF138A5-9BF2-F911-7F52-0FE5CDA1E971}"/>
+              </a:ext>
+            </a:extLst>
+          </p:cNvPr>
+          <p:cNvSpPr>
+            <a:spLocks noGrp="1"/>
+          </p:cNvSpPr>
+          <p:nvPr>
+            <p:ph type="body" idx="1"/>
+          </p:nvPr>
+        </p:nvSpPr>
+        <p:spPr>
+          <a:xfrm>
+            <a:off x="293040" y="1171430"/>
+            <a:ext cx="7628546" cy="659076"/>
+          </a:xfrm>
+        </p:spPr>
+        <p:txBody>
+          <a:bodyPr/>
+          <a:lstStyle/>
+          <a:p>
+            <a:pPr marL="152400" indent="0">
+              <a:buNone/>
+            </a:pPr>
+            <a:r>
+              <a:rPr lang="it-IT" dirty="0"/>
+              <a:t>Il blocco di codice seguente dello script implementa la funzionalità che permette aggiungere al dataset iniziale, contenente i video </a:t>
+            </a:r>
+            <a:r>
+              <a:rPr lang="it-IT" dirty="0" err="1"/>
+              <a:t>Tedx</a:t>
+            </a:r>
+            <a:r>
+              <a:rPr lang="it-IT" dirty="0"/>
+              <a:t>, anche i </a:t>
+            </a:r>
+            <a:r>
+              <a:rPr lang="it-IT" dirty="0" err="1"/>
+              <a:t>watch</a:t>
+            </a:r>
+            <a:r>
+              <a:rPr lang="it-IT" dirty="0"/>
+              <a:t> </a:t>
+            </a:r>
+            <a:r>
+              <a:rPr lang="it-IT" dirty="0" err="1"/>
+              <a:t>next</a:t>
+            </a:r>
+            <a:r>
+              <a:rPr lang="it-IT" dirty="0"/>
+              <a:t> </a:t>
+            </a:r>
+            <a:r>
+              <a:rPr lang="it-IT" dirty="0" err="1"/>
+              <a:t>videos</a:t>
+            </a:r>
+            <a:r>
+              <a:rPr lang="it-IT" dirty="0"/>
+              <a:t>, cioè i video correlati e consigliati relativi ad un certo </a:t>
+            </a:r>
+            <a:r>
+              <a:rPr lang="it-IT" dirty="0" err="1"/>
+              <a:t>Ted</a:t>
+            </a:r>
+            <a:r>
+              <a:rPr lang="it-IT" dirty="0"/>
+              <a:t> video.</a:t>
+            </a:r>
+          </a:p>
+        </p:txBody>
+      </p:sp>
+      <p:sp>
+        <p:nvSpPr>
+          <p:cNvPr id="7" name="Segnaposto testo 2">
+            <a:extLst>
+              <a:ext uri="{FF2B5EF4-FFF2-40B4-BE49-F238E27FC236}">
+                <a16:creationId xmlns:a16="http://schemas.microsoft.com/office/drawing/2014/main" id="{F842D1B9-C4A8-AD32-B852-75FC424817DA}"/>
+              </a:ext>
+            </a:extLst>
+          </p:cNvPr>
+          <p:cNvSpPr txBox="1">
+            <a:spLocks/>
+          </p:cNvSpPr>
+          <p:nvPr/>
+        </p:nvSpPr>
+        <p:spPr>
+          <a:xfrm>
+            <a:off x="1144250" y="4309664"/>
+            <a:ext cx="7628546" cy="659076"/>
+          </a:xfrm>
+          <a:prstGeom prst="rect">
+            <a:avLst/>
+          </a:prstGeom>
+          <a:noFill/>
+          <a:ln>
+            <a:noFill/>
+          </a:ln>
+        </p:spPr>
+        <p:txBody>
+          <a:bodyPr spcFirstLastPara="1" wrap="square" lIns="91425" tIns="91425" rIns="91425" bIns="91425" anchor="t" anchorCtr="0">
+            <a:noAutofit/>
+          </a:bodyPr>
+          <a:lstStyle>
+            <a:defPPr marR="0" lvl="0" algn="l" rtl="0">
+              <a:lnSpc>
+                <a:spcPct val="100000"/>
+              </a:lnSpc>
+              <a:spcBef>
+                <a:spcPts val="0"/>
+              </a:spcBef>
+              <a:spcAft>
+                <a:spcPts val="0"/>
+              </a:spcAft>
+            </a:defPPr>
+            <a:lvl1pPr marL="457200" marR="0" lvl="0" indent="-304800" algn="l" rtl="0">
+              <a:lnSpc>
+                <a:spcPct val="100000"/>
+              </a:lnSpc>
+              <a:spcBef>
+                <a:spcPts val="0"/>
+              </a:spcBef>
+              <a:spcAft>
+                <a:spcPts val="0"/>
+              </a:spcAft>
+              <a:buClr>
+                <a:schemeClr val="dk1"/>
+              </a:buClr>
+              <a:buSzPts val="1200"/>
+              <a:buFont typeface="Nunito Light"/>
+              <a:buChar char="●"/>
+              <a:defRPr sz="1200" b="0" i="0" u="none" strike="noStrike" cap="none">
+                <a:solidFill>
+                  <a:schemeClr val="dk1"/>
+                </a:solidFill>
+                <a:latin typeface="Montserrat"/>
+                <a:ea typeface="Montserrat"/>
+                <a:cs typeface="Montserrat"/>
+                <a:sym typeface="Montserrat"/>
+              </a:defRPr>
+            </a:lvl1pPr>
+            <a:lvl2pPr marL="914400" marR="0" lvl="1" indent="-304800" algn="l" rtl="0">
+              <a:lnSpc>
+                <a:spcPct val="100000"/>
+              </a:lnSpc>
+              <a:spcBef>
+                <a:spcPts val="0"/>
+              </a:spcBef>
+              <a:spcAft>
+                <a:spcPts val="0"/>
+              </a:spcAft>
+              <a:buClr>
+                <a:schemeClr val="dk1"/>
+              </a:buClr>
+              <a:buSzPts val="1200"/>
+              <a:buFont typeface="Nunito Light"/>
+              <a:buChar char="○"/>
+              <a:defRPr sz="1200" b="0" i="0" u="none" strike="noStrike" cap="none">
+                <a:solidFill>
+                  <a:schemeClr val="dk1"/>
+                </a:solidFill>
+                <a:latin typeface="Montserrat"/>
+                <a:ea typeface="Montserrat"/>
+                <a:cs typeface="Montserrat"/>
+                <a:sym typeface="Montserrat"/>
+              </a:defRPr>
+            </a:lvl2pPr>
+            <a:lvl3pPr marL="1371600" marR="0" lvl="2" indent="-304800" algn="l" rtl="0">
+              <a:lnSpc>
+                <a:spcPct val="100000"/>
+              </a:lnSpc>
+              <a:spcBef>
+                <a:spcPts val="0"/>
+              </a:spcBef>
+              <a:spcAft>
+                <a:spcPts val="0"/>
+              </a:spcAft>
+              <a:buClr>
+                <a:schemeClr val="dk1"/>
+              </a:buClr>
+              <a:buSzPts val="1200"/>
+              <a:buFont typeface="Nunito Light"/>
+              <a:buChar char="■"/>
+              <a:defRPr sz="1200" b="0" i="0" u="none" strike="noStrike" cap="none">
+                <a:solidFill>
+                  <a:schemeClr val="dk1"/>
+                </a:solidFill>
+                <a:latin typeface="Montserrat"/>
+                <a:ea typeface="Montserrat"/>
+                <a:cs typeface="Montserrat"/>
+                <a:sym typeface="Montserrat"/>
+              </a:defRPr>
+            </a:lvl3pPr>
+            <a:lvl4pPr marL="1828800" marR="0" lvl="3" indent="-304800" algn="l" rtl="0">
+              <a:lnSpc>
+                <a:spcPct val="100000"/>
+              </a:lnSpc>
+              <a:spcBef>
+                <a:spcPts val="0"/>
+              </a:spcBef>
+              <a:spcAft>
+                <a:spcPts val="0"/>
+              </a:spcAft>
+              <a:buClr>
+                <a:schemeClr val="dk1"/>
+              </a:buClr>
+              <a:buSzPts val="1200"/>
+              <a:buFont typeface="Nunito Light"/>
+              <a:buChar char="●"/>
+              <a:defRPr sz="1200" b="0" i="0" u="none" strike="noStrike" cap="none">
+                <a:solidFill>
+                  <a:schemeClr val="dk1"/>
+                </a:solidFill>
+                <a:latin typeface="Montserrat"/>
+                <a:ea typeface="Montserrat"/>
+                <a:cs typeface="Montserrat"/>
+                <a:sym typeface="Montserrat"/>
+              </a:defRPr>
+            </a:lvl4pPr>
+            <a:lvl5pPr marL="2286000" marR="0" lvl="4" indent="-304800" algn="l" rtl="0">
+              <a:lnSpc>
+                <a:spcPct val="100000"/>
+              </a:lnSpc>
+              <a:spcBef>
+                <a:spcPts val="0"/>
+              </a:spcBef>
+              <a:spcAft>
+                <a:spcPts val="0"/>
+              </a:spcAft>
+              <a:buClr>
+                <a:schemeClr val="dk1"/>
+              </a:buClr>
+              <a:buSzPts val="1200"/>
+              <a:buFont typeface="Nunito Light"/>
+              <a:buChar char="○"/>
+              <a:defRPr sz="1200" b="0" i="0" u="none" strike="noStrike" cap="none">
+                <a:solidFill>
+                  <a:schemeClr val="dk1"/>
+                </a:solidFill>
+                <a:latin typeface="Montserrat"/>
+                <a:ea typeface="Montserrat"/>
+                <a:cs typeface="Montserrat"/>
+                <a:sym typeface="Montserrat"/>
+              </a:defRPr>
+            </a:lvl5pPr>
+            <a:lvl6pPr marL="2743200" marR="0" lvl="5" indent="-304800" algn="l" rtl="0">
+              <a:lnSpc>
+                <a:spcPct val="100000"/>
+              </a:lnSpc>
+              <a:spcBef>
+                <a:spcPts val="0"/>
+              </a:spcBef>
+              <a:spcAft>
+                <a:spcPts val="0"/>
+              </a:spcAft>
+              <a:buClr>
+                <a:schemeClr val="dk1"/>
+              </a:buClr>
+              <a:buSzPts val="1200"/>
+              <a:buFont typeface="Nunito Light"/>
+              <a:buChar char="■"/>
+              <a:defRPr sz="1200" b="0" i="0" u="none" strike="noStrike" cap="none">
+                <a:solidFill>
+                  <a:schemeClr val="dk1"/>
+                </a:solidFill>
+                <a:latin typeface="Montserrat"/>
+                <a:ea typeface="Montserrat"/>
+                <a:cs typeface="Montserrat"/>
+                <a:sym typeface="Montserrat"/>
+              </a:defRPr>
+            </a:lvl6pPr>
+            <a:lvl7pPr marL="3200400" marR="0" lvl="6" indent="-304800" algn="l" rtl="0">
+              <a:lnSpc>
+                <a:spcPct val="100000"/>
+              </a:lnSpc>
+              <a:spcBef>
+                <a:spcPts val="0"/>
+              </a:spcBef>
+              <a:spcAft>
+                <a:spcPts val="0"/>
+              </a:spcAft>
+              <a:buClr>
+                <a:schemeClr val="dk1"/>
+              </a:buClr>
+              <a:buSzPts val="1200"/>
+              <a:buFont typeface="Nunito Light"/>
+              <a:buChar char="●"/>
+              <a:defRPr sz="1200" b="0" i="0" u="none" strike="noStrike" cap="none">
+                <a:solidFill>
+                  <a:schemeClr val="dk1"/>
+                </a:solidFill>
+                <a:latin typeface="Montserrat"/>
+                <a:ea typeface="Montserrat"/>
+                <a:cs typeface="Montserrat"/>
+                <a:sym typeface="Montserrat"/>
+              </a:defRPr>
+            </a:lvl7pPr>
+            <a:lvl8pPr marL="3657600" marR="0" lvl="7" indent="-304800" algn="l" rtl="0">
+              <a:lnSpc>
+                <a:spcPct val="100000"/>
+              </a:lnSpc>
+              <a:spcBef>
+                <a:spcPts val="0"/>
+              </a:spcBef>
+              <a:spcAft>
+                <a:spcPts val="0"/>
+              </a:spcAft>
+              <a:buClr>
+                <a:schemeClr val="dk1"/>
+              </a:buClr>
+              <a:buSzPts val="1200"/>
+              <a:buFont typeface="Nunito Light"/>
+              <a:buChar char="○"/>
+              <a:defRPr sz="1200" b="0" i="0" u="none" strike="noStrike" cap="none">
+                <a:solidFill>
+                  <a:schemeClr val="dk1"/>
+                </a:solidFill>
+                <a:latin typeface="Montserrat"/>
+                <a:ea typeface="Montserrat"/>
+                <a:cs typeface="Montserrat"/>
+                <a:sym typeface="Montserrat"/>
+              </a:defRPr>
+            </a:lvl8pPr>
+            <a:lvl9pPr marL="4114800" marR="0" lvl="8" indent="-304800" algn="l" rtl="0">
+              <a:lnSpc>
+                <a:spcPct val="100000"/>
+              </a:lnSpc>
+              <a:spcBef>
+                <a:spcPts val="0"/>
+              </a:spcBef>
+              <a:spcAft>
+                <a:spcPts val="0"/>
+              </a:spcAft>
+              <a:buClr>
+                <a:schemeClr val="dk1"/>
+              </a:buClr>
+              <a:buSzPts val="1200"/>
+              <a:buFont typeface="Nunito Light"/>
+              <a:buChar char="■"/>
+              <a:defRPr sz="1200" b="0" i="0" u="none" strike="noStrike" cap="none">
+                <a:solidFill>
+                  <a:schemeClr val="dk1"/>
+                </a:solidFill>
+                <a:latin typeface="Montserrat"/>
+                <a:ea typeface="Montserrat"/>
+                <a:cs typeface="Montserrat"/>
+                <a:sym typeface="Montserrat"/>
+              </a:defRPr>
+            </a:lvl9pPr>
+          </a:lstStyle>
+          <a:p>
+            <a:pPr marL="152400" indent="0">
+              <a:buFont typeface="Nunito Light"/>
+              <a:buNone/>
+            </a:pPr>
+            <a:r>
+              <a:rPr lang="it-IT" dirty="0"/>
+              <a:t>Per ogni video </a:t>
+            </a:r>
+            <a:r>
+              <a:rPr lang="it-IT" dirty="0" err="1"/>
+              <a:t>Tedx</a:t>
+            </a:r>
+            <a:r>
+              <a:rPr lang="it-IT" dirty="0"/>
+              <a:t> si possono avere più video correlati e viene deciso di indicare per ogni documento in </a:t>
+            </a:r>
+            <a:r>
+              <a:rPr lang="it-IT" dirty="0" err="1"/>
+              <a:t>MongoDb</a:t>
+            </a:r>
+            <a:r>
+              <a:rPr lang="it-IT" dirty="0"/>
+              <a:t> due vettori: id dei video correlati e titolo dei video correlati.</a:t>
+            </a:r>
+          </a:p>
+        </p:txBody>
+      </p:sp>
+    </p:spTree>
+    <p:extLst>
+      <p:ext uri="{BB962C8B-B14F-4D97-AF65-F5344CB8AC3E}">
+        <p14:creationId xmlns:p14="http://schemas.microsoft.com/office/powerpoint/2010/main" val="1339142508"/>
+      </p:ext>
+    </p:extLst>
+  </p:cSld>
+  <p:clrMapOvr>
+    <a:masterClrMapping/>
+  </p:clrMapOvr>
+</p:sld>
+</file>
+
+<file path=ppt/slides/slide16.xml><?xml version="1.0" encoding="utf-8"?>
+<p:sld xmlns:a="http://schemas.openxmlformats.org/drawingml/2006/main" xmlns:r="http://schemas.openxmlformats.org/officeDocument/2006/relationships" xmlns:p="http://schemas.openxmlformats.org/presentationml/2006/main">
+  <p:cSld>
+    <p:spTree>
+      <p:nvGrpSpPr>
+        <p:cNvPr id="1" name=""/>
+        <p:cNvGrpSpPr/>
+        <p:nvPr/>
+      </p:nvGrpSpPr>
+      <p:grpSpPr>
+        <a:xfrm>
+          <a:off x="0" y="0"/>
+          <a:ext cx="0" cy="0"/>
+          <a:chOff x="0" y="0"/>
+          <a:chExt cx="0" cy="0"/>
+        </a:xfrm>
+      </p:grpSpPr>
+      <p:sp>
+        <p:nvSpPr>
+          <p:cNvPr id="2" name="Titolo 1">
+            <a:extLst>
+              <a:ext uri="{FF2B5EF4-FFF2-40B4-BE49-F238E27FC236}">
+                <a16:creationId xmlns:a16="http://schemas.microsoft.com/office/drawing/2014/main" id="{70A8D066-6120-3A3D-11F2-6F7F9C36C408}"/>
+              </a:ext>
+            </a:extLst>
+          </p:cNvPr>
+          <p:cNvSpPr>
+            <a:spLocks noGrp="1"/>
+          </p:cNvSpPr>
+          <p:nvPr>
+            <p:ph type="title"/>
+          </p:nvPr>
+        </p:nvSpPr>
+        <p:spPr/>
+        <p:txBody>
+          <a:bodyPr/>
+          <a:lstStyle/>
+          <a:p>
+            <a:r>
+              <a:rPr lang="it-IT" sz="2400" dirty="0"/>
+              <a:t>Descrizione dello script</a:t>
+            </a:r>
+          </a:p>
+        </p:txBody>
+      </p:sp>
+      <p:sp>
+        <p:nvSpPr>
+          <p:cNvPr id="3" name="Segnaposto testo 2">
+            <a:extLst>
+              <a:ext uri="{FF2B5EF4-FFF2-40B4-BE49-F238E27FC236}">
+                <a16:creationId xmlns:a16="http://schemas.microsoft.com/office/drawing/2014/main" id="{5A745718-3DF8-199C-6AD6-02D02C3A7F60}"/>
+              </a:ext>
+            </a:extLst>
+          </p:cNvPr>
+          <p:cNvSpPr>
+            <a:spLocks noGrp="1"/>
+          </p:cNvSpPr>
+          <p:nvPr>
+            <p:ph type="body" idx="1"/>
+          </p:nvPr>
+        </p:nvSpPr>
+        <p:spPr>
+          <a:xfrm>
+            <a:off x="667961" y="1091993"/>
+            <a:ext cx="6929737" cy="781412"/>
+          </a:xfrm>
+        </p:spPr>
+        <p:txBody>
+          <a:bodyPr/>
+          <a:lstStyle/>
+          <a:p>
+            <a:pPr marL="152400" indent="0">
+              <a:buNone/>
+            </a:pPr>
+            <a:r>
+              <a:rPr lang="it-IT" dirty="0"/>
+              <a:t>Lo script relativo al job </a:t>
+            </a:r>
+            <a:r>
+              <a:rPr lang="it-IT" dirty="0" err="1"/>
+              <a:t>PySpark</a:t>
+            </a:r>
+            <a:r>
+              <a:rPr lang="it-IT" dirty="0"/>
+              <a:t> presenta inizialmente la lettura del set di dati iniziale e</a:t>
+            </a:r>
+          </a:p>
+          <a:p>
+            <a:pPr marL="152400" indent="0">
+              <a:buNone/>
+            </a:pPr>
+            <a:r>
+              <a:rPr lang="it-IT" dirty="0"/>
+              <a:t>Il filtraggio dei record che contengono un id nullo. </a:t>
+            </a:r>
+          </a:p>
+        </p:txBody>
+      </p:sp>
+      <p:pic>
+        <p:nvPicPr>
+          <p:cNvPr id="7" name="Immagine 6">
+            <a:extLst>
+              <a:ext uri="{FF2B5EF4-FFF2-40B4-BE49-F238E27FC236}">
+                <a16:creationId xmlns:a16="http://schemas.microsoft.com/office/drawing/2014/main" id="{C5B31AB5-C4FE-7548-8AF7-91F5AE4EBCAF}"/>
+              </a:ext>
+            </a:extLst>
+          </p:cNvPr>
+          <p:cNvPicPr>
+            <a:picLocks noChangeAspect="1"/>
+          </p:cNvPicPr>
+          <p:nvPr/>
+        </p:nvPicPr>
+        <p:blipFill>
+          <a:blip r:embed="rId2"/>
+          <a:stretch>
+            <a:fillRect/>
+          </a:stretch>
+        </p:blipFill>
+        <p:spPr>
+          <a:xfrm>
+            <a:off x="1546302" y="1873405"/>
+            <a:ext cx="5296359" cy="2636748"/>
+          </a:xfrm>
+          <a:prstGeom prst="rect">
+            <a:avLst/>
+          </a:prstGeom>
+        </p:spPr>
+      </p:pic>
+    </p:spTree>
+    <p:extLst>
+      <p:ext uri="{BB962C8B-B14F-4D97-AF65-F5344CB8AC3E}">
+        <p14:creationId xmlns:p14="http://schemas.microsoft.com/office/powerpoint/2010/main" val="3083907154"/>
+      </p:ext>
+    </p:extLst>
+  </p:cSld>
+  <p:clrMapOvr>
+    <a:masterClrMapping/>
+  </p:clrMapOvr>
+</p:sld>
+</file>
+
+<file path=ppt/slides/slide17.xml><?xml version="1.0" encoding="utf-8"?>
+<p:sld xmlns:a="http://schemas.openxmlformats.org/drawingml/2006/main" xmlns:r="http://schemas.openxmlformats.org/officeDocument/2006/relationships" xmlns:p="http://schemas.openxmlformats.org/presentationml/2006/main">
+  <p:cSld>
+    <p:spTree>
+      <p:nvGrpSpPr>
+        <p:cNvPr id="1" name=""/>
+        <p:cNvGrpSpPr/>
+        <p:nvPr/>
+      </p:nvGrpSpPr>
+      <p:grpSpPr>
+        <a:xfrm>
+          <a:off x="0" y="0"/>
+          <a:ext cx="0" cy="0"/>
+          <a:chOff x="0" y="0"/>
+          <a:chExt cx="0" cy="0"/>
+        </a:xfrm>
+      </p:grpSpPr>
+      <p:sp>
+        <p:nvSpPr>
+          <p:cNvPr id="2" name="Titolo 1">
+            <a:extLst>
+              <a:ext uri="{FF2B5EF4-FFF2-40B4-BE49-F238E27FC236}">
+                <a16:creationId xmlns:a16="http://schemas.microsoft.com/office/drawing/2014/main" id="{70A8D066-6120-3A3D-11F2-6F7F9C36C408}"/>
+              </a:ext>
+            </a:extLst>
+          </p:cNvPr>
+          <p:cNvSpPr>
+            <a:spLocks noGrp="1"/>
+          </p:cNvSpPr>
+          <p:nvPr>
+            <p:ph type="title"/>
+          </p:nvPr>
+        </p:nvSpPr>
+        <p:spPr/>
+        <p:txBody>
+          <a:bodyPr/>
+          <a:lstStyle/>
+          <a:p>
+            <a:r>
+              <a:rPr lang="it-IT" sz="2400" dirty="0"/>
+              <a:t>Aggiunta Dettagli</a:t>
+            </a:r>
+          </a:p>
+        </p:txBody>
+      </p:sp>
+      <p:sp>
+        <p:nvSpPr>
+          <p:cNvPr id="3" name="Segnaposto testo 2">
+            <a:extLst>
+              <a:ext uri="{FF2B5EF4-FFF2-40B4-BE49-F238E27FC236}">
+                <a16:creationId xmlns:a16="http://schemas.microsoft.com/office/drawing/2014/main" id="{5A745718-3DF8-199C-6AD6-02D02C3A7F60}"/>
+              </a:ext>
+            </a:extLst>
+          </p:cNvPr>
+          <p:cNvSpPr>
+            <a:spLocks noGrp="1"/>
+          </p:cNvSpPr>
+          <p:nvPr>
+            <p:ph type="body" idx="1"/>
+          </p:nvPr>
+        </p:nvSpPr>
+        <p:spPr>
+          <a:xfrm>
+            <a:off x="667961" y="1091992"/>
+            <a:ext cx="7301444" cy="513783"/>
+          </a:xfrm>
+        </p:spPr>
+        <p:txBody>
+          <a:bodyPr/>
+          <a:lstStyle/>
+          <a:p>
+            <a:pPr marL="152400" indent="0">
+              <a:buNone/>
+            </a:pPr>
+            <a:r>
+              <a:rPr lang="it-IT" dirty="0"/>
+              <a:t>Viene letto un altro dataset contenente i dettagli di ogni video come: descrizione e durata.</a:t>
+            </a:r>
+          </a:p>
+        </p:txBody>
+      </p:sp>
+      <p:pic>
+        <p:nvPicPr>
+          <p:cNvPr id="5" name="Immagine 4">
+            <a:extLst>
+              <a:ext uri="{FF2B5EF4-FFF2-40B4-BE49-F238E27FC236}">
+                <a16:creationId xmlns:a16="http://schemas.microsoft.com/office/drawing/2014/main" id="{DC429983-3D73-1EF6-58BE-0F4FDB0853CD}"/>
+              </a:ext>
+            </a:extLst>
+          </p:cNvPr>
+          <p:cNvPicPr>
+            <a:picLocks noChangeAspect="1"/>
+          </p:cNvPicPr>
+          <p:nvPr/>
+        </p:nvPicPr>
+        <p:blipFill>
+          <a:blip r:embed="rId2"/>
+          <a:stretch>
+            <a:fillRect/>
+          </a:stretch>
+        </p:blipFill>
+        <p:spPr>
+          <a:xfrm>
+            <a:off x="1523999" y="1481815"/>
+            <a:ext cx="4336447" cy="1989003"/>
+          </a:xfrm>
+          <a:prstGeom prst="rect">
+            <a:avLst/>
+          </a:prstGeom>
+        </p:spPr>
+      </p:pic>
+      <p:sp>
+        <p:nvSpPr>
+          <p:cNvPr id="6" name="Segnaposto testo 2">
+            <a:extLst>
+              <a:ext uri="{FF2B5EF4-FFF2-40B4-BE49-F238E27FC236}">
+                <a16:creationId xmlns:a16="http://schemas.microsoft.com/office/drawing/2014/main" id="{C2522C5E-40F5-83F9-4BD1-F58C1F42FBB8}"/>
+              </a:ext>
+            </a:extLst>
+          </p:cNvPr>
+          <p:cNvSpPr txBox="1">
+            <a:spLocks/>
+          </p:cNvSpPr>
+          <p:nvPr/>
+        </p:nvSpPr>
+        <p:spPr>
+          <a:xfrm>
+            <a:off x="667961" y="3537726"/>
+            <a:ext cx="6840527" cy="393447"/>
+          </a:xfrm>
+          <a:prstGeom prst="rect">
+            <a:avLst/>
+          </a:prstGeom>
+          <a:noFill/>
+          <a:ln>
+            <a:noFill/>
+          </a:ln>
+        </p:spPr>
+        <p:txBody>
+          <a:bodyPr spcFirstLastPara="1" wrap="square" lIns="91425" tIns="91425" rIns="91425" bIns="91425" anchor="t" anchorCtr="0">
+            <a:noAutofit/>
+          </a:bodyPr>
+          <a:lstStyle>
+            <a:defPPr marR="0" lvl="0" algn="l" rtl="0">
+              <a:lnSpc>
+                <a:spcPct val="100000"/>
+              </a:lnSpc>
+              <a:spcBef>
+                <a:spcPts val="0"/>
+              </a:spcBef>
+              <a:spcAft>
+                <a:spcPts val="0"/>
+              </a:spcAft>
+            </a:defPPr>
+            <a:lvl1pPr marL="457200" marR="0" lvl="0" indent="-304800" algn="l" rtl="0">
+              <a:lnSpc>
+                <a:spcPct val="100000"/>
+              </a:lnSpc>
+              <a:spcBef>
+                <a:spcPts val="0"/>
+              </a:spcBef>
+              <a:spcAft>
+                <a:spcPts val="0"/>
+              </a:spcAft>
+              <a:buClr>
+                <a:schemeClr val="dk1"/>
+              </a:buClr>
+              <a:buSzPts val="1200"/>
+              <a:buFont typeface="Nunito Light"/>
+              <a:buChar char="●"/>
+              <a:defRPr sz="1200" b="0" i="0" u="none" strike="noStrike" cap="none">
+                <a:solidFill>
+                  <a:schemeClr val="dk1"/>
+                </a:solidFill>
+                <a:latin typeface="Montserrat"/>
+                <a:ea typeface="Montserrat"/>
+                <a:cs typeface="Montserrat"/>
+                <a:sym typeface="Montserrat"/>
+              </a:defRPr>
+            </a:lvl1pPr>
+            <a:lvl2pPr marL="914400" marR="0" lvl="1" indent="-304800" algn="l" rtl="0">
+              <a:lnSpc>
+                <a:spcPct val="100000"/>
+              </a:lnSpc>
+              <a:spcBef>
+                <a:spcPts val="0"/>
+              </a:spcBef>
+              <a:spcAft>
+                <a:spcPts val="0"/>
+              </a:spcAft>
+              <a:buClr>
+                <a:schemeClr val="dk1"/>
+              </a:buClr>
+              <a:buSzPts val="1200"/>
+              <a:buFont typeface="Nunito Light"/>
+              <a:buChar char="○"/>
+              <a:defRPr sz="1200" b="0" i="0" u="none" strike="noStrike" cap="none">
+                <a:solidFill>
+                  <a:schemeClr val="dk1"/>
+                </a:solidFill>
+                <a:latin typeface="Montserrat"/>
+                <a:ea typeface="Montserrat"/>
+                <a:cs typeface="Montserrat"/>
+                <a:sym typeface="Montserrat"/>
+              </a:defRPr>
+            </a:lvl2pPr>
+            <a:lvl3pPr marL="1371600" marR="0" lvl="2" indent="-304800" algn="l" rtl="0">
+              <a:lnSpc>
+                <a:spcPct val="100000"/>
+              </a:lnSpc>
+              <a:spcBef>
+                <a:spcPts val="0"/>
+              </a:spcBef>
+              <a:spcAft>
+                <a:spcPts val="0"/>
+              </a:spcAft>
+              <a:buClr>
+                <a:schemeClr val="dk1"/>
+              </a:buClr>
+              <a:buSzPts val="1200"/>
+              <a:buFont typeface="Nunito Light"/>
+              <a:buChar char="■"/>
+              <a:defRPr sz="1200" b="0" i="0" u="none" strike="noStrike" cap="none">
+                <a:solidFill>
+                  <a:schemeClr val="dk1"/>
+                </a:solidFill>
+                <a:latin typeface="Montserrat"/>
+                <a:ea typeface="Montserrat"/>
+                <a:cs typeface="Montserrat"/>
+                <a:sym typeface="Montserrat"/>
+              </a:defRPr>
+            </a:lvl3pPr>
+            <a:lvl4pPr marL="1828800" marR="0" lvl="3" indent="-304800" algn="l" rtl="0">
+              <a:lnSpc>
+                <a:spcPct val="100000"/>
+              </a:lnSpc>
+              <a:spcBef>
+                <a:spcPts val="0"/>
+              </a:spcBef>
+              <a:spcAft>
+                <a:spcPts val="0"/>
+              </a:spcAft>
+              <a:buClr>
+                <a:schemeClr val="dk1"/>
+              </a:buClr>
+              <a:buSzPts val="1200"/>
+              <a:buFont typeface="Nunito Light"/>
+              <a:buChar char="●"/>
+              <a:defRPr sz="1200" b="0" i="0" u="none" strike="noStrike" cap="none">
+                <a:solidFill>
+                  <a:schemeClr val="dk1"/>
+                </a:solidFill>
+                <a:latin typeface="Montserrat"/>
+                <a:ea typeface="Montserrat"/>
+                <a:cs typeface="Montserrat"/>
+                <a:sym typeface="Montserrat"/>
+              </a:defRPr>
+            </a:lvl4pPr>
+            <a:lvl5pPr marL="2286000" marR="0" lvl="4" indent="-304800" algn="l" rtl="0">
+              <a:lnSpc>
+                <a:spcPct val="100000"/>
+              </a:lnSpc>
+              <a:spcBef>
+                <a:spcPts val="0"/>
+              </a:spcBef>
+              <a:spcAft>
+                <a:spcPts val="0"/>
+              </a:spcAft>
+              <a:buClr>
+                <a:schemeClr val="dk1"/>
+              </a:buClr>
+              <a:buSzPts val="1200"/>
+              <a:buFont typeface="Nunito Light"/>
+              <a:buChar char="○"/>
+              <a:defRPr sz="1200" b="0" i="0" u="none" strike="noStrike" cap="none">
+                <a:solidFill>
+                  <a:schemeClr val="dk1"/>
+                </a:solidFill>
+                <a:latin typeface="Montserrat"/>
+                <a:ea typeface="Montserrat"/>
+                <a:cs typeface="Montserrat"/>
+                <a:sym typeface="Montserrat"/>
+              </a:defRPr>
+            </a:lvl5pPr>
+            <a:lvl6pPr marL="2743200" marR="0" lvl="5" indent="-304800" algn="l" rtl="0">
+              <a:lnSpc>
+                <a:spcPct val="100000"/>
+              </a:lnSpc>
+              <a:spcBef>
+                <a:spcPts val="0"/>
+              </a:spcBef>
+              <a:spcAft>
+                <a:spcPts val="0"/>
+              </a:spcAft>
+              <a:buClr>
+                <a:schemeClr val="dk1"/>
+              </a:buClr>
+              <a:buSzPts val="1200"/>
+              <a:buFont typeface="Nunito Light"/>
+              <a:buChar char="■"/>
+              <a:defRPr sz="1200" b="0" i="0" u="none" strike="noStrike" cap="none">
+                <a:solidFill>
+                  <a:schemeClr val="dk1"/>
+                </a:solidFill>
+                <a:latin typeface="Montserrat"/>
+                <a:ea typeface="Montserrat"/>
+                <a:cs typeface="Montserrat"/>
+                <a:sym typeface="Montserrat"/>
+              </a:defRPr>
+            </a:lvl6pPr>
+            <a:lvl7pPr marL="3200400" marR="0" lvl="6" indent="-304800" algn="l" rtl="0">
+              <a:lnSpc>
+                <a:spcPct val="100000"/>
+              </a:lnSpc>
+              <a:spcBef>
+                <a:spcPts val="0"/>
+              </a:spcBef>
+              <a:spcAft>
+                <a:spcPts val="0"/>
+              </a:spcAft>
+              <a:buClr>
+                <a:schemeClr val="dk1"/>
+              </a:buClr>
+              <a:buSzPts val="1200"/>
+              <a:buFont typeface="Nunito Light"/>
+              <a:buChar char="●"/>
+              <a:defRPr sz="1200" b="0" i="0" u="none" strike="noStrike" cap="none">
+                <a:solidFill>
+                  <a:schemeClr val="dk1"/>
+                </a:solidFill>
+                <a:latin typeface="Montserrat"/>
+                <a:ea typeface="Montserrat"/>
+                <a:cs typeface="Montserrat"/>
+                <a:sym typeface="Montserrat"/>
+              </a:defRPr>
+            </a:lvl7pPr>
+            <a:lvl8pPr marL="3657600" marR="0" lvl="7" indent="-304800" algn="l" rtl="0">
+              <a:lnSpc>
+                <a:spcPct val="100000"/>
+              </a:lnSpc>
+              <a:spcBef>
+                <a:spcPts val="0"/>
+              </a:spcBef>
+              <a:spcAft>
+                <a:spcPts val="0"/>
+              </a:spcAft>
+              <a:buClr>
+                <a:schemeClr val="dk1"/>
+              </a:buClr>
+              <a:buSzPts val="1200"/>
+              <a:buFont typeface="Nunito Light"/>
+              <a:buChar char="○"/>
+              <a:defRPr sz="1200" b="0" i="0" u="none" strike="noStrike" cap="none">
+                <a:solidFill>
+                  <a:schemeClr val="dk1"/>
+                </a:solidFill>
+                <a:latin typeface="Montserrat"/>
+                <a:ea typeface="Montserrat"/>
+                <a:cs typeface="Montserrat"/>
+                <a:sym typeface="Montserrat"/>
+              </a:defRPr>
+            </a:lvl8pPr>
+            <a:lvl9pPr marL="4114800" marR="0" lvl="8" indent="-304800" algn="l" rtl="0">
+              <a:lnSpc>
+                <a:spcPct val="100000"/>
+              </a:lnSpc>
+              <a:spcBef>
+                <a:spcPts val="0"/>
+              </a:spcBef>
+              <a:spcAft>
+                <a:spcPts val="0"/>
+              </a:spcAft>
+              <a:buClr>
+                <a:schemeClr val="dk1"/>
+              </a:buClr>
+              <a:buSzPts val="1200"/>
+              <a:buFont typeface="Nunito Light"/>
+              <a:buChar char="■"/>
+              <a:defRPr sz="1200" b="0" i="0" u="none" strike="noStrike" cap="none">
+                <a:solidFill>
+                  <a:schemeClr val="dk1"/>
+                </a:solidFill>
+                <a:latin typeface="Montserrat"/>
+                <a:ea typeface="Montserrat"/>
+                <a:cs typeface="Montserrat"/>
+                <a:sym typeface="Montserrat"/>
+              </a:defRPr>
+            </a:lvl9pPr>
+          </a:lstStyle>
+          <a:p>
+            <a:pPr marL="152400" indent="0">
+              <a:buFont typeface="Nunito Light"/>
+              <a:buNone/>
+            </a:pPr>
+            <a:r>
+              <a:rPr lang="it-IT" dirty="0"/>
+              <a:t>Il precedente dataset viene unito al precedente tramite ‘ Join ‘ </a:t>
+            </a:r>
+          </a:p>
+        </p:txBody>
+      </p:sp>
+      <p:pic>
+        <p:nvPicPr>
+          <p:cNvPr id="9" name="Immagine 8">
+            <a:extLst>
+              <a:ext uri="{FF2B5EF4-FFF2-40B4-BE49-F238E27FC236}">
+                <a16:creationId xmlns:a16="http://schemas.microsoft.com/office/drawing/2014/main" id="{F68030FA-0293-D276-4F52-03A5AB4746AD}"/>
+              </a:ext>
+            </a:extLst>
+          </p:cNvPr>
+          <p:cNvPicPr>
+            <a:picLocks noChangeAspect="1"/>
+          </p:cNvPicPr>
+          <p:nvPr/>
+        </p:nvPicPr>
+        <p:blipFill>
+          <a:blip r:embed="rId3"/>
+          <a:stretch>
+            <a:fillRect/>
+          </a:stretch>
+        </p:blipFill>
+        <p:spPr>
+          <a:xfrm>
+            <a:off x="856928" y="3931173"/>
+            <a:ext cx="7430144" cy="617273"/>
+          </a:xfrm>
+          <a:prstGeom prst="rect">
+            <a:avLst/>
+          </a:prstGeom>
+        </p:spPr>
+      </p:pic>
+    </p:spTree>
+    <p:extLst>
+      <p:ext uri="{BB962C8B-B14F-4D97-AF65-F5344CB8AC3E}">
+        <p14:creationId xmlns:p14="http://schemas.microsoft.com/office/powerpoint/2010/main" val="1243945433"/>
+      </p:ext>
+    </p:extLst>
+  </p:cSld>
+  <p:clrMapOvr>
+    <a:masterClrMapping/>
+  </p:clrMapOvr>
+</p:sld>
+</file>
+
+<file path=ppt/slides/slide18.xml><?xml version="1.0" encoding="utf-8"?>
+<p:sld xmlns:a="http://schemas.openxmlformats.org/drawingml/2006/main" xmlns:r="http://schemas.openxmlformats.org/officeDocument/2006/relationships" xmlns:p="http://schemas.openxmlformats.org/presentationml/2006/main">
+  <p:cSld>
+    <p:spTree>
+      <p:nvGrpSpPr>
+        <p:cNvPr id="1" name=""/>
+        <p:cNvGrpSpPr/>
+        <p:nvPr/>
+      </p:nvGrpSpPr>
+      <p:grpSpPr>
+        <a:xfrm>
+          <a:off x="0" y="0"/>
+          <a:ext cx="0" cy="0"/>
+          <a:chOff x="0" y="0"/>
+          <a:chExt cx="0" cy="0"/>
+        </a:xfrm>
+      </p:grpSpPr>
+      <p:sp>
+        <p:nvSpPr>
+          <p:cNvPr id="2" name="Titolo 1">
+            <a:extLst>
+              <a:ext uri="{FF2B5EF4-FFF2-40B4-BE49-F238E27FC236}">
+                <a16:creationId xmlns:a16="http://schemas.microsoft.com/office/drawing/2014/main" id="{70A8D066-6120-3A3D-11F2-6F7F9C36C408}"/>
+              </a:ext>
+            </a:extLst>
+          </p:cNvPr>
+          <p:cNvSpPr>
+            <a:spLocks noGrp="1"/>
+          </p:cNvSpPr>
+          <p:nvPr>
+            <p:ph type="title"/>
+          </p:nvPr>
+        </p:nvSpPr>
+        <p:spPr/>
+        <p:txBody>
+          <a:bodyPr/>
+          <a:lstStyle/>
+          <a:p>
+            <a:r>
+              <a:rPr lang="it-IT" sz="2400" dirty="0"/>
+              <a:t>Aggiunta Immagini</a:t>
+            </a:r>
+          </a:p>
+        </p:txBody>
+      </p:sp>
+      <p:sp>
+        <p:nvSpPr>
+          <p:cNvPr id="3" name="Segnaposto testo 2">
+            <a:extLst>
+              <a:ext uri="{FF2B5EF4-FFF2-40B4-BE49-F238E27FC236}">
+                <a16:creationId xmlns:a16="http://schemas.microsoft.com/office/drawing/2014/main" id="{5A745718-3DF8-199C-6AD6-02D02C3A7F60}"/>
+              </a:ext>
+            </a:extLst>
+          </p:cNvPr>
+          <p:cNvSpPr>
+            <a:spLocks noGrp="1"/>
+          </p:cNvSpPr>
+          <p:nvPr>
+            <p:ph type="body" idx="1"/>
+          </p:nvPr>
+        </p:nvSpPr>
+        <p:spPr>
+          <a:xfrm>
+            <a:off x="667961" y="1091992"/>
+            <a:ext cx="7301444" cy="662467"/>
+          </a:xfrm>
+        </p:spPr>
+        <p:txBody>
+          <a:bodyPr/>
+          <a:lstStyle/>
+          <a:p>
+            <a:pPr marL="152400" indent="0">
+              <a:buNone/>
+            </a:pPr>
+            <a:r>
+              <a:rPr lang="it-IT" dirty="0"/>
+              <a:t>Si è deciso, come per i dettagli, di aggiungere i link delle immagini relativi ad un video </a:t>
+            </a:r>
+            <a:r>
+              <a:rPr lang="it-IT" dirty="0" err="1"/>
+              <a:t>Ted</a:t>
+            </a:r>
+            <a:r>
+              <a:rPr lang="it-IT" dirty="0"/>
+              <a:t> presi da un ulteriore dataset. Viene, in seguito aggiornato il dataset iniziale con quello delle immagini</a:t>
+            </a:r>
+          </a:p>
+        </p:txBody>
+      </p:sp>
+      <p:pic>
+        <p:nvPicPr>
+          <p:cNvPr id="7" name="Immagine 6">
+            <a:extLst>
+              <a:ext uri="{FF2B5EF4-FFF2-40B4-BE49-F238E27FC236}">
+                <a16:creationId xmlns:a16="http://schemas.microsoft.com/office/drawing/2014/main" id="{48B60489-4E81-B691-615B-9B8B9E153905}"/>
+              </a:ext>
+            </a:extLst>
+          </p:cNvPr>
+          <p:cNvPicPr>
+            <a:picLocks noChangeAspect="1"/>
+          </p:cNvPicPr>
+          <p:nvPr/>
+        </p:nvPicPr>
+        <p:blipFill>
+          <a:blip r:embed="rId2"/>
+          <a:stretch>
+            <a:fillRect/>
+          </a:stretch>
+        </p:blipFill>
+        <p:spPr>
+          <a:xfrm>
+            <a:off x="720000" y="1847442"/>
+            <a:ext cx="7978831" cy="2994920"/>
+          </a:xfrm>
+          <a:prstGeom prst="rect">
+            <a:avLst/>
+          </a:prstGeom>
+        </p:spPr>
+      </p:pic>
+    </p:spTree>
+    <p:extLst>
+      <p:ext uri="{BB962C8B-B14F-4D97-AF65-F5344CB8AC3E}">
+        <p14:creationId xmlns:p14="http://schemas.microsoft.com/office/powerpoint/2010/main" val="3047002135"/>
+      </p:ext>
+    </p:extLst>
+  </p:cSld>
+  <p:clrMapOvr>
+    <a:masterClrMapping/>
+  </p:clrMapOvr>
+</p:sld>
+</file>
+
+<file path=ppt/slides/slide19.xml><?xml version="1.0" encoding="utf-8"?>
+<p:sld xmlns:a="http://schemas.openxmlformats.org/drawingml/2006/main" xmlns:r="http://schemas.openxmlformats.org/officeDocument/2006/relationships" xmlns:p="http://schemas.openxmlformats.org/presentationml/2006/main">
+  <p:cSld>
+    <p:spTree>
+      <p:nvGrpSpPr>
+        <p:cNvPr id="1" name=""/>
+        <p:cNvGrpSpPr/>
+        <p:nvPr/>
+      </p:nvGrpSpPr>
+      <p:grpSpPr>
+        <a:xfrm>
+          <a:off x="0" y="0"/>
+          <a:ext cx="0" cy="0"/>
+          <a:chOff x="0" y="0"/>
+          <a:chExt cx="0" cy="0"/>
+        </a:xfrm>
+      </p:grpSpPr>
+      <p:sp>
+        <p:nvSpPr>
+          <p:cNvPr id="2" name="Titolo 1">
+            <a:extLst>
+              <a:ext uri="{FF2B5EF4-FFF2-40B4-BE49-F238E27FC236}">
+                <a16:creationId xmlns:a16="http://schemas.microsoft.com/office/drawing/2014/main" id="{70A8D066-6120-3A3D-11F2-6F7F9C36C408}"/>
+              </a:ext>
+            </a:extLst>
+          </p:cNvPr>
+          <p:cNvSpPr>
+            <a:spLocks noGrp="1"/>
+          </p:cNvSpPr>
+          <p:nvPr>
+            <p:ph type="title"/>
+          </p:nvPr>
+        </p:nvSpPr>
+        <p:spPr/>
+        <p:txBody>
+          <a:bodyPr/>
+          <a:lstStyle/>
+          <a:p>
+            <a:r>
+              <a:rPr lang="it-IT" sz="2400" dirty="0"/>
+              <a:t>Aggiunta Immagini</a:t>
+            </a:r>
+          </a:p>
+        </p:txBody>
+      </p:sp>
+      <p:sp>
+        <p:nvSpPr>
+          <p:cNvPr id="3" name="Segnaposto testo 2">
+            <a:extLst>
+              <a:ext uri="{FF2B5EF4-FFF2-40B4-BE49-F238E27FC236}">
+                <a16:creationId xmlns:a16="http://schemas.microsoft.com/office/drawing/2014/main" id="{5A745718-3DF8-199C-6AD6-02D02C3A7F60}"/>
+              </a:ext>
+            </a:extLst>
+          </p:cNvPr>
+          <p:cNvSpPr>
+            <a:spLocks noGrp="1"/>
+          </p:cNvSpPr>
+          <p:nvPr>
+            <p:ph type="body" idx="1"/>
+          </p:nvPr>
+        </p:nvSpPr>
+        <p:spPr>
+          <a:xfrm>
+            <a:off x="667961" y="1091992"/>
+            <a:ext cx="7301444" cy="662467"/>
+          </a:xfrm>
+        </p:spPr>
+        <p:txBody>
+          <a:bodyPr/>
+          <a:lstStyle/>
+          <a:p>
+            <a:pPr marL="152400" indent="0">
+              <a:buNone/>
+            </a:pPr>
+            <a:r>
+              <a:rPr lang="it-IT" dirty="0"/>
+              <a:t>Viene, infine, aggiornato il dataset finale con l’aggiunta di un vettore di tag identificativi relativi ad un video </a:t>
+            </a:r>
+            <a:r>
+              <a:rPr lang="it-IT" dirty="0" err="1"/>
+              <a:t>Tedx</a:t>
+            </a:r>
+            <a:endParaRPr lang="it-IT" dirty="0"/>
+          </a:p>
+        </p:txBody>
+      </p:sp>
+      <p:pic>
+        <p:nvPicPr>
+          <p:cNvPr id="5" name="Immagine 4">
+            <a:extLst>
+              <a:ext uri="{FF2B5EF4-FFF2-40B4-BE49-F238E27FC236}">
+                <a16:creationId xmlns:a16="http://schemas.microsoft.com/office/drawing/2014/main" id="{2B20B709-7083-A820-93A2-5770EF78D8AC}"/>
+              </a:ext>
+            </a:extLst>
+          </p:cNvPr>
+          <p:cNvPicPr>
+            <a:picLocks noChangeAspect="1"/>
+          </p:cNvPicPr>
+          <p:nvPr/>
+        </p:nvPicPr>
+        <p:blipFill>
+          <a:blip r:embed="rId2"/>
+          <a:stretch>
+            <a:fillRect/>
+          </a:stretch>
+        </p:blipFill>
+        <p:spPr>
+          <a:xfrm>
+            <a:off x="468274" y="1892861"/>
+            <a:ext cx="8207451" cy="2834886"/>
+          </a:xfrm>
+          <a:prstGeom prst="rect">
+            <a:avLst/>
+          </a:prstGeom>
+        </p:spPr>
+      </p:pic>
+    </p:spTree>
+    <p:extLst>
+      <p:ext uri="{BB962C8B-B14F-4D97-AF65-F5344CB8AC3E}">
+        <p14:creationId xmlns:p14="http://schemas.microsoft.com/office/powerpoint/2010/main" val="125335843"/>
       </p:ext>
     </p:extLst>
   </p:cSld>
@@ -32856,6 +34511,3199 @@
 </p:sld>
 </file>
 
+<file path=ppt/slides/slide20.xml><?xml version="1.0" encoding="utf-8"?>
+<p:sld xmlns:a="http://schemas.openxmlformats.org/drawingml/2006/main" xmlns:r="http://schemas.openxmlformats.org/officeDocument/2006/relationships" xmlns:p="http://schemas.openxmlformats.org/presentationml/2006/main">
+  <p:cSld>
+    <p:spTree>
+      <p:nvGrpSpPr>
+        <p:cNvPr id="1" name=""/>
+        <p:cNvGrpSpPr/>
+        <p:nvPr/>
+      </p:nvGrpSpPr>
+      <p:grpSpPr>
+        <a:xfrm>
+          <a:off x="0" y="0"/>
+          <a:ext cx="0" cy="0"/>
+          <a:chOff x="0" y="0"/>
+          <a:chExt cx="0" cy="0"/>
+        </a:xfrm>
+      </p:grpSpPr>
+      <p:sp>
+        <p:nvSpPr>
+          <p:cNvPr id="2" name="Titolo 1">
+            <a:extLst>
+              <a:ext uri="{FF2B5EF4-FFF2-40B4-BE49-F238E27FC236}">
+                <a16:creationId xmlns:a16="http://schemas.microsoft.com/office/drawing/2014/main" id="{70A8D066-6120-3A3D-11F2-6F7F9C36C408}"/>
+              </a:ext>
+            </a:extLst>
+          </p:cNvPr>
+          <p:cNvSpPr>
+            <a:spLocks noGrp="1"/>
+          </p:cNvSpPr>
+          <p:nvPr>
+            <p:ph type="title"/>
+          </p:nvPr>
+        </p:nvSpPr>
+        <p:spPr/>
+        <p:txBody>
+          <a:bodyPr/>
+          <a:lstStyle/>
+          <a:p>
+            <a:r>
+              <a:rPr lang="it-IT" sz="2400" dirty="0"/>
+              <a:t>Gestione dei dati e filtraggio</a:t>
+            </a:r>
+          </a:p>
+        </p:txBody>
+      </p:sp>
+      <p:sp>
+        <p:nvSpPr>
+          <p:cNvPr id="3" name="Segnaposto testo 2">
+            <a:extLst>
+              <a:ext uri="{FF2B5EF4-FFF2-40B4-BE49-F238E27FC236}">
+                <a16:creationId xmlns:a16="http://schemas.microsoft.com/office/drawing/2014/main" id="{5A745718-3DF8-199C-6AD6-02D02C3A7F60}"/>
+              </a:ext>
+            </a:extLst>
+          </p:cNvPr>
+          <p:cNvSpPr>
+            <a:spLocks noGrp="1"/>
+          </p:cNvSpPr>
+          <p:nvPr>
+            <p:ph type="body" idx="1"/>
+          </p:nvPr>
+        </p:nvSpPr>
+        <p:spPr>
+          <a:xfrm>
+            <a:off x="667961" y="1091992"/>
+            <a:ext cx="7301444" cy="662467"/>
+          </a:xfrm>
+        </p:spPr>
+        <p:txBody>
+          <a:bodyPr/>
+          <a:lstStyle/>
+          <a:p>
+            <a:pPr marL="152400" indent="0">
+              <a:buNone/>
+            </a:pPr>
+            <a:r>
+              <a:rPr lang="it-IT" dirty="0"/>
+              <a:t>Il dataset finale, a questo punto, deve essere aggiornato in modo da avere solamente i dati che sono interessanti al fine dell’obiettivo del progetto e quindi devono essere isolati e selezionati solo i dati relativi a </a:t>
+            </a:r>
+            <a:r>
+              <a:rPr lang="it-IT" b="1" dirty="0"/>
+              <a:t>scienza</a:t>
+            </a:r>
+            <a:r>
+              <a:rPr lang="it-IT" dirty="0"/>
+              <a:t> e </a:t>
+            </a:r>
+            <a:r>
+              <a:rPr lang="it-IT" b="1" dirty="0"/>
+              <a:t>tecnologia</a:t>
+            </a:r>
+            <a:r>
+              <a:rPr lang="it-IT" dirty="0"/>
+              <a:t> </a:t>
+            </a:r>
+          </a:p>
+        </p:txBody>
+      </p:sp>
+      <p:pic>
+        <p:nvPicPr>
+          <p:cNvPr id="6" name="Immagine 5">
+            <a:extLst>
+              <a:ext uri="{FF2B5EF4-FFF2-40B4-BE49-F238E27FC236}">
+                <a16:creationId xmlns:a16="http://schemas.microsoft.com/office/drawing/2014/main" id="{72353628-5E2B-0BA5-7BB8-575BAEB7F50B}"/>
+              </a:ext>
+            </a:extLst>
+          </p:cNvPr>
+          <p:cNvPicPr>
+            <a:picLocks noChangeAspect="1"/>
+          </p:cNvPicPr>
+          <p:nvPr/>
+        </p:nvPicPr>
+        <p:blipFill>
+          <a:blip r:embed="rId2"/>
+          <a:stretch>
+            <a:fillRect/>
+          </a:stretch>
+        </p:blipFill>
+        <p:spPr>
+          <a:xfrm>
+            <a:off x="904547" y="2417937"/>
+            <a:ext cx="6530906" cy="617273"/>
+          </a:xfrm>
+          <a:prstGeom prst="rect">
+            <a:avLst/>
+          </a:prstGeom>
+        </p:spPr>
+      </p:pic>
+      <p:sp>
+        <p:nvSpPr>
+          <p:cNvPr id="7" name="Segnaposto testo 2">
+            <a:extLst>
+              <a:ext uri="{FF2B5EF4-FFF2-40B4-BE49-F238E27FC236}">
+                <a16:creationId xmlns:a16="http://schemas.microsoft.com/office/drawing/2014/main" id="{D4EB383B-6D6D-178C-AAC1-539DD7C6B61F}"/>
+              </a:ext>
+            </a:extLst>
+          </p:cNvPr>
+          <p:cNvSpPr txBox="1">
+            <a:spLocks/>
+          </p:cNvSpPr>
+          <p:nvPr/>
+        </p:nvSpPr>
+        <p:spPr>
+          <a:xfrm>
+            <a:off x="667961" y="1909284"/>
+            <a:ext cx="6767492" cy="387868"/>
+          </a:xfrm>
+          <a:prstGeom prst="rect">
+            <a:avLst/>
+          </a:prstGeom>
+          <a:noFill/>
+          <a:ln>
+            <a:noFill/>
+          </a:ln>
+        </p:spPr>
+        <p:txBody>
+          <a:bodyPr spcFirstLastPara="1" wrap="square" lIns="91425" tIns="91425" rIns="91425" bIns="91425" anchor="t" anchorCtr="0">
+            <a:noAutofit/>
+          </a:bodyPr>
+          <a:lstStyle>
+            <a:defPPr marR="0" lvl="0" algn="l" rtl="0">
+              <a:lnSpc>
+                <a:spcPct val="100000"/>
+              </a:lnSpc>
+              <a:spcBef>
+                <a:spcPts val="0"/>
+              </a:spcBef>
+              <a:spcAft>
+                <a:spcPts val="0"/>
+              </a:spcAft>
+            </a:defPPr>
+            <a:lvl1pPr marL="457200" marR="0" lvl="0" indent="-304800" algn="l" rtl="0">
+              <a:lnSpc>
+                <a:spcPct val="100000"/>
+              </a:lnSpc>
+              <a:spcBef>
+                <a:spcPts val="0"/>
+              </a:spcBef>
+              <a:spcAft>
+                <a:spcPts val="0"/>
+              </a:spcAft>
+              <a:buClr>
+                <a:schemeClr val="dk1"/>
+              </a:buClr>
+              <a:buSzPts val="1200"/>
+              <a:buFont typeface="Nunito Light"/>
+              <a:buChar char="●"/>
+              <a:defRPr sz="1200" b="0" i="0" u="none" strike="noStrike" cap="none">
+                <a:solidFill>
+                  <a:schemeClr val="dk1"/>
+                </a:solidFill>
+                <a:latin typeface="Montserrat"/>
+                <a:ea typeface="Montserrat"/>
+                <a:cs typeface="Montserrat"/>
+                <a:sym typeface="Montserrat"/>
+              </a:defRPr>
+            </a:lvl1pPr>
+            <a:lvl2pPr marL="914400" marR="0" lvl="1" indent="-304800" algn="l" rtl="0">
+              <a:lnSpc>
+                <a:spcPct val="100000"/>
+              </a:lnSpc>
+              <a:spcBef>
+                <a:spcPts val="0"/>
+              </a:spcBef>
+              <a:spcAft>
+                <a:spcPts val="0"/>
+              </a:spcAft>
+              <a:buClr>
+                <a:schemeClr val="dk1"/>
+              </a:buClr>
+              <a:buSzPts val="1200"/>
+              <a:buFont typeface="Nunito Light"/>
+              <a:buChar char="○"/>
+              <a:defRPr sz="1200" b="0" i="0" u="none" strike="noStrike" cap="none">
+                <a:solidFill>
+                  <a:schemeClr val="dk1"/>
+                </a:solidFill>
+                <a:latin typeface="Montserrat"/>
+                <a:ea typeface="Montserrat"/>
+                <a:cs typeface="Montserrat"/>
+                <a:sym typeface="Montserrat"/>
+              </a:defRPr>
+            </a:lvl2pPr>
+            <a:lvl3pPr marL="1371600" marR="0" lvl="2" indent="-304800" algn="l" rtl="0">
+              <a:lnSpc>
+                <a:spcPct val="100000"/>
+              </a:lnSpc>
+              <a:spcBef>
+                <a:spcPts val="0"/>
+              </a:spcBef>
+              <a:spcAft>
+                <a:spcPts val="0"/>
+              </a:spcAft>
+              <a:buClr>
+                <a:schemeClr val="dk1"/>
+              </a:buClr>
+              <a:buSzPts val="1200"/>
+              <a:buFont typeface="Nunito Light"/>
+              <a:buChar char="■"/>
+              <a:defRPr sz="1200" b="0" i="0" u="none" strike="noStrike" cap="none">
+                <a:solidFill>
+                  <a:schemeClr val="dk1"/>
+                </a:solidFill>
+                <a:latin typeface="Montserrat"/>
+                <a:ea typeface="Montserrat"/>
+                <a:cs typeface="Montserrat"/>
+                <a:sym typeface="Montserrat"/>
+              </a:defRPr>
+            </a:lvl3pPr>
+            <a:lvl4pPr marL="1828800" marR="0" lvl="3" indent="-304800" algn="l" rtl="0">
+              <a:lnSpc>
+                <a:spcPct val="100000"/>
+              </a:lnSpc>
+              <a:spcBef>
+                <a:spcPts val="0"/>
+              </a:spcBef>
+              <a:spcAft>
+                <a:spcPts val="0"/>
+              </a:spcAft>
+              <a:buClr>
+                <a:schemeClr val="dk1"/>
+              </a:buClr>
+              <a:buSzPts val="1200"/>
+              <a:buFont typeface="Nunito Light"/>
+              <a:buChar char="●"/>
+              <a:defRPr sz="1200" b="0" i="0" u="none" strike="noStrike" cap="none">
+                <a:solidFill>
+                  <a:schemeClr val="dk1"/>
+                </a:solidFill>
+                <a:latin typeface="Montserrat"/>
+                <a:ea typeface="Montserrat"/>
+                <a:cs typeface="Montserrat"/>
+                <a:sym typeface="Montserrat"/>
+              </a:defRPr>
+            </a:lvl4pPr>
+            <a:lvl5pPr marL="2286000" marR="0" lvl="4" indent="-304800" algn="l" rtl="0">
+              <a:lnSpc>
+                <a:spcPct val="100000"/>
+              </a:lnSpc>
+              <a:spcBef>
+                <a:spcPts val="0"/>
+              </a:spcBef>
+              <a:spcAft>
+                <a:spcPts val="0"/>
+              </a:spcAft>
+              <a:buClr>
+                <a:schemeClr val="dk1"/>
+              </a:buClr>
+              <a:buSzPts val="1200"/>
+              <a:buFont typeface="Nunito Light"/>
+              <a:buChar char="○"/>
+              <a:defRPr sz="1200" b="0" i="0" u="none" strike="noStrike" cap="none">
+                <a:solidFill>
+                  <a:schemeClr val="dk1"/>
+                </a:solidFill>
+                <a:latin typeface="Montserrat"/>
+                <a:ea typeface="Montserrat"/>
+                <a:cs typeface="Montserrat"/>
+                <a:sym typeface="Montserrat"/>
+              </a:defRPr>
+            </a:lvl5pPr>
+            <a:lvl6pPr marL="2743200" marR="0" lvl="5" indent="-304800" algn="l" rtl="0">
+              <a:lnSpc>
+                <a:spcPct val="100000"/>
+              </a:lnSpc>
+              <a:spcBef>
+                <a:spcPts val="0"/>
+              </a:spcBef>
+              <a:spcAft>
+                <a:spcPts val="0"/>
+              </a:spcAft>
+              <a:buClr>
+                <a:schemeClr val="dk1"/>
+              </a:buClr>
+              <a:buSzPts val="1200"/>
+              <a:buFont typeface="Nunito Light"/>
+              <a:buChar char="■"/>
+              <a:defRPr sz="1200" b="0" i="0" u="none" strike="noStrike" cap="none">
+                <a:solidFill>
+                  <a:schemeClr val="dk1"/>
+                </a:solidFill>
+                <a:latin typeface="Montserrat"/>
+                <a:ea typeface="Montserrat"/>
+                <a:cs typeface="Montserrat"/>
+                <a:sym typeface="Montserrat"/>
+              </a:defRPr>
+            </a:lvl6pPr>
+            <a:lvl7pPr marL="3200400" marR="0" lvl="6" indent="-304800" algn="l" rtl="0">
+              <a:lnSpc>
+                <a:spcPct val="100000"/>
+              </a:lnSpc>
+              <a:spcBef>
+                <a:spcPts val="0"/>
+              </a:spcBef>
+              <a:spcAft>
+                <a:spcPts val="0"/>
+              </a:spcAft>
+              <a:buClr>
+                <a:schemeClr val="dk1"/>
+              </a:buClr>
+              <a:buSzPts val="1200"/>
+              <a:buFont typeface="Nunito Light"/>
+              <a:buChar char="●"/>
+              <a:defRPr sz="1200" b="0" i="0" u="none" strike="noStrike" cap="none">
+                <a:solidFill>
+                  <a:schemeClr val="dk1"/>
+                </a:solidFill>
+                <a:latin typeface="Montserrat"/>
+                <a:ea typeface="Montserrat"/>
+                <a:cs typeface="Montserrat"/>
+                <a:sym typeface="Montserrat"/>
+              </a:defRPr>
+            </a:lvl7pPr>
+            <a:lvl8pPr marL="3657600" marR="0" lvl="7" indent="-304800" algn="l" rtl="0">
+              <a:lnSpc>
+                <a:spcPct val="100000"/>
+              </a:lnSpc>
+              <a:spcBef>
+                <a:spcPts val="0"/>
+              </a:spcBef>
+              <a:spcAft>
+                <a:spcPts val="0"/>
+              </a:spcAft>
+              <a:buClr>
+                <a:schemeClr val="dk1"/>
+              </a:buClr>
+              <a:buSzPts val="1200"/>
+              <a:buFont typeface="Nunito Light"/>
+              <a:buChar char="○"/>
+              <a:defRPr sz="1200" b="0" i="0" u="none" strike="noStrike" cap="none">
+                <a:solidFill>
+                  <a:schemeClr val="dk1"/>
+                </a:solidFill>
+                <a:latin typeface="Montserrat"/>
+                <a:ea typeface="Montserrat"/>
+                <a:cs typeface="Montserrat"/>
+                <a:sym typeface="Montserrat"/>
+              </a:defRPr>
+            </a:lvl8pPr>
+            <a:lvl9pPr marL="4114800" marR="0" lvl="8" indent="-304800" algn="l" rtl="0">
+              <a:lnSpc>
+                <a:spcPct val="100000"/>
+              </a:lnSpc>
+              <a:spcBef>
+                <a:spcPts val="0"/>
+              </a:spcBef>
+              <a:spcAft>
+                <a:spcPts val="0"/>
+              </a:spcAft>
+              <a:buClr>
+                <a:schemeClr val="dk1"/>
+              </a:buClr>
+              <a:buSzPts val="1200"/>
+              <a:buFont typeface="Nunito Light"/>
+              <a:buChar char="■"/>
+              <a:defRPr sz="1200" b="0" i="0" u="none" strike="noStrike" cap="none">
+                <a:solidFill>
+                  <a:schemeClr val="dk1"/>
+                </a:solidFill>
+                <a:latin typeface="Montserrat"/>
+                <a:ea typeface="Montserrat"/>
+                <a:cs typeface="Montserrat"/>
+                <a:sym typeface="Montserrat"/>
+              </a:defRPr>
+            </a:lvl9pPr>
+          </a:lstStyle>
+          <a:p>
+            <a:pPr marL="152400" indent="0">
+              <a:buFont typeface="Nunito Light"/>
+              <a:buNone/>
+            </a:pPr>
+            <a:r>
+              <a:rPr lang="it-IT" dirty="0"/>
+              <a:t>Il seguente blocco di codice si occupa proprio di questo:</a:t>
+            </a:r>
+          </a:p>
+        </p:txBody>
+      </p:sp>
+      <p:sp>
+        <p:nvSpPr>
+          <p:cNvPr id="8" name="Segnaposto testo 2">
+            <a:extLst>
+              <a:ext uri="{FF2B5EF4-FFF2-40B4-BE49-F238E27FC236}">
+                <a16:creationId xmlns:a16="http://schemas.microsoft.com/office/drawing/2014/main" id="{A7AE0511-CB26-68EA-89D9-036A7D13A842}"/>
+              </a:ext>
+            </a:extLst>
+          </p:cNvPr>
+          <p:cNvSpPr txBox="1">
+            <a:spLocks/>
+          </p:cNvSpPr>
+          <p:nvPr/>
+        </p:nvSpPr>
+        <p:spPr>
+          <a:xfrm>
+            <a:off x="667961" y="3155995"/>
+            <a:ext cx="6767492" cy="471868"/>
+          </a:xfrm>
+          <a:prstGeom prst="rect">
+            <a:avLst/>
+          </a:prstGeom>
+          <a:noFill/>
+          <a:ln>
+            <a:noFill/>
+          </a:ln>
+        </p:spPr>
+        <p:txBody>
+          <a:bodyPr spcFirstLastPara="1" wrap="square" lIns="91425" tIns="91425" rIns="91425" bIns="91425" anchor="t" anchorCtr="0">
+            <a:noAutofit/>
+          </a:bodyPr>
+          <a:lstStyle>
+            <a:defPPr marR="0" lvl="0" algn="l" rtl="0">
+              <a:lnSpc>
+                <a:spcPct val="100000"/>
+              </a:lnSpc>
+              <a:spcBef>
+                <a:spcPts val="0"/>
+              </a:spcBef>
+              <a:spcAft>
+                <a:spcPts val="0"/>
+              </a:spcAft>
+            </a:defPPr>
+            <a:lvl1pPr marL="457200" marR="0" lvl="0" indent="-304800" algn="l" rtl="0">
+              <a:lnSpc>
+                <a:spcPct val="100000"/>
+              </a:lnSpc>
+              <a:spcBef>
+                <a:spcPts val="0"/>
+              </a:spcBef>
+              <a:spcAft>
+                <a:spcPts val="0"/>
+              </a:spcAft>
+              <a:buClr>
+                <a:schemeClr val="dk1"/>
+              </a:buClr>
+              <a:buSzPts val="1200"/>
+              <a:buFont typeface="Nunito Light"/>
+              <a:buChar char="●"/>
+              <a:defRPr sz="1200" b="0" i="0" u="none" strike="noStrike" cap="none">
+                <a:solidFill>
+                  <a:schemeClr val="dk1"/>
+                </a:solidFill>
+                <a:latin typeface="Montserrat"/>
+                <a:ea typeface="Montserrat"/>
+                <a:cs typeface="Montserrat"/>
+                <a:sym typeface="Montserrat"/>
+              </a:defRPr>
+            </a:lvl1pPr>
+            <a:lvl2pPr marL="914400" marR="0" lvl="1" indent="-304800" algn="l" rtl="0">
+              <a:lnSpc>
+                <a:spcPct val="100000"/>
+              </a:lnSpc>
+              <a:spcBef>
+                <a:spcPts val="0"/>
+              </a:spcBef>
+              <a:spcAft>
+                <a:spcPts val="0"/>
+              </a:spcAft>
+              <a:buClr>
+                <a:schemeClr val="dk1"/>
+              </a:buClr>
+              <a:buSzPts val="1200"/>
+              <a:buFont typeface="Nunito Light"/>
+              <a:buChar char="○"/>
+              <a:defRPr sz="1200" b="0" i="0" u="none" strike="noStrike" cap="none">
+                <a:solidFill>
+                  <a:schemeClr val="dk1"/>
+                </a:solidFill>
+                <a:latin typeface="Montserrat"/>
+                <a:ea typeface="Montserrat"/>
+                <a:cs typeface="Montserrat"/>
+                <a:sym typeface="Montserrat"/>
+              </a:defRPr>
+            </a:lvl2pPr>
+            <a:lvl3pPr marL="1371600" marR="0" lvl="2" indent="-304800" algn="l" rtl="0">
+              <a:lnSpc>
+                <a:spcPct val="100000"/>
+              </a:lnSpc>
+              <a:spcBef>
+                <a:spcPts val="0"/>
+              </a:spcBef>
+              <a:spcAft>
+                <a:spcPts val="0"/>
+              </a:spcAft>
+              <a:buClr>
+                <a:schemeClr val="dk1"/>
+              </a:buClr>
+              <a:buSzPts val="1200"/>
+              <a:buFont typeface="Nunito Light"/>
+              <a:buChar char="■"/>
+              <a:defRPr sz="1200" b="0" i="0" u="none" strike="noStrike" cap="none">
+                <a:solidFill>
+                  <a:schemeClr val="dk1"/>
+                </a:solidFill>
+                <a:latin typeface="Montserrat"/>
+                <a:ea typeface="Montserrat"/>
+                <a:cs typeface="Montserrat"/>
+                <a:sym typeface="Montserrat"/>
+              </a:defRPr>
+            </a:lvl3pPr>
+            <a:lvl4pPr marL="1828800" marR="0" lvl="3" indent="-304800" algn="l" rtl="0">
+              <a:lnSpc>
+                <a:spcPct val="100000"/>
+              </a:lnSpc>
+              <a:spcBef>
+                <a:spcPts val="0"/>
+              </a:spcBef>
+              <a:spcAft>
+                <a:spcPts val="0"/>
+              </a:spcAft>
+              <a:buClr>
+                <a:schemeClr val="dk1"/>
+              </a:buClr>
+              <a:buSzPts val="1200"/>
+              <a:buFont typeface="Nunito Light"/>
+              <a:buChar char="●"/>
+              <a:defRPr sz="1200" b="0" i="0" u="none" strike="noStrike" cap="none">
+                <a:solidFill>
+                  <a:schemeClr val="dk1"/>
+                </a:solidFill>
+                <a:latin typeface="Montserrat"/>
+                <a:ea typeface="Montserrat"/>
+                <a:cs typeface="Montserrat"/>
+                <a:sym typeface="Montserrat"/>
+              </a:defRPr>
+            </a:lvl4pPr>
+            <a:lvl5pPr marL="2286000" marR="0" lvl="4" indent="-304800" algn="l" rtl="0">
+              <a:lnSpc>
+                <a:spcPct val="100000"/>
+              </a:lnSpc>
+              <a:spcBef>
+                <a:spcPts val="0"/>
+              </a:spcBef>
+              <a:spcAft>
+                <a:spcPts val="0"/>
+              </a:spcAft>
+              <a:buClr>
+                <a:schemeClr val="dk1"/>
+              </a:buClr>
+              <a:buSzPts val="1200"/>
+              <a:buFont typeface="Nunito Light"/>
+              <a:buChar char="○"/>
+              <a:defRPr sz="1200" b="0" i="0" u="none" strike="noStrike" cap="none">
+                <a:solidFill>
+                  <a:schemeClr val="dk1"/>
+                </a:solidFill>
+                <a:latin typeface="Montserrat"/>
+                <a:ea typeface="Montserrat"/>
+                <a:cs typeface="Montserrat"/>
+                <a:sym typeface="Montserrat"/>
+              </a:defRPr>
+            </a:lvl5pPr>
+            <a:lvl6pPr marL="2743200" marR="0" lvl="5" indent="-304800" algn="l" rtl="0">
+              <a:lnSpc>
+                <a:spcPct val="100000"/>
+              </a:lnSpc>
+              <a:spcBef>
+                <a:spcPts val="0"/>
+              </a:spcBef>
+              <a:spcAft>
+                <a:spcPts val="0"/>
+              </a:spcAft>
+              <a:buClr>
+                <a:schemeClr val="dk1"/>
+              </a:buClr>
+              <a:buSzPts val="1200"/>
+              <a:buFont typeface="Nunito Light"/>
+              <a:buChar char="■"/>
+              <a:defRPr sz="1200" b="0" i="0" u="none" strike="noStrike" cap="none">
+                <a:solidFill>
+                  <a:schemeClr val="dk1"/>
+                </a:solidFill>
+                <a:latin typeface="Montserrat"/>
+                <a:ea typeface="Montserrat"/>
+                <a:cs typeface="Montserrat"/>
+                <a:sym typeface="Montserrat"/>
+              </a:defRPr>
+            </a:lvl6pPr>
+            <a:lvl7pPr marL="3200400" marR="0" lvl="6" indent="-304800" algn="l" rtl="0">
+              <a:lnSpc>
+                <a:spcPct val="100000"/>
+              </a:lnSpc>
+              <a:spcBef>
+                <a:spcPts val="0"/>
+              </a:spcBef>
+              <a:spcAft>
+                <a:spcPts val="0"/>
+              </a:spcAft>
+              <a:buClr>
+                <a:schemeClr val="dk1"/>
+              </a:buClr>
+              <a:buSzPts val="1200"/>
+              <a:buFont typeface="Nunito Light"/>
+              <a:buChar char="●"/>
+              <a:defRPr sz="1200" b="0" i="0" u="none" strike="noStrike" cap="none">
+                <a:solidFill>
+                  <a:schemeClr val="dk1"/>
+                </a:solidFill>
+                <a:latin typeface="Montserrat"/>
+                <a:ea typeface="Montserrat"/>
+                <a:cs typeface="Montserrat"/>
+                <a:sym typeface="Montserrat"/>
+              </a:defRPr>
+            </a:lvl7pPr>
+            <a:lvl8pPr marL="3657600" marR="0" lvl="7" indent="-304800" algn="l" rtl="0">
+              <a:lnSpc>
+                <a:spcPct val="100000"/>
+              </a:lnSpc>
+              <a:spcBef>
+                <a:spcPts val="0"/>
+              </a:spcBef>
+              <a:spcAft>
+                <a:spcPts val="0"/>
+              </a:spcAft>
+              <a:buClr>
+                <a:schemeClr val="dk1"/>
+              </a:buClr>
+              <a:buSzPts val="1200"/>
+              <a:buFont typeface="Nunito Light"/>
+              <a:buChar char="○"/>
+              <a:defRPr sz="1200" b="0" i="0" u="none" strike="noStrike" cap="none">
+                <a:solidFill>
+                  <a:schemeClr val="dk1"/>
+                </a:solidFill>
+                <a:latin typeface="Montserrat"/>
+                <a:ea typeface="Montserrat"/>
+                <a:cs typeface="Montserrat"/>
+                <a:sym typeface="Montserrat"/>
+              </a:defRPr>
+            </a:lvl8pPr>
+            <a:lvl9pPr marL="4114800" marR="0" lvl="8" indent="-304800" algn="l" rtl="0">
+              <a:lnSpc>
+                <a:spcPct val="100000"/>
+              </a:lnSpc>
+              <a:spcBef>
+                <a:spcPts val="0"/>
+              </a:spcBef>
+              <a:spcAft>
+                <a:spcPts val="0"/>
+              </a:spcAft>
+              <a:buClr>
+                <a:schemeClr val="dk1"/>
+              </a:buClr>
+              <a:buSzPts val="1200"/>
+              <a:buFont typeface="Nunito Light"/>
+              <a:buChar char="■"/>
+              <a:defRPr sz="1200" b="0" i="0" u="none" strike="noStrike" cap="none">
+                <a:solidFill>
+                  <a:schemeClr val="dk1"/>
+                </a:solidFill>
+                <a:latin typeface="Montserrat"/>
+                <a:ea typeface="Montserrat"/>
+                <a:cs typeface="Montserrat"/>
+                <a:sym typeface="Montserrat"/>
+              </a:defRPr>
+            </a:lvl9pPr>
+          </a:lstStyle>
+          <a:p>
+            <a:pPr marL="152400" indent="0">
+              <a:buFont typeface="Nunito Light"/>
+              <a:buNone/>
+            </a:pPr>
+            <a:r>
+              <a:rPr lang="it-IT" dirty="0"/>
+              <a:t>Vengono filtrati solamente i dati che interessano, controllando che tra i tag dei relativi video ci siano : ‘ science ‘ e ‘ </a:t>
+            </a:r>
+            <a:r>
+              <a:rPr lang="it-IT" dirty="0" err="1"/>
+              <a:t>technology</a:t>
+            </a:r>
+            <a:r>
+              <a:rPr lang="it-IT" dirty="0"/>
+              <a:t> ‘</a:t>
+            </a:r>
+          </a:p>
+        </p:txBody>
+      </p:sp>
+    </p:spTree>
+    <p:extLst>
+      <p:ext uri="{BB962C8B-B14F-4D97-AF65-F5344CB8AC3E}">
+        <p14:creationId xmlns:p14="http://schemas.microsoft.com/office/powerpoint/2010/main" val="3365107140"/>
+      </p:ext>
+    </p:extLst>
+  </p:cSld>
+  <p:clrMapOvr>
+    <a:masterClrMapping/>
+  </p:clrMapOvr>
+</p:sld>
+</file>
+
+<file path=ppt/slides/slide21.xml><?xml version="1.0" encoding="utf-8"?>
+<p:sld xmlns:a="http://schemas.openxmlformats.org/drawingml/2006/main" xmlns:r="http://schemas.openxmlformats.org/officeDocument/2006/relationships" xmlns:p="http://schemas.openxmlformats.org/presentationml/2006/main">
+  <p:cSld>
+    <p:spTree>
+      <p:nvGrpSpPr>
+        <p:cNvPr id="1" name=""/>
+        <p:cNvGrpSpPr/>
+        <p:nvPr/>
+      </p:nvGrpSpPr>
+      <p:grpSpPr>
+        <a:xfrm>
+          <a:off x="0" y="0"/>
+          <a:ext cx="0" cy="0"/>
+          <a:chOff x="0" y="0"/>
+          <a:chExt cx="0" cy="0"/>
+        </a:xfrm>
+      </p:grpSpPr>
+      <p:sp>
+        <p:nvSpPr>
+          <p:cNvPr id="2" name="Titolo 1">
+            <a:extLst>
+              <a:ext uri="{FF2B5EF4-FFF2-40B4-BE49-F238E27FC236}">
+                <a16:creationId xmlns:a16="http://schemas.microsoft.com/office/drawing/2014/main" id="{70A8D066-6120-3A3D-11F2-6F7F9C36C408}"/>
+              </a:ext>
+            </a:extLst>
+          </p:cNvPr>
+          <p:cNvSpPr>
+            <a:spLocks noGrp="1"/>
+          </p:cNvSpPr>
+          <p:nvPr>
+            <p:ph type="title"/>
+          </p:nvPr>
+        </p:nvSpPr>
+        <p:spPr/>
+        <p:txBody>
+          <a:bodyPr/>
+          <a:lstStyle/>
+          <a:p>
+            <a:r>
+              <a:rPr lang="it-IT" sz="2400" dirty="0"/>
+              <a:t>Documento </a:t>
+            </a:r>
+            <a:r>
+              <a:rPr lang="it-IT" sz="2400" dirty="0" err="1"/>
+              <a:t>MongoDB</a:t>
+            </a:r>
+            <a:endParaRPr lang="it-IT" sz="2400" dirty="0"/>
+          </a:p>
+        </p:txBody>
+      </p:sp>
+      <p:sp>
+        <p:nvSpPr>
+          <p:cNvPr id="3" name="Segnaposto testo 2">
+            <a:extLst>
+              <a:ext uri="{FF2B5EF4-FFF2-40B4-BE49-F238E27FC236}">
+                <a16:creationId xmlns:a16="http://schemas.microsoft.com/office/drawing/2014/main" id="{5A745718-3DF8-199C-6AD6-02D02C3A7F60}"/>
+              </a:ext>
+            </a:extLst>
+          </p:cNvPr>
+          <p:cNvSpPr>
+            <a:spLocks noGrp="1"/>
+          </p:cNvSpPr>
+          <p:nvPr>
+            <p:ph type="body" idx="1"/>
+          </p:nvPr>
+        </p:nvSpPr>
+        <p:spPr>
+          <a:xfrm>
+            <a:off x="667961" y="1091992"/>
+            <a:ext cx="7301444" cy="662467"/>
+          </a:xfrm>
+        </p:spPr>
+        <p:txBody>
+          <a:bodyPr/>
+          <a:lstStyle/>
+          <a:p>
+            <a:pPr marL="152400" indent="0">
+              <a:buNone/>
+            </a:pPr>
+            <a:r>
+              <a:rPr lang="it-IT" dirty="0"/>
+              <a:t>Dal dataset iniziale vengono esclusi i dati che non interessano al progetto.</a:t>
+            </a:r>
+          </a:p>
+          <a:p>
+            <a:pPr marL="152400" indent="0">
+              <a:buNone/>
+            </a:pPr>
+            <a:r>
+              <a:rPr lang="it-IT" dirty="0"/>
+              <a:t>Un documento si presenta in questo modo.</a:t>
+            </a:r>
+          </a:p>
+        </p:txBody>
+      </p:sp>
+      <p:pic>
+        <p:nvPicPr>
+          <p:cNvPr id="5" name="Immagine 4">
+            <a:extLst>
+              <a:ext uri="{FF2B5EF4-FFF2-40B4-BE49-F238E27FC236}">
+                <a16:creationId xmlns:a16="http://schemas.microsoft.com/office/drawing/2014/main" id="{27EF40B6-BC90-9DE2-0BCB-E9BDFF89CFFF}"/>
+              </a:ext>
+            </a:extLst>
+          </p:cNvPr>
+          <p:cNvPicPr>
+            <a:picLocks noChangeAspect="1"/>
+          </p:cNvPicPr>
+          <p:nvPr/>
+        </p:nvPicPr>
+        <p:blipFill>
+          <a:blip r:embed="rId2"/>
+          <a:stretch>
+            <a:fillRect/>
+          </a:stretch>
+        </p:blipFill>
+        <p:spPr>
+          <a:xfrm>
+            <a:off x="864601" y="1768863"/>
+            <a:ext cx="6195597" cy="1996613"/>
+          </a:xfrm>
+          <a:prstGeom prst="rect">
+            <a:avLst/>
+          </a:prstGeom>
+        </p:spPr>
+      </p:pic>
+    </p:spTree>
+    <p:extLst>
+      <p:ext uri="{BB962C8B-B14F-4D97-AF65-F5344CB8AC3E}">
+        <p14:creationId xmlns:p14="http://schemas.microsoft.com/office/powerpoint/2010/main" val="623951694"/>
+      </p:ext>
+    </p:extLst>
+  </p:cSld>
+  <p:clrMapOvr>
+    <a:masterClrMapping/>
+  </p:clrMapOvr>
+</p:sld>
+</file>
+
+<file path=ppt/slides/slide22.xml><?xml version="1.0" encoding="utf-8"?>
+<p:sld xmlns:a="http://schemas.openxmlformats.org/drawingml/2006/main" xmlns:r="http://schemas.openxmlformats.org/officeDocument/2006/relationships" xmlns:p="http://schemas.openxmlformats.org/presentationml/2006/main">
+  <p:cSld>
+    <p:spTree>
+      <p:nvGrpSpPr>
+        <p:cNvPr id="1" name="Shape 1071"/>
+        <p:cNvGrpSpPr/>
+        <p:nvPr/>
+      </p:nvGrpSpPr>
+      <p:grpSpPr>
+        <a:xfrm>
+          <a:off x="0" y="0"/>
+          <a:ext cx="0" cy="0"/>
+          <a:chOff x="0" y="0"/>
+          <a:chExt cx="0" cy="0"/>
+        </a:xfrm>
+      </p:grpSpPr>
+      <p:sp>
+        <p:nvSpPr>
+          <p:cNvPr id="1072" name="Google Shape;1072;p40"/>
+          <p:cNvSpPr txBox="1">
+            <a:spLocks noGrp="1"/>
+          </p:cNvSpPr>
+          <p:nvPr>
+            <p:ph type="title"/>
+          </p:nvPr>
+        </p:nvSpPr>
+        <p:spPr>
+          <a:xfrm>
+            <a:off x="713250" y="445025"/>
+            <a:ext cx="5159726" cy="572700"/>
+          </a:xfrm>
+          <a:prstGeom prst="rect">
+            <a:avLst/>
+          </a:prstGeom>
+        </p:spPr>
+        <p:txBody>
+          <a:bodyPr spcFirstLastPara="1" wrap="square" lIns="91425" tIns="91425" rIns="91425" bIns="91425" anchor="t" anchorCtr="0">
+            <a:noAutofit/>
+          </a:bodyPr>
+          <a:lstStyle/>
+          <a:p>
+            <a:pPr marL="0" lvl="0" indent="0" algn="l" rtl="0">
+              <a:spcBef>
+                <a:spcPts val="0"/>
+              </a:spcBef>
+              <a:spcAft>
+                <a:spcPts val="0"/>
+              </a:spcAft>
+              <a:buNone/>
+            </a:pPr>
+            <a:r>
+              <a:rPr lang="en" dirty="0"/>
+              <a:t>Criticità</a:t>
+            </a:r>
+            <a:endParaRPr dirty="0"/>
+          </a:p>
+        </p:txBody>
+      </p:sp>
+      <p:grpSp>
+        <p:nvGrpSpPr>
+          <p:cNvPr id="1079" name="Google Shape;1079;p40"/>
+          <p:cNvGrpSpPr/>
+          <p:nvPr/>
+        </p:nvGrpSpPr>
+        <p:grpSpPr>
+          <a:xfrm rot="5400000">
+            <a:off x="1349650" y="3025707"/>
+            <a:ext cx="218100" cy="2933700"/>
+            <a:chOff x="8321275" y="2721525"/>
+            <a:chExt cx="218100" cy="2933700"/>
+          </a:xfrm>
+        </p:grpSpPr>
+        <p:sp>
+          <p:nvSpPr>
+            <p:cNvPr id="1080" name="Google Shape;1080;p40"/>
+            <p:cNvSpPr/>
+            <p:nvPr/>
+          </p:nvSpPr>
+          <p:spPr>
+            <a:xfrm>
+              <a:off x="8321275" y="2721525"/>
+              <a:ext cx="218100" cy="218100"/>
+            </a:xfrm>
+            <a:prstGeom prst="ellipse">
+              <a:avLst/>
+            </a:prstGeom>
+            <a:solidFill>
+              <a:schemeClr val="accent2"/>
+            </a:solidFill>
+            <a:ln w="9525" cap="flat" cmpd="sng">
+              <a:solidFill>
+                <a:schemeClr val="dk1"/>
+              </a:solidFill>
+              <a:prstDash val="solid"/>
+              <a:round/>
+              <a:headEnd type="none" w="sm" len="sm"/>
+              <a:tailEnd type="none" w="sm" len="sm"/>
+            </a:ln>
+            <a:effectLst>
+              <a:outerShdw dist="28575" dir="5280000" algn="bl" rotWithShape="0">
+                <a:schemeClr val="dk1"/>
+              </a:outerShdw>
+            </a:effectLst>
+          </p:spPr>
+          <p:txBody>
+            <a:bodyPr spcFirstLastPara="1" wrap="square" lIns="91425" tIns="91425" rIns="91425" bIns="91425" anchor="ctr" anchorCtr="0">
+              <a:noAutofit/>
+            </a:bodyPr>
+            <a:lstStyle/>
+            <a:p>
+              <a:pPr marL="0" lvl="0" indent="0" algn="ctr" rtl="0">
+                <a:spcBef>
+                  <a:spcPts val="0"/>
+                </a:spcBef>
+                <a:spcAft>
+                  <a:spcPts val="0"/>
+                </a:spcAft>
+                <a:buNone/>
+              </a:pPr>
+              <a:endParaRPr>
+                <a:latin typeface="Montserrat"/>
+                <a:ea typeface="Montserrat"/>
+                <a:cs typeface="Montserrat"/>
+                <a:sym typeface="Montserrat"/>
+              </a:endParaRPr>
+            </a:p>
+          </p:txBody>
+        </p:sp>
+        <p:cxnSp>
+          <p:nvCxnSpPr>
+            <p:cNvPr id="1081" name="Google Shape;1081;p40"/>
+            <p:cNvCxnSpPr>
+              <a:stCxn id="1080" idx="4"/>
+            </p:cNvCxnSpPr>
+            <p:nvPr/>
+          </p:nvCxnSpPr>
+          <p:spPr>
+            <a:xfrm rot="5400000">
+              <a:off x="7072525" y="4297425"/>
+              <a:ext cx="2715600" cy="0"/>
+            </a:xfrm>
+            <a:prstGeom prst="straightConnector1">
+              <a:avLst/>
+            </a:prstGeom>
+            <a:noFill/>
+            <a:ln w="9525" cap="flat" cmpd="sng">
+              <a:solidFill>
+                <a:schemeClr val="dk1"/>
+              </a:solidFill>
+              <a:prstDash val="solid"/>
+              <a:round/>
+              <a:headEnd type="none" w="med" len="med"/>
+              <a:tailEnd type="none" w="med" len="med"/>
+            </a:ln>
+          </p:spPr>
+        </p:cxnSp>
+      </p:grpSp>
+      <p:grpSp>
+        <p:nvGrpSpPr>
+          <p:cNvPr id="2" name="Google Shape;1769;p54">
+            <a:extLst>
+              <a:ext uri="{FF2B5EF4-FFF2-40B4-BE49-F238E27FC236}">
+                <a16:creationId xmlns:a16="http://schemas.microsoft.com/office/drawing/2014/main" id="{B4BFAD17-11EF-D78B-0EE1-0DE02A9A0A0B}"/>
+              </a:ext>
+            </a:extLst>
+          </p:cNvPr>
+          <p:cNvGrpSpPr/>
+          <p:nvPr/>
+        </p:nvGrpSpPr>
+        <p:grpSpPr>
+          <a:xfrm>
+            <a:off x="7510050" y="1013079"/>
+            <a:ext cx="920700" cy="384900"/>
+            <a:chOff x="3034875" y="3610225"/>
+            <a:chExt cx="920700" cy="384900"/>
+          </a:xfrm>
+        </p:grpSpPr>
+        <p:sp>
+          <p:nvSpPr>
+            <p:cNvPr id="3" name="Google Shape;1770;p54">
+              <a:extLst>
+                <a:ext uri="{FF2B5EF4-FFF2-40B4-BE49-F238E27FC236}">
+                  <a16:creationId xmlns:a16="http://schemas.microsoft.com/office/drawing/2014/main" id="{8C941354-A95E-E901-7DB3-1FD24F549A6C}"/>
+                </a:ext>
+              </a:extLst>
+            </p:cNvPr>
+            <p:cNvSpPr/>
+            <p:nvPr/>
+          </p:nvSpPr>
+          <p:spPr>
+            <a:xfrm>
+              <a:off x="3034875" y="3610225"/>
+              <a:ext cx="920700" cy="384900"/>
+            </a:xfrm>
+            <a:prstGeom prst="rect">
+              <a:avLst/>
+            </a:prstGeom>
+            <a:noFill/>
+            <a:ln w="9525" cap="flat" cmpd="sng">
+              <a:solidFill>
+                <a:schemeClr val="dk1"/>
+              </a:solidFill>
+              <a:prstDash val="solid"/>
+              <a:round/>
+              <a:headEnd type="none" w="sm" len="sm"/>
+              <a:tailEnd type="none" w="sm" len="sm"/>
+            </a:ln>
+          </p:spPr>
+          <p:txBody>
+            <a:bodyPr spcFirstLastPara="1" wrap="square" lIns="91425" tIns="91425" rIns="91425" bIns="91425" anchor="ctr" anchorCtr="0">
+              <a:noAutofit/>
+            </a:bodyPr>
+            <a:lstStyle/>
+            <a:p>
+              <a:pPr marL="0" lvl="0" indent="0" algn="ctr" rtl="0">
+                <a:spcBef>
+                  <a:spcPts val="0"/>
+                </a:spcBef>
+                <a:spcAft>
+                  <a:spcPts val="0"/>
+                </a:spcAft>
+                <a:buNone/>
+              </a:pPr>
+              <a:endParaRPr>
+                <a:latin typeface="Montserrat"/>
+                <a:ea typeface="Montserrat"/>
+                <a:cs typeface="Montserrat"/>
+                <a:sym typeface="Montserrat"/>
+              </a:endParaRPr>
+            </a:p>
+          </p:txBody>
+        </p:sp>
+        <p:grpSp>
+          <p:nvGrpSpPr>
+            <p:cNvPr id="4" name="Google Shape;1771;p54">
+              <a:extLst>
+                <a:ext uri="{FF2B5EF4-FFF2-40B4-BE49-F238E27FC236}">
+                  <a16:creationId xmlns:a16="http://schemas.microsoft.com/office/drawing/2014/main" id="{548B8FD2-85DD-02D8-5BC6-805C9462146C}"/>
+                </a:ext>
+              </a:extLst>
+            </p:cNvPr>
+            <p:cNvGrpSpPr/>
+            <p:nvPr/>
+          </p:nvGrpSpPr>
+          <p:grpSpPr>
+            <a:xfrm rot="2700000">
+              <a:off x="3669878" y="3712117"/>
+              <a:ext cx="143728" cy="142172"/>
+              <a:chOff x="3022600" y="3621750"/>
+              <a:chExt cx="166200" cy="164400"/>
+            </a:xfrm>
+          </p:grpSpPr>
+          <p:cxnSp>
+            <p:nvCxnSpPr>
+              <p:cNvPr id="5" name="Google Shape;1772;p54">
+                <a:extLst>
+                  <a:ext uri="{FF2B5EF4-FFF2-40B4-BE49-F238E27FC236}">
+                    <a16:creationId xmlns:a16="http://schemas.microsoft.com/office/drawing/2014/main" id="{B9111844-B10E-8F55-EDD4-DF35CEB6D613}"/>
+                  </a:ext>
+                </a:extLst>
+              </p:cNvPr>
+              <p:cNvCxnSpPr/>
+              <p:nvPr/>
+            </p:nvCxnSpPr>
+            <p:spPr>
+              <a:xfrm>
+                <a:off x="3188800" y="3621750"/>
+                <a:ext cx="0" cy="164400"/>
+              </a:xfrm>
+              <a:prstGeom prst="straightConnector1">
+                <a:avLst/>
+              </a:prstGeom>
+              <a:noFill/>
+              <a:ln w="9525" cap="flat" cmpd="sng">
+                <a:solidFill>
+                  <a:schemeClr val="dk1"/>
+                </a:solidFill>
+                <a:prstDash val="solid"/>
+                <a:round/>
+                <a:headEnd type="none" w="med" len="med"/>
+                <a:tailEnd type="none" w="med" len="med"/>
+              </a:ln>
+            </p:spPr>
+          </p:cxnSp>
+          <p:cxnSp>
+            <p:nvCxnSpPr>
+              <p:cNvPr id="6" name="Google Shape;1773;p54">
+                <a:extLst>
+                  <a:ext uri="{FF2B5EF4-FFF2-40B4-BE49-F238E27FC236}">
+                    <a16:creationId xmlns:a16="http://schemas.microsoft.com/office/drawing/2014/main" id="{262F701D-7154-7832-2756-15A00E9CF664}"/>
+                  </a:ext>
+                </a:extLst>
+              </p:cNvPr>
+              <p:cNvCxnSpPr/>
+              <p:nvPr/>
+            </p:nvCxnSpPr>
+            <p:spPr>
+              <a:xfrm>
+                <a:off x="3022600" y="3780825"/>
+                <a:ext cx="166200" cy="0"/>
+              </a:xfrm>
+              <a:prstGeom prst="straightConnector1">
+                <a:avLst/>
+              </a:prstGeom>
+              <a:noFill/>
+              <a:ln w="9525" cap="flat" cmpd="sng">
+                <a:solidFill>
+                  <a:schemeClr val="dk1"/>
+                </a:solidFill>
+                <a:prstDash val="solid"/>
+                <a:round/>
+                <a:headEnd type="none" w="med" len="med"/>
+                <a:tailEnd type="none" w="med" len="med"/>
+              </a:ln>
+            </p:spPr>
+          </p:cxnSp>
+        </p:grpSp>
+      </p:grpSp>
+      <p:grpSp>
+        <p:nvGrpSpPr>
+          <p:cNvPr id="7" name="Google Shape;1764;p54">
+            <a:extLst>
+              <a:ext uri="{FF2B5EF4-FFF2-40B4-BE49-F238E27FC236}">
+                <a16:creationId xmlns:a16="http://schemas.microsoft.com/office/drawing/2014/main" id="{B69DC315-FACB-456A-B2A3-802B86698716}"/>
+              </a:ext>
+            </a:extLst>
+          </p:cNvPr>
+          <p:cNvGrpSpPr/>
+          <p:nvPr/>
+        </p:nvGrpSpPr>
+        <p:grpSpPr>
+          <a:xfrm>
+            <a:off x="826001" y="1280140"/>
+            <a:ext cx="437700" cy="437700"/>
+            <a:chOff x="2149100" y="3583825"/>
+            <a:chExt cx="437700" cy="437700"/>
+          </a:xfrm>
+          <a:solidFill>
+            <a:srgbClr val="C00000"/>
+          </a:solidFill>
+        </p:grpSpPr>
+        <p:sp>
+          <p:nvSpPr>
+            <p:cNvPr id="8" name="Google Shape;1765;p54">
+              <a:extLst>
+                <a:ext uri="{FF2B5EF4-FFF2-40B4-BE49-F238E27FC236}">
+                  <a16:creationId xmlns:a16="http://schemas.microsoft.com/office/drawing/2014/main" id="{3E3F77DE-C0FF-1734-2DCB-70C4AB344A8B}"/>
+                </a:ext>
+              </a:extLst>
+            </p:cNvPr>
+            <p:cNvSpPr/>
+            <p:nvPr/>
+          </p:nvSpPr>
+          <p:spPr>
+            <a:xfrm>
+              <a:off x="2149100" y="3583825"/>
+              <a:ext cx="437700" cy="437700"/>
+            </a:xfrm>
+            <a:prstGeom prst="rect">
+              <a:avLst/>
+            </a:prstGeom>
+            <a:grpFill/>
+            <a:ln w="9525" cap="flat" cmpd="sng">
+              <a:solidFill>
+                <a:schemeClr val="dk1"/>
+              </a:solidFill>
+              <a:prstDash val="solid"/>
+              <a:round/>
+              <a:headEnd type="none" w="sm" len="sm"/>
+              <a:tailEnd type="none" w="sm" len="sm"/>
+            </a:ln>
+          </p:spPr>
+          <p:txBody>
+            <a:bodyPr spcFirstLastPara="1" wrap="square" lIns="91425" tIns="91425" rIns="91425" bIns="91425" anchor="ctr" anchorCtr="0">
+              <a:noAutofit/>
+            </a:bodyPr>
+            <a:lstStyle/>
+            <a:p>
+              <a:pPr marL="0" lvl="0" indent="0" algn="ctr" rtl="0">
+                <a:spcBef>
+                  <a:spcPts val="0"/>
+                </a:spcBef>
+                <a:spcAft>
+                  <a:spcPts val="0"/>
+                </a:spcAft>
+                <a:buNone/>
+              </a:pPr>
+              <a:endParaRPr>
+                <a:latin typeface="Montserrat"/>
+                <a:ea typeface="Montserrat"/>
+                <a:cs typeface="Montserrat"/>
+                <a:sym typeface="Montserrat"/>
+              </a:endParaRPr>
+            </a:p>
+          </p:txBody>
+        </p:sp>
+        <p:grpSp>
+          <p:nvGrpSpPr>
+            <p:cNvPr id="9" name="Google Shape;1766;p54">
+              <a:extLst>
+                <a:ext uri="{FF2B5EF4-FFF2-40B4-BE49-F238E27FC236}">
+                  <a16:creationId xmlns:a16="http://schemas.microsoft.com/office/drawing/2014/main" id="{D1B9A73A-8BD2-6152-FE4E-29A5EBB9035C}"/>
+                </a:ext>
+              </a:extLst>
+            </p:cNvPr>
+            <p:cNvGrpSpPr/>
+            <p:nvPr/>
+          </p:nvGrpSpPr>
+          <p:grpSpPr>
+            <a:xfrm rot="-2700000">
+              <a:off x="2262403" y="3731554"/>
+              <a:ext cx="143728" cy="142172"/>
+              <a:chOff x="3022600" y="3621750"/>
+              <a:chExt cx="166200" cy="164400"/>
+            </a:xfrm>
+            <a:grpFill/>
+          </p:grpSpPr>
+          <p:cxnSp>
+            <p:nvCxnSpPr>
+              <p:cNvPr id="10" name="Google Shape;1767;p54">
+                <a:extLst>
+                  <a:ext uri="{FF2B5EF4-FFF2-40B4-BE49-F238E27FC236}">
+                    <a16:creationId xmlns:a16="http://schemas.microsoft.com/office/drawing/2014/main" id="{A87CFAB1-41E4-5B87-6D33-F5DB79189807}"/>
+                  </a:ext>
+                </a:extLst>
+              </p:cNvPr>
+              <p:cNvCxnSpPr/>
+              <p:nvPr/>
+            </p:nvCxnSpPr>
+            <p:spPr>
+              <a:xfrm>
+                <a:off x="3188800" y="3621750"/>
+                <a:ext cx="0" cy="164400"/>
+              </a:xfrm>
+              <a:prstGeom prst="straightConnector1">
+                <a:avLst/>
+              </a:prstGeom>
+              <a:grpFill/>
+              <a:ln w="9525" cap="flat" cmpd="sng">
+                <a:solidFill>
+                  <a:schemeClr val="dk1"/>
+                </a:solidFill>
+                <a:prstDash val="solid"/>
+                <a:round/>
+                <a:headEnd type="none" w="med" len="med"/>
+                <a:tailEnd type="none" w="med" len="med"/>
+              </a:ln>
+            </p:spPr>
+          </p:cxnSp>
+          <p:cxnSp>
+            <p:nvCxnSpPr>
+              <p:cNvPr id="11" name="Google Shape;1768;p54">
+                <a:extLst>
+                  <a:ext uri="{FF2B5EF4-FFF2-40B4-BE49-F238E27FC236}">
+                    <a16:creationId xmlns:a16="http://schemas.microsoft.com/office/drawing/2014/main" id="{0928593D-84CF-F1A6-3B74-59E3E07D716F}"/>
+                  </a:ext>
+                </a:extLst>
+              </p:cNvPr>
+              <p:cNvCxnSpPr/>
+              <p:nvPr/>
+            </p:nvCxnSpPr>
+            <p:spPr>
+              <a:xfrm>
+                <a:off x="3022600" y="3780825"/>
+                <a:ext cx="166200" cy="0"/>
+              </a:xfrm>
+              <a:prstGeom prst="straightConnector1">
+                <a:avLst/>
+              </a:prstGeom>
+              <a:grpFill/>
+              <a:ln w="9525" cap="flat" cmpd="sng">
+                <a:solidFill>
+                  <a:schemeClr val="dk1"/>
+                </a:solidFill>
+                <a:prstDash val="solid"/>
+                <a:round/>
+                <a:headEnd type="none" w="med" len="med"/>
+                <a:tailEnd type="none" w="med" len="med"/>
+              </a:ln>
+            </p:spPr>
+          </p:cxnSp>
+        </p:grpSp>
+      </p:grpSp>
+      <p:sp>
+        <p:nvSpPr>
+          <p:cNvPr id="17" name="Google Shape;991;p37">
+            <a:extLst>
+              <a:ext uri="{FF2B5EF4-FFF2-40B4-BE49-F238E27FC236}">
+                <a16:creationId xmlns:a16="http://schemas.microsoft.com/office/drawing/2014/main" id="{310B2FCC-C44A-528C-2380-4575D7354AD4}"/>
+              </a:ext>
+            </a:extLst>
+          </p:cNvPr>
+          <p:cNvSpPr txBox="1">
+            <a:spLocks/>
+          </p:cNvSpPr>
+          <p:nvPr/>
+        </p:nvSpPr>
+        <p:spPr>
+          <a:xfrm>
+            <a:off x="1445061" y="1301952"/>
+            <a:ext cx="5878812" cy="498299"/>
+          </a:xfrm>
+          <a:prstGeom prst="rect">
+            <a:avLst/>
+          </a:prstGeom>
+          <a:noFill/>
+          <a:ln>
+            <a:noFill/>
+          </a:ln>
+        </p:spPr>
+        <p:txBody>
+          <a:bodyPr spcFirstLastPara="1" wrap="square" lIns="91425" tIns="91425" rIns="91425" bIns="91425" anchor="t" anchorCtr="0">
+            <a:noAutofit/>
+          </a:bodyPr>
+          <a:lstStyle>
+            <a:defPPr marR="0" lvl="0" algn="l" rtl="0">
+              <a:lnSpc>
+                <a:spcPct val="100000"/>
+              </a:lnSpc>
+              <a:spcBef>
+                <a:spcPts val="0"/>
+              </a:spcBef>
+              <a:spcAft>
+                <a:spcPts val="0"/>
+              </a:spcAft>
+            </a:defPPr>
+            <a:lvl1pPr marL="457200" marR="0" lvl="0" indent="-304800" algn="l" rtl="0">
+              <a:lnSpc>
+                <a:spcPct val="100000"/>
+              </a:lnSpc>
+              <a:spcBef>
+                <a:spcPts val="0"/>
+              </a:spcBef>
+              <a:spcAft>
+                <a:spcPts val="0"/>
+              </a:spcAft>
+              <a:buClr>
+                <a:schemeClr val="dk1"/>
+              </a:buClr>
+              <a:buSzPts val="1200"/>
+              <a:buFont typeface="Nunito Light"/>
+              <a:buChar char="●"/>
+              <a:defRPr sz="1200" b="0" i="0" u="none" strike="noStrike" cap="none">
+                <a:solidFill>
+                  <a:schemeClr val="dk1"/>
+                </a:solidFill>
+                <a:latin typeface="Montserrat"/>
+                <a:ea typeface="Montserrat"/>
+                <a:cs typeface="Montserrat"/>
+                <a:sym typeface="Montserrat"/>
+              </a:defRPr>
+            </a:lvl1pPr>
+            <a:lvl2pPr marL="914400" marR="0" lvl="1" indent="-304800" algn="l" rtl="0">
+              <a:lnSpc>
+                <a:spcPct val="100000"/>
+              </a:lnSpc>
+              <a:spcBef>
+                <a:spcPts val="1200"/>
+              </a:spcBef>
+              <a:spcAft>
+                <a:spcPts val="0"/>
+              </a:spcAft>
+              <a:buClr>
+                <a:schemeClr val="dk1"/>
+              </a:buClr>
+              <a:buSzPts val="1200"/>
+              <a:buFont typeface="Nunito Light"/>
+              <a:buChar char="○"/>
+              <a:defRPr sz="1200" b="0" i="0" u="none" strike="noStrike" cap="none">
+                <a:solidFill>
+                  <a:schemeClr val="dk1"/>
+                </a:solidFill>
+                <a:latin typeface="Montserrat"/>
+                <a:ea typeface="Montserrat"/>
+                <a:cs typeface="Montserrat"/>
+                <a:sym typeface="Montserrat"/>
+              </a:defRPr>
+            </a:lvl2pPr>
+            <a:lvl3pPr marL="1371600" marR="0" lvl="2" indent="-304800" algn="l" rtl="0">
+              <a:lnSpc>
+                <a:spcPct val="100000"/>
+              </a:lnSpc>
+              <a:spcBef>
+                <a:spcPts val="0"/>
+              </a:spcBef>
+              <a:spcAft>
+                <a:spcPts val="0"/>
+              </a:spcAft>
+              <a:buClr>
+                <a:schemeClr val="dk1"/>
+              </a:buClr>
+              <a:buSzPts val="1200"/>
+              <a:buFont typeface="Nunito Light"/>
+              <a:buChar char="■"/>
+              <a:defRPr sz="1200" b="0" i="0" u="none" strike="noStrike" cap="none">
+                <a:solidFill>
+                  <a:schemeClr val="dk1"/>
+                </a:solidFill>
+                <a:latin typeface="Montserrat"/>
+                <a:ea typeface="Montserrat"/>
+                <a:cs typeface="Montserrat"/>
+                <a:sym typeface="Montserrat"/>
+              </a:defRPr>
+            </a:lvl3pPr>
+            <a:lvl4pPr marL="1828800" marR="0" lvl="3" indent="-304800" algn="l" rtl="0">
+              <a:lnSpc>
+                <a:spcPct val="100000"/>
+              </a:lnSpc>
+              <a:spcBef>
+                <a:spcPts val="0"/>
+              </a:spcBef>
+              <a:spcAft>
+                <a:spcPts val="0"/>
+              </a:spcAft>
+              <a:buClr>
+                <a:schemeClr val="dk1"/>
+              </a:buClr>
+              <a:buSzPts val="1200"/>
+              <a:buFont typeface="Nunito Light"/>
+              <a:buChar char="●"/>
+              <a:defRPr sz="1200" b="0" i="0" u="none" strike="noStrike" cap="none">
+                <a:solidFill>
+                  <a:schemeClr val="dk1"/>
+                </a:solidFill>
+                <a:latin typeface="Montserrat"/>
+                <a:ea typeface="Montserrat"/>
+                <a:cs typeface="Montserrat"/>
+                <a:sym typeface="Montserrat"/>
+              </a:defRPr>
+            </a:lvl4pPr>
+            <a:lvl5pPr marL="2286000" marR="0" lvl="4" indent="-304800" algn="l" rtl="0">
+              <a:lnSpc>
+                <a:spcPct val="100000"/>
+              </a:lnSpc>
+              <a:spcBef>
+                <a:spcPts val="0"/>
+              </a:spcBef>
+              <a:spcAft>
+                <a:spcPts val="0"/>
+              </a:spcAft>
+              <a:buClr>
+                <a:schemeClr val="dk1"/>
+              </a:buClr>
+              <a:buSzPts val="1200"/>
+              <a:buFont typeface="Nunito Light"/>
+              <a:buChar char="○"/>
+              <a:defRPr sz="1200" b="0" i="0" u="none" strike="noStrike" cap="none">
+                <a:solidFill>
+                  <a:schemeClr val="dk1"/>
+                </a:solidFill>
+                <a:latin typeface="Montserrat"/>
+                <a:ea typeface="Montserrat"/>
+                <a:cs typeface="Montserrat"/>
+                <a:sym typeface="Montserrat"/>
+              </a:defRPr>
+            </a:lvl5pPr>
+            <a:lvl6pPr marL="2743200" marR="0" lvl="5" indent="-304800" algn="l" rtl="0">
+              <a:lnSpc>
+                <a:spcPct val="100000"/>
+              </a:lnSpc>
+              <a:spcBef>
+                <a:spcPts val="0"/>
+              </a:spcBef>
+              <a:spcAft>
+                <a:spcPts val="0"/>
+              </a:spcAft>
+              <a:buClr>
+                <a:schemeClr val="dk1"/>
+              </a:buClr>
+              <a:buSzPts val="1200"/>
+              <a:buFont typeface="Nunito Light"/>
+              <a:buChar char="■"/>
+              <a:defRPr sz="1200" b="0" i="0" u="none" strike="noStrike" cap="none">
+                <a:solidFill>
+                  <a:schemeClr val="dk1"/>
+                </a:solidFill>
+                <a:latin typeface="Montserrat"/>
+                <a:ea typeface="Montserrat"/>
+                <a:cs typeface="Montserrat"/>
+                <a:sym typeface="Montserrat"/>
+              </a:defRPr>
+            </a:lvl6pPr>
+            <a:lvl7pPr marL="3200400" marR="0" lvl="6" indent="-304800" algn="l" rtl="0">
+              <a:lnSpc>
+                <a:spcPct val="100000"/>
+              </a:lnSpc>
+              <a:spcBef>
+                <a:spcPts val="0"/>
+              </a:spcBef>
+              <a:spcAft>
+                <a:spcPts val="0"/>
+              </a:spcAft>
+              <a:buClr>
+                <a:schemeClr val="dk1"/>
+              </a:buClr>
+              <a:buSzPts val="1200"/>
+              <a:buFont typeface="Nunito Light"/>
+              <a:buChar char="●"/>
+              <a:defRPr sz="1200" b="0" i="0" u="none" strike="noStrike" cap="none">
+                <a:solidFill>
+                  <a:schemeClr val="dk1"/>
+                </a:solidFill>
+                <a:latin typeface="Montserrat"/>
+                <a:ea typeface="Montserrat"/>
+                <a:cs typeface="Montserrat"/>
+                <a:sym typeface="Montserrat"/>
+              </a:defRPr>
+            </a:lvl7pPr>
+            <a:lvl8pPr marL="3657600" marR="0" lvl="7" indent="-304800" algn="l" rtl="0">
+              <a:lnSpc>
+                <a:spcPct val="100000"/>
+              </a:lnSpc>
+              <a:spcBef>
+                <a:spcPts val="0"/>
+              </a:spcBef>
+              <a:spcAft>
+                <a:spcPts val="0"/>
+              </a:spcAft>
+              <a:buClr>
+                <a:schemeClr val="dk1"/>
+              </a:buClr>
+              <a:buSzPts val="1200"/>
+              <a:buFont typeface="Nunito Light"/>
+              <a:buChar char="○"/>
+              <a:defRPr sz="1200" b="0" i="0" u="none" strike="noStrike" cap="none">
+                <a:solidFill>
+                  <a:schemeClr val="dk1"/>
+                </a:solidFill>
+                <a:latin typeface="Montserrat"/>
+                <a:ea typeface="Montserrat"/>
+                <a:cs typeface="Montserrat"/>
+                <a:sym typeface="Montserrat"/>
+              </a:defRPr>
+            </a:lvl8pPr>
+            <a:lvl9pPr marL="4114800" marR="0" lvl="8" indent="-304800" algn="l" rtl="0">
+              <a:lnSpc>
+                <a:spcPct val="100000"/>
+              </a:lnSpc>
+              <a:spcBef>
+                <a:spcPts val="0"/>
+              </a:spcBef>
+              <a:spcAft>
+                <a:spcPts val="0"/>
+              </a:spcAft>
+              <a:buClr>
+                <a:schemeClr val="dk1"/>
+              </a:buClr>
+              <a:buSzPts val="1200"/>
+              <a:buFont typeface="Nunito Light"/>
+              <a:buChar char="■"/>
+              <a:defRPr sz="1200" b="0" i="0" u="none" strike="noStrike" cap="none">
+                <a:solidFill>
+                  <a:schemeClr val="dk1"/>
+                </a:solidFill>
+                <a:latin typeface="Montserrat"/>
+                <a:ea typeface="Montserrat"/>
+                <a:cs typeface="Montserrat"/>
+                <a:sym typeface="Montserrat"/>
+              </a:defRPr>
+            </a:lvl9pPr>
+          </a:lstStyle>
+          <a:p>
+            <a:pPr marL="0" indent="0">
+              <a:buFont typeface="Nunito Light"/>
+              <a:buNone/>
+            </a:pPr>
+            <a:r>
+              <a:rPr lang="it-IT" dirty="0"/>
+              <a:t>Tempistiche lente a causa dell’ambiente cloud</a:t>
+            </a:r>
+          </a:p>
+        </p:txBody>
+      </p:sp>
+      <p:grpSp>
+        <p:nvGrpSpPr>
+          <p:cNvPr id="27" name="Google Shape;1764;p54">
+            <a:extLst>
+              <a:ext uri="{FF2B5EF4-FFF2-40B4-BE49-F238E27FC236}">
+                <a16:creationId xmlns:a16="http://schemas.microsoft.com/office/drawing/2014/main" id="{B78D11CB-4895-44C3-72C1-ECD6E790D3D3}"/>
+              </a:ext>
+            </a:extLst>
+          </p:cNvPr>
+          <p:cNvGrpSpPr/>
+          <p:nvPr/>
+        </p:nvGrpSpPr>
+        <p:grpSpPr>
+          <a:xfrm>
+            <a:off x="826001" y="1892627"/>
+            <a:ext cx="437700" cy="437700"/>
+            <a:chOff x="2149100" y="3583825"/>
+            <a:chExt cx="437700" cy="437700"/>
+          </a:xfrm>
+          <a:solidFill>
+            <a:srgbClr val="C00000"/>
+          </a:solidFill>
+        </p:grpSpPr>
+        <p:sp>
+          <p:nvSpPr>
+            <p:cNvPr id="28" name="Google Shape;1765;p54">
+              <a:extLst>
+                <a:ext uri="{FF2B5EF4-FFF2-40B4-BE49-F238E27FC236}">
+                  <a16:creationId xmlns:a16="http://schemas.microsoft.com/office/drawing/2014/main" id="{3F0D32D4-A848-AE47-CF4E-9426BF3B98A1}"/>
+                </a:ext>
+              </a:extLst>
+            </p:cNvPr>
+            <p:cNvSpPr/>
+            <p:nvPr/>
+          </p:nvSpPr>
+          <p:spPr>
+            <a:xfrm>
+              <a:off x="2149100" y="3583825"/>
+              <a:ext cx="437700" cy="437700"/>
+            </a:xfrm>
+            <a:prstGeom prst="rect">
+              <a:avLst/>
+            </a:prstGeom>
+            <a:grpFill/>
+            <a:ln w="9525" cap="flat" cmpd="sng">
+              <a:solidFill>
+                <a:schemeClr val="dk1"/>
+              </a:solidFill>
+              <a:prstDash val="solid"/>
+              <a:round/>
+              <a:headEnd type="none" w="sm" len="sm"/>
+              <a:tailEnd type="none" w="sm" len="sm"/>
+            </a:ln>
+          </p:spPr>
+          <p:txBody>
+            <a:bodyPr spcFirstLastPara="1" wrap="square" lIns="91425" tIns="91425" rIns="91425" bIns="91425" anchor="ctr" anchorCtr="0">
+              <a:noAutofit/>
+            </a:bodyPr>
+            <a:lstStyle/>
+            <a:p>
+              <a:pPr marL="0" lvl="0" indent="0" algn="ctr" rtl="0">
+                <a:spcBef>
+                  <a:spcPts val="0"/>
+                </a:spcBef>
+                <a:spcAft>
+                  <a:spcPts val="0"/>
+                </a:spcAft>
+                <a:buNone/>
+              </a:pPr>
+              <a:endParaRPr>
+                <a:latin typeface="Montserrat"/>
+                <a:ea typeface="Montserrat"/>
+                <a:cs typeface="Montserrat"/>
+                <a:sym typeface="Montserrat"/>
+              </a:endParaRPr>
+            </a:p>
+          </p:txBody>
+        </p:sp>
+        <p:grpSp>
+          <p:nvGrpSpPr>
+            <p:cNvPr id="29" name="Google Shape;1766;p54">
+              <a:extLst>
+                <a:ext uri="{FF2B5EF4-FFF2-40B4-BE49-F238E27FC236}">
+                  <a16:creationId xmlns:a16="http://schemas.microsoft.com/office/drawing/2014/main" id="{A5482DCF-1648-ADB1-486C-99DF191CA6CF}"/>
+                </a:ext>
+              </a:extLst>
+            </p:cNvPr>
+            <p:cNvGrpSpPr/>
+            <p:nvPr/>
+          </p:nvGrpSpPr>
+          <p:grpSpPr>
+            <a:xfrm rot="-2700000">
+              <a:off x="2262403" y="3731554"/>
+              <a:ext cx="143728" cy="142172"/>
+              <a:chOff x="3022600" y="3621750"/>
+              <a:chExt cx="166200" cy="164400"/>
+            </a:xfrm>
+            <a:grpFill/>
+          </p:grpSpPr>
+          <p:cxnSp>
+            <p:nvCxnSpPr>
+              <p:cNvPr id="30" name="Google Shape;1767;p54">
+                <a:extLst>
+                  <a:ext uri="{FF2B5EF4-FFF2-40B4-BE49-F238E27FC236}">
+                    <a16:creationId xmlns:a16="http://schemas.microsoft.com/office/drawing/2014/main" id="{CE785595-A4FD-73DC-E70E-12F5A53D7A25}"/>
+                  </a:ext>
+                </a:extLst>
+              </p:cNvPr>
+              <p:cNvCxnSpPr/>
+              <p:nvPr/>
+            </p:nvCxnSpPr>
+            <p:spPr>
+              <a:xfrm>
+                <a:off x="3188800" y="3621750"/>
+                <a:ext cx="0" cy="164400"/>
+              </a:xfrm>
+              <a:prstGeom prst="straightConnector1">
+                <a:avLst/>
+              </a:prstGeom>
+              <a:grpFill/>
+              <a:ln w="9525" cap="flat" cmpd="sng">
+                <a:solidFill>
+                  <a:schemeClr val="dk1"/>
+                </a:solidFill>
+                <a:prstDash val="solid"/>
+                <a:round/>
+                <a:headEnd type="none" w="med" len="med"/>
+                <a:tailEnd type="none" w="med" len="med"/>
+              </a:ln>
+            </p:spPr>
+          </p:cxnSp>
+          <p:cxnSp>
+            <p:nvCxnSpPr>
+              <p:cNvPr id="31" name="Google Shape;1768;p54">
+                <a:extLst>
+                  <a:ext uri="{FF2B5EF4-FFF2-40B4-BE49-F238E27FC236}">
+                    <a16:creationId xmlns:a16="http://schemas.microsoft.com/office/drawing/2014/main" id="{61F93128-703F-97FA-330E-39E04761D344}"/>
+                  </a:ext>
+                </a:extLst>
+              </p:cNvPr>
+              <p:cNvCxnSpPr/>
+              <p:nvPr/>
+            </p:nvCxnSpPr>
+            <p:spPr>
+              <a:xfrm>
+                <a:off x="3022600" y="3780825"/>
+                <a:ext cx="166200" cy="0"/>
+              </a:xfrm>
+              <a:prstGeom prst="straightConnector1">
+                <a:avLst/>
+              </a:prstGeom>
+              <a:grpFill/>
+              <a:ln w="9525" cap="flat" cmpd="sng">
+                <a:solidFill>
+                  <a:schemeClr val="dk1"/>
+                </a:solidFill>
+                <a:prstDash val="solid"/>
+                <a:round/>
+                <a:headEnd type="none" w="med" len="med"/>
+                <a:tailEnd type="none" w="med" len="med"/>
+              </a:ln>
+            </p:spPr>
+          </p:cxnSp>
+        </p:grpSp>
+      </p:grpSp>
+      <p:sp>
+        <p:nvSpPr>
+          <p:cNvPr id="32" name="Google Shape;991;p37">
+            <a:extLst>
+              <a:ext uri="{FF2B5EF4-FFF2-40B4-BE49-F238E27FC236}">
+                <a16:creationId xmlns:a16="http://schemas.microsoft.com/office/drawing/2014/main" id="{00E0AFF5-937A-E153-83E6-D1F979BAD3D7}"/>
+              </a:ext>
+            </a:extLst>
+          </p:cNvPr>
+          <p:cNvSpPr txBox="1">
+            <a:spLocks/>
+          </p:cNvSpPr>
+          <p:nvPr/>
+        </p:nvSpPr>
+        <p:spPr>
+          <a:xfrm>
+            <a:off x="1445061" y="1827416"/>
+            <a:ext cx="5878812" cy="498299"/>
+          </a:xfrm>
+          <a:prstGeom prst="rect">
+            <a:avLst/>
+          </a:prstGeom>
+          <a:noFill/>
+          <a:ln>
+            <a:noFill/>
+          </a:ln>
+        </p:spPr>
+        <p:txBody>
+          <a:bodyPr spcFirstLastPara="1" wrap="square" lIns="91425" tIns="91425" rIns="91425" bIns="91425" anchor="t" anchorCtr="0">
+            <a:noAutofit/>
+          </a:bodyPr>
+          <a:lstStyle>
+            <a:defPPr marR="0" lvl="0" algn="l" rtl="0">
+              <a:lnSpc>
+                <a:spcPct val="100000"/>
+              </a:lnSpc>
+              <a:spcBef>
+                <a:spcPts val="0"/>
+              </a:spcBef>
+              <a:spcAft>
+                <a:spcPts val="0"/>
+              </a:spcAft>
+            </a:defPPr>
+            <a:lvl1pPr marL="457200" marR="0" lvl="0" indent="-304800" algn="l" rtl="0">
+              <a:lnSpc>
+                <a:spcPct val="100000"/>
+              </a:lnSpc>
+              <a:spcBef>
+                <a:spcPts val="0"/>
+              </a:spcBef>
+              <a:spcAft>
+                <a:spcPts val="0"/>
+              </a:spcAft>
+              <a:buClr>
+                <a:schemeClr val="dk1"/>
+              </a:buClr>
+              <a:buSzPts val="1200"/>
+              <a:buFont typeface="Nunito Light"/>
+              <a:buChar char="●"/>
+              <a:defRPr sz="1200" b="0" i="0" u="none" strike="noStrike" cap="none">
+                <a:solidFill>
+                  <a:schemeClr val="dk1"/>
+                </a:solidFill>
+                <a:latin typeface="Montserrat"/>
+                <a:ea typeface="Montserrat"/>
+                <a:cs typeface="Montserrat"/>
+                <a:sym typeface="Montserrat"/>
+              </a:defRPr>
+            </a:lvl1pPr>
+            <a:lvl2pPr marL="914400" marR="0" lvl="1" indent="-304800" algn="l" rtl="0">
+              <a:lnSpc>
+                <a:spcPct val="100000"/>
+              </a:lnSpc>
+              <a:spcBef>
+                <a:spcPts val="1200"/>
+              </a:spcBef>
+              <a:spcAft>
+                <a:spcPts val="0"/>
+              </a:spcAft>
+              <a:buClr>
+                <a:schemeClr val="dk1"/>
+              </a:buClr>
+              <a:buSzPts val="1200"/>
+              <a:buFont typeface="Nunito Light"/>
+              <a:buChar char="○"/>
+              <a:defRPr sz="1200" b="0" i="0" u="none" strike="noStrike" cap="none">
+                <a:solidFill>
+                  <a:schemeClr val="dk1"/>
+                </a:solidFill>
+                <a:latin typeface="Montserrat"/>
+                <a:ea typeface="Montserrat"/>
+                <a:cs typeface="Montserrat"/>
+                <a:sym typeface="Montserrat"/>
+              </a:defRPr>
+            </a:lvl2pPr>
+            <a:lvl3pPr marL="1371600" marR="0" lvl="2" indent="-304800" algn="l" rtl="0">
+              <a:lnSpc>
+                <a:spcPct val="100000"/>
+              </a:lnSpc>
+              <a:spcBef>
+                <a:spcPts val="0"/>
+              </a:spcBef>
+              <a:spcAft>
+                <a:spcPts val="0"/>
+              </a:spcAft>
+              <a:buClr>
+                <a:schemeClr val="dk1"/>
+              </a:buClr>
+              <a:buSzPts val="1200"/>
+              <a:buFont typeface="Nunito Light"/>
+              <a:buChar char="■"/>
+              <a:defRPr sz="1200" b="0" i="0" u="none" strike="noStrike" cap="none">
+                <a:solidFill>
+                  <a:schemeClr val="dk1"/>
+                </a:solidFill>
+                <a:latin typeface="Montserrat"/>
+                <a:ea typeface="Montserrat"/>
+                <a:cs typeface="Montserrat"/>
+                <a:sym typeface="Montserrat"/>
+              </a:defRPr>
+            </a:lvl3pPr>
+            <a:lvl4pPr marL="1828800" marR="0" lvl="3" indent="-304800" algn="l" rtl="0">
+              <a:lnSpc>
+                <a:spcPct val="100000"/>
+              </a:lnSpc>
+              <a:spcBef>
+                <a:spcPts val="0"/>
+              </a:spcBef>
+              <a:spcAft>
+                <a:spcPts val="0"/>
+              </a:spcAft>
+              <a:buClr>
+                <a:schemeClr val="dk1"/>
+              </a:buClr>
+              <a:buSzPts val="1200"/>
+              <a:buFont typeface="Nunito Light"/>
+              <a:buChar char="●"/>
+              <a:defRPr sz="1200" b="0" i="0" u="none" strike="noStrike" cap="none">
+                <a:solidFill>
+                  <a:schemeClr val="dk1"/>
+                </a:solidFill>
+                <a:latin typeface="Montserrat"/>
+                <a:ea typeface="Montserrat"/>
+                <a:cs typeface="Montserrat"/>
+                <a:sym typeface="Montserrat"/>
+              </a:defRPr>
+            </a:lvl4pPr>
+            <a:lvl5pPr marL="2286000" marR="0" lvl="4" indent="-304800" algn="l" rtl="0">
+              <a:lnSpc>
+                <a:spcPct val="100000"/>
+              </a:lnSpc>
+              <a:spcBef>
+                <a:spcPts val="0"/>
+              </a:spcBef>
+              <a:spcAft>
+                <a:spcPts val="0"/>
+              </a:spcAft>
+              <a:buClr>
+                <a:schemeClr val="dk1"/>
+              </a:buClr>
+              <a:buSzPts val="1200"/>
+              <a:buFont typeface="Nunito Light"/>
+              <a:buChar char="○"/>
+              <a:defRPr sz="1200" b="0" i="0" u="none" strike="noStrike" cap="none">
+                <a:solidFill>
+                  <a:schemeClr val="dk1"/>
+                </a:solidFill>
+                <a:latin typeface="Montserrat"/>
+                <a:ea typeface="Montserrat"/>
+                <a:cs typeface="Montserrat"/>
+                <a:sym typeface="Montserrat"/>
+              </a:defRPr>
+            </a:lvl5pPr>
+            <a:lvl6pPr marL="2743200" marR="0" lvl="5" indent="-304800" algn="l" rtl="0">
+              <a:lnSpc>
+                <a:spcPct val="100000"/>
+              </a:lnSpc>
+              <a:spcBef>
+                <a:spcPts val="0"/>
+              </a:spcBef>
+              <a:spcAft>
+                <a:spcPts val="0"/>
+              </a:spcAft>
+              <a:buClr>
+                <a:schemeClr val="dk1"/>
+              </a:buClr>
+              <a:buSzPts val="1200"/>
+              <a:buFont typeface="Nunito Light"/>
+              <a:buChar char="■"/>
+              <a:defRPr sz="1200" b="0" i="0" u="none" strike="noStrike" cap="none">
+                <a:solidFill>
+                  <a:schemeClr val="dk1"/>
+                </a:solidFill>
+                <a:latin typeface="Montserrat"/>
+                <a:ea typeface="Montserrat"/>
+                <a:cs typeface="Montserrat"/>
+                <a:sym typeface="Montserrat"/>
+              </a:defRPr>
+            </a:lvl6pPr>
+            <a:lvl7pPr marL="3200400" marR="0" lvl="6" indent="-304800" algn="l" rtl="0">
+              <a:lnSpc>
+                <a:spcPct val="100000"/>
+              </a:lnSpc>
+              <a:spcBef>
+                <a:spcPts val="0"/>
+              </a:spcBef>
+              <a:spcAft>
+                <a:spcPts val="0"/>
+              </a:spcAft>
+              <a:buClr>
+                <a:schemeClr val="dk1"/>
+              </a:buClr>
+              <a:buSzPts val="1200"/>
+              <a:buFont typeface="Nunito Light"/>
+              <a:buChar char="●"/>
+              <a:defRPr sz="1200" b="0" i="0" u="none" strike="noStrike" cap="none">
+                <a:solidFill>
+                  <a:schemeClr val="dk1"/>
+                </a:solidFill>
+                <a:latin typeface="Montserrat"/>
+                <a:ea typeface="Montserrat"/>
+                <a:cs typeface="Montserrat"/>
+                <a:sym typeface="Montserrat"/>
+              </a:defRPr>
+            </a:lvl7pPr>
+            <a:lvl8pPr marL="3657600" marR="0" lvl="7" indent="-304800" algn="l" rtl="0">
+              <a:lnSpc>
+                <a:spcPct val="100000"/>
+              </a:lnSpc>
+              <a:spcBef>
+                <a:spcPts val="0"/>
+              </a:spcBef>
+              <a:spcAft>
+                <a:spcPts val="0"/>
+              </a:spcAft>
+              <a:buClr>
+                <a:schemeClr val="dk1"/>
+              </a:buClr>
+              <a:buSzPts val="1200"/>
+              <a:buFont typeface="Nunito Light"/>
+              <a:buChar char="○"/>
+              <a:defRPr sz="1200" b="0" i="0" u="none" strike="noStrike" cap="none">
+                <a:solidFill>
+                  <a:schemeClr val="dk1"/>
+                </a:solidFill>
+                <a:latin typeface="Montserrat"/>
+                <a:ea typeface="Montserrat"/>
+                <a:cs typeface="Montserrat"/>
+                <a:sym typeface="Montserrat"/>
+              </a:defRPr>
+            </a:lvl8pPr>
+            <a:lvl9pPr marL="4114800" marR="0" lvl="8" indent="-304800" algn="l" rtl="0">
+              <a:lnSpc>
+                <a:spcPct val="100000"/>
+              </a:lnSpc>
+              <a:spcBef>
+                <a:spcPts val="0"/>
+              </a:spcBef>
+              <a:spcAft>
+                <a:spcPts val="0"/>
+              </a:spcAft>
+              <a:buClr>
+                <a:schemeClr val="dk1"/>
+              </a:buClr>
+              <a:buSzPts val="1200"/>
+              <a:buFont typeface="Nunito Light"/>
+              <a:buChar char="■"/>
+              <a:defRPr sz="1200" b="0" i="0" u="none" strike="noStrike" cap="none">
+                <a:solidFill>
+                  <a:schemeClr val="dk1"/>
+                </a:solidFill>
+                <a:latin typeface="Montserrat"/>
+                <a:ea typeface="Montserrat"/>
+                <a:cs typeface="Montserrat"/>
+                <a:sym typeface="Montserrat"/>
+              </a:defRPr>
+            </a:lvl9pPr>
+          </a:lstStyle>
+          <a:p>
+            <a:pPr marL="0" indent="0">
+              <a:buFont typeface="Nunito Light"/>
+              <a:buNone/>
+            </a:pPr>
+            <a:r>
+              <a:rPr lang="it-IT" dirty="0"/>
+              <a:t>Iniziale difficoltà ad apprendere i concetti legati al linguaggio di programmazione</a:t>
+            </a:r>
+          </a:p>
+        </p:txBody>
+      </p:sp>
+      <p:sp>
+        <p:nvSpPr>
+          <p:cNvPr id="18" name="Google Shape;991;p37">
+            <a:extLst>
+              <a:ext uri="{FF2B5EF4-FFF2-40B4-BE49-F238E27FC236}">
+                <a16:creationId xmlns:a16="http://schemas.microsoft.com/office/drawing/2014/main" id="{310B2FCC-C44A-528C-2380-4575D7354AD4}"/>
+              </a:ext>
+            </a:extLst>
+          </p:cNvPr>
+          <p:cNvSpPr txBox="1">
+            <a:spLocks/>
+          </p:cNvSpPr>
+          <p:nvPr/>
+        </p:nvSpPr>
+        <p:spPr>
+          <a:xfrm>
+            <a:off x="1445061" y="2467606"/>
+            <a:ext cx="5878812" cy="498299"/>
+          </a:xfrm>
+          <a:prstGeom prst="rect">
+            <a:avLst/>
+          </a:prstGeom>
+          <a:noFill/>
+          <a:ln>
+            <a:noFill/>
+          </a:ln>
+        </p:spPr>
+        <p:txBody>
+          <a:bodyPr spcFirstLastPara="1" wrap="square" lIns="91425" tIns="91425" rIns="91425" bIns="91425" anchor="t" anchorCtr="0">
+            <a:noAutofit/>
+          </a:bodyPr>
+          <a:lstStyle>
+            <a:defPPr marR="0" lvl="0" algn="l" rtl="0">
+              <a:lnSpc>
+                <a:spcPct val="100000"/>
+              </a:lnSpc>
+              <a:spcBef>
+                <a:spcPts val="0"/>
+              </a:spcBef>
+              <a:spcAft>
+                <a:spcPts val="0"/>
+              </a:spcAft>
+            </a:defPPr>
+            <a:lvl1pPr marL="457200" marR="0" lvl="0" indent="-304800" algn="l" rtl="0">
+              <a:lnSpc>
+                <a:spcPct val="100000"/>
+              </a:lnSpc>
+              <a:spcBef>
+                <a:spcPts val="0"/>
+              </a:spcBef>
+              <a:spcAft>
+                <a:spcPts val="0"/>
+              </a:spcAft>
+              <a:buClr>
+                <a:schemeClr val="dk1"/>
+              </a:buClr>
+              <a:buSzPts val="1200"/>
+              <a:buFont typeface="Nunito Light"/>
+              <a:buChar char="●"/>
+              <a:defRPr sz="1200" b="0" i="0" u="none" strike="noStrike" cap="none">
+                <a:solidFill>
+                  <a:schemeClr val="dk1"/>
+                </a:solidFill>
+                <a:latin typeface="Montserrat"/>
+                <a:ea typeface="Montserrat"/>
+                <a:cs typeface="Montserrat"/>
+                <a:sym typeface="Montserrat"/>
+              </a:defRPr>
+            </a:lvl1pPr>
+            <a:lvl2pPr marL="914400" marR="0" lvl="1" indent="-304800" algn="l" rtl="0">
+              <a:lnSpc>
+                <a:spcPct val="100000"/>
+              </a:lnSpc>
+              <a:spcBef>
+                <a:spcPts val="1200"/>
+              </a:spcBef>
+              <a:spcAft>
+                <a:spcPts val="0"/>
+              </a:spcAft>
+              <a:buClr>
+                <a:schemeClr val="dk1"/>
+              </a:buClr>
+              <a:buSzPts val="1200"/>
+              <a:buFont typeface="Nunito Light"/>
+              <a:buChar char="○"/>
+              <a:defRPr sz="1200" b="0" i="0" u="none" strike="noStrike" cap="none">
+                <a:solidFill>
+                  <a:schemeClr val="dk1"/>
+                </a:solidFill>
+                <a:latin typeface="Montserrat"/>
+                <a:ea typeface="Montserrat"/>
+                <a:cs typeface="Montserrat"/>
+                <a:sym typeface="Montserrat"/>
+              </a:defRPr>
+            </a:lvl2pPr>
+            <a:lvl3pPr marL="1371600" marR="0" lvl="2" indent="-304800" algn="l" rtl="0">
+              <a:lnSpc>
+                <a:spcPct val="100000"/>
+              </a:lnSpc>
+              <a:spcBef>
+                <a:spcPts val="0"/>
+              </a:spcBef>
+              <a:spcAft>
+                <a:spcPts val="0"/>
+              </a:spcAft>
+              <a:buClr>
+                <a:schemeClr val="dk1"/>
+              </a:buClr>
+              <a:buSzPts val="1200"/>
+              <a:buFont typeface="Nunito Light"/>
+              <a:buChar char="■"/>
+              <a:defRPr sz="1200" b="0" i="0" u="none" strike="noStrike" cap="none">
+                <a:solidFill>
+                  <a:schemeClr val="dk1"/>
+                </a:solidFill>
+                <a:latin typeface="Montserrat"/>
+                <a:ea typeface="Montserrat"/>
+                <a:cs typeface="Montserrat"/>
+                <a:sym typeface="Montserrat"/>
+              </a:defRPr>
+            </a:lvl3pPr>
+            <a:lvl4pPr marL="1828800" marR="0" lvl="3" indent="-304800" algn="l" rtl="0">
+              <a:lnSpc>
+                <a:spcPct val="100000"/>
+              </a:lnSpc>
+              <a:spcBef>
+                <a:spcPts val="0"/>
+              </a:spcBef>
+              <a:spcAft>
+                <a:spcPts val="0"/>
+              </a:spcAft>
+              <a:buClr>
+                <a:schemeClr val="dk1"/>
+              </a:buClr>
+              <a:buSzPts val="1200"/>
+              <a:buFont typeface="Nunito Light"/>
+              <a:buChar char="●"/>
+              <a:defRPr sz="1200" b="0" i="0" u="none" strike="noStrike" cap="none">
+                <a:solidFill>
+                  <a:schemeClr val="dk1"/>
+                </a:solidFill>
+                <a:latin typeface="Montserrat"/>
+                <a:ea typeface="Montserrat"/>
+                <a:cs typeface="Montserrat"/>
+                <a:sym typeface="Montserrat"/>
+              </a:defRPr>
+            </a:lvl4pPr>
+            <a:lvl5pPr marL="2286000" marR="0" lvl="4" indent="-304800" algn="l" rtl="0">
+              <a:lnSpc>
+                <a:spcPct val="100000"/>
+              </a:lnSpc>
+              <a:spcBef>
+                <a:spcPts val="0"/>
+              </a:spcBef>
+              <a:spcAft>
+                <a:spcPts val="0"/>
+              </a:spcAft>
+              <a:buClr>
+                <a:schemeClr val="dk1"/>
+              </a:buClr>
+              <a:buSzPts val="1200"/>
+              <a:buFont typeface="Nunito Light"/>
+              <a:buChar char="○"/>
+              <a:defRPr sz="1200" b="0" i="0" u="none" strike="noStrike" cap="none">
+                <a:solidFill>
+                  <a:schemeClr val="dk1"/>
+                </a:solidFill>
+                <a:latin typeface="Montserrat"/>
+                <a:ea typeface="Montserrat"/>
+                <a:cs typeface="Montserrat"/>
+                <a:sym typeface="Montserrat"/>
+              </a:defRPr>
+            </a:lvl5pPr>
+            <a:lvl6pPr marL="2743200" marR="0" lvl="5" indent="-304800" algn="l" rtl="0">
+              <a:lnSpc>
+                <a:spcPct val="100000"/>
+              </a:lnSpc>
+              <a:spcBef>
+                <a:spcPts val="0"/>
+              </a:spcBef>
+              <a:spcAft>
+                <a:spcPts val="0"/>
+              </a:spcAft>
+              <a:buClr>
+                <a:schemeClr val="dk1"/>
+              </a:buClr>
+              <a:buSzPts val="1200"/>
+              <a:buFont typeface="Nunito Light"/>
+              <a:buChar char="■"/>
+              <a:defRPr sz="1200" b="0" i="0" u="none" strike="noStrike" cap="none">
+                <a:solidFill>
+                  <a:schemeClr val="dk1"/>
+                </a:solidFill>
+                <a:latin typeface="Montserrat"/>
+                <a:ea typeface="Montserrat"/>
+                <a:cs typeface="Montserrat"/>
+                <a:sym typeface="Montserrat"/>
+              </a:defRPr>
+            </a:lvl6pPr>
+            <a:lvl7pPr marL="3200400" marR="0" lvl="6" indent="-304800" algn="l" rtl="0">
+              <a:lnSpc>
+                <a:spcPct val="100000"/>
+              </a:lnSpc>
+              <a:spcBef>
+                <a:spcPts val="0"/>
+              </a:spcBef>
+              <a:spcAft>
+                <a:spcPts val="0"/>
+              </a:spcAft>
+              <a:buClr>
+                <a:schemeClr val="dk1"/>
+              </a:buClr>
+              <a:buSzPts val="1200"/>
+              <a:buFont typeface="Nunito Light"/>
+              <a:buChar char="●"/>
+              <a:defRPr sz="1200" b="0" i="0" u="none" strike="noStrike" cap="none">
+                <a:solidFill>
+                  <a:schemeClr val="dk1"/>
+                </a:solidFill>
+                <a:latin typeface="Montserrat"/>
+                <a:ea typeface="Montserrat"/>
+                <a:cs typeface="Montserrat"/>
+                <a:sym typeface="Montserrat"/>
+              </a:defRPr>
+            </a:lvl7pPr>
+            <a:lvl8pPr marL="3657600" marR="0" lvl="7" indent="-304800" algn="l" rtl="0">
+              <a:lnSpc>
+                <a:spcPct val="100000"/>
+              </a:lnSpc>
+              <a:spcBef>
+                <a:spcPts val="0"/>
+              </a:spcBef>
+              <a:spcAft>
+                <a:spcPts val="0"/>
+              </a:spcAft>
+              <a:buClr>
+                <a:schemeClr val="dk1"/>
+              </a:buClr>
+              <a:buSzPts val="1200"/>
+              <a:buFont typeface="Nunito Light"/>
+              <a:buChar char="○"/>
+              <a:defRPr sz="1200" b="0" i="0" u="none" strike="noStrike" cap="none">
+                <a:solidFill>
+                  <a:schemeClr val="dk1"/>
+                </a:solidFill>
+                <a:latin typeface="Montserrat"/>
+                <a:ea typeface="Montserrat"/>
+                <a:cs typeface="Montserrat"/>
+                <a:sym typeface="Montserrat"/>
+              </a:defRPr>
+            </a:lvl8pPr>
+            <a:lvl9pPr marL="4114800" marR="0" lvl="8" indent="-304800" algn="l" rtl="0">
+              <a:lnSpc>
+                <a:spcPct val="100000"/>
+              </a:lnSpc>
+              <a:spcBef>
+                <a:spcPts val="0"/>
+              </a:spcBef>
+              <a:spcAft>
+                <a:spcPts val="0"/>
+              </a:spcAft>
+              <a:buClr>
+                <a:schemeClr val="dk1"/>
+              </a:buClr>
+              <a:buSzPts val="1200"/>
+              <a:buFont typeface="Nunito Light"/>
+              <a:buChar char="■"/>
+              <a:defRPr sz="1200" b="0" i="0" u="none" strike="noStrike" cap="none">
+                <a:solidFill>
+                  <a:schemeClr val="dk1"/>
+                </a:solidFill>
+                <a:latin typeface="Montserrat"/>
+                <a:ea typeface="Montserrat"/>
+                <a:cs typeface="Montserrat"/>
+                <a:sym typeface="Montserrat"/>
+              </a:defRPr>
+            </a:lvl9pPr>
+          </a:lstStyle>
+          <a:p>
+            <a:pPr marL="0" indent="0">
+              <a:buFont typeface="Nunito Light"/>
+              <a:buNone/>
+            </a:pPr>
+            <a:r>
+              <a:rPr lang="it-IT" dirty="0"/>
+              <a:t>Difficoltà nel capire il comportamento di </a:t>
+            </a:r>
+            <a:r>
+              <a:rPr lang="it-IT" dirty="0" err="1"/>
+              <a:t>MongoDB</a:t>
+            </a:r>
+            <a:r>
+              <a:rPr lang="it-IT" dirty="0"/>
+              <a:t> con l’aggiornamento dei dati e quindi aumento costi di utilizzo </a:t>
+            </a:r>
+          </a:p>
+        </p:txBody>
+      </p:sp>
+      <p:grpSp>
+        <p:nvGrpSpPr>
+          <p:cNvPr id="25" name="Google Shape;1764;p54">
+            <a:extLst>
+              <a:ext uri="{FF2B5EF4-FFF2-40B4-BE49-F238E27FC236}">
+                <a16:creationId xmlns:a16="http://schemas.microsoft.com/office/drawing/2014/main" id="{726AE2D4-A1F5-134D-A7BC-8E208A43A22F}"/>
+              </a:ext>
+            </a:extLst>
+          </p:cNvPr>
+          <p:cNvGrpSpPr/>
+          <p:nvPr/>
+        </p:nvGrpSpPr>
+        <p:grpSpPr>
+          <a:xfrm>
+            <a:off x="826001" y="2467606"/>
+            <a:ext cx="437700" cy="437700"/>
+            <a:chOff x="2149100" y="3583825"/>
+            <a:chExt cx="437700" cy="437700"/>
+          </a:xfrm>
+          <a:solidFill>
+            <a:srgbClr val="C00000"/>
+          </a:solidFill>
+        </p:grpSpPr>
+        <p:sp>
+          <p:nvSpPr>
+            <p:cNvPr id="26" name="Google Shape;1765;p54">
+              <a:extLst>
+                <a:ext uri="{FF2B5EF4-FFF2-40B4-BE49-F238E27FC236}">
+                  <a16:creationId xmlns:a16="http://schemas.microsoft.com/office/drawing/2014/main" id="{97A6F49B-3CB1-004A-E160-C345950E46C2}"/>
+                </a:ext>
+              </a:extLst>
+            </p:cNvPr>
+            <p:cNvSpPr/>
+            <p:nvPr/>
+          </p:nvSpPr>
+          <p:spPr>
+            <a:xfrm>
+              <a:off x="2149100" y="3583825"/>
+              <a:ext cx="437700" cy="437700"/>
+            </a:xfrm>
+            <a:prstGeom prst="rect">
+              <a:avLst/>
+            </a:prstGeom>
+            <a:grpFill/>
+            <a:ln w="9525" cap="flat" cmpd="sng">
+              <a:solidFill>
+                <a:schemeClr val="dk1"/>
+              </a:solidFill>
+              <a:prstDash val="solid"/>
+              <a:round/>
+              <a:headEnd type="none" w="sm" len="sm"/>
+              <a:tailEnd type="none" w="sm" len="sm"/>
+            </a:ln>
+          </p:spPr>
+          <p:txBody>
+            <a:bodyPr spcFirstLastPara="1" wrap="square" lIns="91425" tIns="91425" rIns="91425" bIns="91425" anchor="ctr" anchorCtr="0">
+              <a:noAutofit/>
+            </a:bodyPr>
+            <a:lstStyle/>
+            <a:p>
+              <a:pPr marL="0" lvl="0" indent="0" algn="ctr" rtl="0">
+                <a:spcBef>
+                  <a:spcPts val="0"/>
+                </a:spcBef>
+                <a:spcAft>
+                  <a:spcPts val="0"/>
+                </a:spcAft>
+                <a:buNone/>
+              </a:pPr>
+              <a:endParaRPr>
+                <a:latin typeface="Montserrat"/>
+                <a:ea typeface="Montserrat"/>
+                <a:cs typeface="Montserrat"/>
+                <a:sym typeface="Montserrat"/>
+              </a:endParaRPr>
+            </a:p>
+          </p:txBody>
+        </p:sp>
+        <p:grpSp>
+          <p:nvGrpSpPr>
+            <p:cNvPr id="33" name="Google Shape;1766;p54">
+              <a:extLst>
+                <a:ext uri="{FF2B5EF4-FFF2-40B4-BE49-F238E27FC236}">
+                  <a16:creationId xmlns:a16="http://schemas.microsoft.com/office/drawing/2014/main" id="{0A879022-8FA6-3C41-1B4B-81609C21471A}"/>
+                </a:ext>
+              </a:extLst>
+            </p:cNvPr>
+            <p:cNvGrpSpPr/>
+            <p:nvPr/>
+          </p:nvGrpSpPr>
+          <p:grpSpPr>
+            <a:xfrm rot="-2700000">
+              <a:off x="2262403" y="3731554"/>
+              <a:ext cx="143728" cy="142172"/>
+              <a:chOff x="3022600" y="3621750"/>
+              <a:chExt cx="166200" cy="164400"/>
+            </a:xfrm>
+            <a:grpFill/>
+          </p:grpSpPr>
+          <p:cxnSp>
+            <p:nvCxnSpPr>
+              <p:cNvPr id="34" name="Google Shape;1767;p54">
+                <a:extLst>
+                  <a:ext uri="{FF2B5EF4-FFF2-40B4-BE49-F238E27FC236}">
+                    <a16:creationId xmlns:a16="http://schemas.microsoft.com/office/drawing/2014/main" id="{AC9F72FF-F585-8C89-671A-E05C1B3785AB}"/>
+                  </a:ext>
+                </a:extLst>
+              </p:cNvPr>
+              <p:cNvCxnSpPr/>
+              <p:nvPr/>
+            </p:nvCxnSpPr>
+            <p:spPr>
+              <a:xfrm>
+                <a:off x="3188800" y="3621750"/>
+                <a:ext cx="0" cy="164400"/>
+              </a:xfrm>
+              <a:prstGeom prst="straightConnector1">
+                <a:avLst/>
+              </a:prstGeom>
+              <a:grpFill/>
+              <a:ln w="9525" cap="flat" cmpd="sng">
+                <a:solidFill>
+                  <a:schemeClr val="dk1"/>
+                </a:solidFill>
+                <a:prstDash val="solid"/>
+                <a:round/>
+                <a:headEnd type="none" w="med" len="med"/>
+                <a:tailEnd type="none" w="med" len="med"/>
+              </a:ln>
+            </p:spPr>
+          </p:cxnSp>
+          <p:cxnSp>
+            <p:nvCxnSpPr>
+              <p:cNvPr id="35" name="Google Shape;1768;p54">
+                <a:extLst>
+                  <a:ext uri="{FF2B5EF4-FFF2-40B4-BE49-F238E27FC236}">
+                    <a16:creationId xmlns:a16="http://schemas.microsoft.com/office/drawing/2014/main" id="{B5D5B71F-A4E7-42C3-15DF-509879F185C4}"/>
+                  </a:ext>
+                </a:extLst>
+              </p:cNvPr>
+              <p:cNvCxnSpPr/>
+              <p:nvPr/>
+            </p:nvCxnSpPr>
+            <p:spPr>
+              <a:xfrm>
+                <a:off x="3022600" y="3780825"/>
+                <a:ext cx="166200" cy="0"/>
+              </a:xfrm>
+              <a:prstGeom prst="straightConnector1">
+                <a:avLst/>
+              </a:prstGeom>
+              <a:grpFill/>
+              <a:ln w="9525" cap="flat" cmpd="sng">
+                <a:solidFill>
+                  <a:schemeClr val="dk1"/>
+                </a:solidFill>
+                <a:prstDash val="solid"/>
+                <a:round/>
+                <a:headEnd type="none" w="med" len="med"/>
+                <a:tailEnd type="none" w="med" len="med"/>
+              </a:ln>
+            </p:spPr>
+          </p:cxnSp>
+        </p:grpSp>
+      </p:grpSp>
+    </p:spTree>
+    <p:extLst>
+      <p:ext uri="{BB962C8B-B14F-4D97-AF65-F5344CB8AC3E}">
+        <p14:creationId xmlns:p14="http://schemas.microsoft.com/office/powerpoint/2010/main" val="2740639139"/>
+      </p:ext>
+    </p:extLst>
+  </p:cSld>
+  <p:clrMapOvr>
+    <a:masterClrMapping/>
+  </p:clrMapOvr>
+</p:sld>
+</file>
+
+<file path=ppt/slides/slide23.xml><?xml version="1.0" encoding="utf-8"?>
+<p:sld xmlns:a="http://schemas.openxmlformats.org/drawingml/2006/main" xmlns:r="http://schemas.openxmlformats.org/officeDocument/2006/relationships" xmlns:p="http://schemas.openxmlformats.org/presentationml/2006/main">
+  <p:cSld>
+    <p:spTree>
+      <p:nvGrpSpPr>
+        <p:cNvPr id="1" name="Shape 1071"/>
+        <p:cNvGrpSpPr/>
+        <p:nvPr/>
+      </p:nvGrpSpPr>
+      <p:grpSpPr>
+        <a:xfrm>
+          <a:off x="0" y="0"/>
+          <a:ext cx="0" cy="0"/>
+          <a:chOff x="0" y="0"/>
+          <a:chExt cx="0" cy="0"/>
+        </a:xfrm>
+      </p:grpSpPr>
+      <p:sp>
+        <p:nvSpPr>
+          <p:cNvPr id="1072" name="Google Shape;1072;p40"/>
+          <p:cNvSpPr txBox="1">
+            <a:spLocks noGrp="1"/>
+          </p:cNvSpPr>
+          <p:nvPr>
+            <p:ph type="title"/>
+          </p:nvPr>
+        </p:nvSpPr>
+        <p:spPr>
+          <a:xfrm>
+            <a:off x="713250" y="445025"/>
+            <a:ext cx="5159726" cy="572700"/>
+          </a:xfrm>
+          <a:prstGeom prst="rect">
+            <a:avLst/>
+          </a:prstGeom>
+        </p:spPr>
+        <p:txBody>
+          <a:bodyPr spcFirstLastPara="1" wrap="square" lIns="91425" tIns="91425" rIns="91425" bIns="91425" anchor="t" anchorCtr="0">
+            <a:noAutofit/>
+          </a:bodyPr>
+          <a:lstStyle/>
+          <a:p>
+            <a:pPr marL="0" lvl="0" indent="0" algn="l" rtl="0">
+              <a:spcBef>
+                <a:spcPts val="0"/>
+              </a:spcBef>
+              <a:spcAft>
+                <a:spcPts val="0"/>
+              </a:spcAft>
+              <a:buNone/>
+            </a:pPr>
+            <a:r>
+              <a:rPr lang="en" dirty="0"/>
+              <a:t>Sviluppi futuri</a:t>
+            </a:r>
+            <a:endParaRPr dirty="0"/>
+          </a:p>
+        </p:txBody>
+      </p:sp>
+      <p:grpSp>
+        <p:nvGrpSpPr>
+          <p:cNvPr id="1079" name="Google Shape;1079;p40"/>
+          <p:cNvGrpSpPr/>
+          <p:nvPr/>
+        </p:nvGrpSpPr>
+        <p:grpSpPr>
+          <a:xfrm rot="5400000">
+            <a:off x="1349650" y="3025707"/>
+            <a:ext cx="218100" cy="2933700"/>
+            <a:chOff x="8321275" y="2721525"/>
+            <a:chExt cx="218100" cy="2933700"/>
+          </a:xfrm>
+        </p:grpSpPr>
+        <p:sp>
+          <p:nvSpPr>
+            <p:cNvPr id="1080" name="Google Shape;1080;p40"/>
+            <p:cNvSpPr/>
+            <p:nvPr/>
+          </p:nvSpPr>
+          <p:spPr>
+            <a:xfrm>
+              <a:off x="8321275" y="2721525"/>
+              <a:ext cx="218100" cy="218100"/>
+            </a:xfrm>
+            <a:prstGeom prst="ellipse">
+              <a:avLst/>
+            </a:prstGeom>
+            <a:solidFill>
+              <a:schemeClr val="accent2"/>
+            </a:solidFill>
+            <a:ln w="9525" cap="flat" cmpd="sng">
+              <a:solidFill>
+                <a:schemeClr val="dk1"/>
+              </a:solidFill>
+              <a:prstDash val="solid"/>
+              <a:round/>
+              <a:headEnd type="none" w="sm" len="sm"/>
+              <a:tailEnd type="none" w="sm" len="sm"/>
+            </a:ln>
+            <a:effectLst>
+              <a:outerShdw dist="28575" dir="5280000" algn="bl" rotWithShape="0">
+                <a:schemeClr val="dk1"/>
+              </a:outerShdw>
+            </a:effectLst>
+          </p:spPr>
+          <p:txBody>
+            <a:bodyPr spcFirstLastPara="1" wrap="square" lIns="91425" tIns="91425" rIns="91425" bIns="91425" anchor="ctr" anchorCtr="0">
+              <a:noAutofit/>
+            </a:bodyPr>
+            <a:lstStyle/>
+            <a:p>
+              <a:pPr marL="0" lvl="0" indent="0" algn="ctr" rtl="0">
+                <a:spcBef>
+                  <a:spcPts val="0"/>
+                </a:spcBef>
+                <a:spcAft>
+                  <a:spcPts val="0"/>
+                </a:spcAft>
+                <a:buNone/>
+              </a:pPr>
+              <a:endParaRPr>
+                <a:latin typeface="Montserrat"/>
+                <a:ea typeface="Montserrat"/>
+                <a:cs typeface="Montserrat"/>
+                <a:sym typeface="Montserrat"/>
+              </a:endParaRPr>
+            </a:p>
+          </p:txBody>
+        </p:sp>
+        <p:cxnSp>
+          <p:nvCxnSpPr>
+            <p:cNvPr id="1081" name="Google Shape;1081;p40"/>
+            <p:cNvCxnSpPr>
+              <a:stCxn id="1080" idx="4"/>
+            </p:cNvCxnSpPr>
+            <p:nvPr/>
+          </p:nvCxnSpPr>
+          <p:spPr>
+            <a:xfrm rot="5400000">
+              <a:off x="7072525" y="4297425"/>
+              <a:ext cx="2715600" cy="0"/>
+            </a:xfrm>
+            <a:prstGeom prst="straightConnector1">
+              <a:avLst/>
+            </a:prstGeom>
+            <a:noFill/>
+            <a:ln w="9525" cap="flat" cmpd="sng">
+              <a:solidFill>
+                <a:schemeClr val="dk1"/>
+              </a:solidFill>
+              <a:prstDash val="solid"/>
+              <a:round/>
+              <a:headEnd type="none" w="med" len="med"/>
+              <a:tailEnd type="none" w="med" len="med"/>
+            </a:ln>
+          </p:spPr>
+        </p:cxnSp>
+      </p:grpSp>
+      <p:grpSp>
+        <p:nvGrpSpPr>
+          <p:cNvPr id="2" name="Google Shape;1769;p54">
+            <a:extLst>
+              <a:ext uri="{FF2B5EF4-FFF2-40B4-BE49-F238E27FC236}">
+                <a16:creationId xmlns:a16="http://schemas.microsoft.com/office/drawing/2014/main" id="{B4BFAD17-11EF-D78B-0EE1-0DE02A9A0A0B}"/>
+              </a:ext>
+            </a:extLst>
+          </p:cNvPr>
+          <p:cNvGrpSpPr/>
+          <p:nvPr/>
+        </p:nvGrpSpPr>
+        <p:grpSpPr>
+          <a:xfrm>
+            <a:off x="7510050" y="1013079"/>
+            <a:ext cx="920700" cy="384900"/>
+            <a:chOff x="3034875" y="3610225"/>
+            <a:chExt cx="920700" cy="384900"/>
+          </a:xfrm>
+        </p:grpSpPr>
+        <p:sp>
+          <p:nvSpPr>
+            <p:cNvPr id="3" name="Google Shape;1770;p54">
+              <a:extLst>
+                <a:ext uri="{FF2B5EF4-FFF2-40B4-BE49-F238E27FC236}">
+                  <a16:creationId xmlns:a16="http://schemas.microsoft.com/office/drawing/2014/main" id="{8C941354-A95E-E901-7DB3-1FD24F549A6C}"/>
+                </a:ext>
+              </a:extLst>
+            </p:cNvPr>
+            <p:cNvSpPr/>
+            <p:nvPr/>
+          </p:nvSpPr>
+          <p:spPr>
+            <a:xfrm>
+              <a:off x="3034875" y="3610225"/>
+              <a:ext cx="920700" cy="384900"/>
+            </a:xfrm>
+            <a:prstGeom prst="rect">
+              <a:avLst/>
+            </a:prstGeom>
+            <a:noFill/>
+            <a:ln w="9525" cap="flat" cmpd="sng">
+              <a:solidFill>
+                <a:schemeClr val="dk1"/>
+              </a:solidFill>
+              <a:prstDash val="solid"/>
+              <a:round/>
+              <a:headEnd type="none" w="sm" len="sm"/>
+              <a:tailEnd type="none" w="sm" len="sm"/>
+            </a:ln>
+          </p:spPr>
+          <p:txBody>
+            <a:bodyPr spcFirstLastPara="1" wrap="square" lIns="91425" tIns="91425" rIns="91425" bIns="91425" anchor="ctr" anchorCtr="0">
+              <a:noAutofit/>
+            </a:bodyPr>
+            <a:lstStyle/>
+            <a:p>
+              <a:pPr marL="0" lvl="0" indent="0" algn="ctr" rtl="0">
+                <a:spcBef>
+                  <a:spcPts val="0"/>
+                </a:spcBef>
+                <a:spcAft>
+                  <a:spcPts val="0"/>
+                </a:spcAft>
+                <a:buNone/>
+              </a:pPr>
+              <a:endParaRPr>
+                <a:latin typeface="Montserrat"/>
+                <a:ea typeface="Montserrat"/>
+                <a:cs typeface="Montserrat"/>
+                <a:sym typeface="Montserrat"/>
+              </a:endParaRPr>
+            </a:p>
+          </p:txBody>
+        </p:sp>
+        <p:grpSp>
+          <p:nvGrpSpPr>
+            <p:cNvPr id="4" name="Google Shape;1771;p54">
+              <a:extLst>
+                <a:ext uri="{FF2B5EF4-FFF2-40B4-BE49-F238E27FC236}">
+                  <a16:creationId xmlns:a16="http://schemas.microsoft.com/office/drawing/2014/main" id="{548B8FD2-85DD-02D8-5BC6-805C9462146C}"/>
+                </a:ext>
+              </a:extLst>
+            </p:cNvPr>
+            <p:cNvGrpSpPr/>
+            <p:nvPr/>
+          </p:nvGrpSpPr>
+          <p:grpSpPr>
+            <a:xfrm rot="2700000">
+              <a:off x="3669878" y="3712117"/>
+              <a:ext cx="143728" cy="142172"/>
+              <a:chOff x="3022600" y="3621750"/>
+              <a:chExt cx="166200" cy="164400"/>
+            </a:xfrm>
+          </p:grpSpPr>
+          <p:cxnSp>
+            <p:nvCxnSpPr>
+              <p:cNvPr id="5" name="Google Shape;1772;p54">
+                <a:extLst>
+                  <a:ext uri="{FF2B5EF4-FFF2-40B4-BE49-F238E27FC236}">
+                    <a16:creationId xmlns:a16="http://schemas.microsoft.com/office/drawing/2014/main" id="{B9111844-B10E-8F55-EDD4-DF35CEB6D613}"/>
+                  </a:ext>
+                </a:extLst>
+              </p:cNvPr>
+              <p:cNvCxnSpPr/>
+              <p:nvPr/>
+            </p:nvCxnSpPr>
+            <p:spPr>
+              <a:xfrm>
+                <a:off x="3188800" y="3621750"/>
+                <a:ext cx="0" cy="164400"/>
+              </a:xfrm>
+              <a:prstGeom prst="straightConnector1">
+                <a:avLst/>
+              </a:prstGeom>
+              <a:noFill/>
+              <a:ln w="9525" cap="flat" cmpd="sng">
+                <a:solidFill>
+                  <a:schemeClr val="dk1"/>
+                </a:solidFill>
+                <a:prstDash val="solid"/>
+                <a:round/>
+                <a:headEnd type="none" w="med" len="med"/>
+                <a:tailEnd type="none" w="med" len="med"/>
+              </a:ln>
+            </p:spPr>
+          </p:cxnSp>
+          <p:cxnSp>
+            <p:nvCxnSpPr>
+              <p:cNvPr id="6" name="Google Shape;1773;p54">
+                <a:extLst>
+                  <a:ext uri="{FF2B5EF4-FFF2-40B4-BE49-F238E27FC236}">
+                    <a16:creationId xmlns:a16="http://schemas.microsoft.com/office/drawing/2014/main" id="{262F701D-7154-7832-2756-15A00E9CF664}"/>
+                  </a:ext>
+                </a:extLst>
+              </p:cNvPr>
+              <p:cNvCxnSpPr/>
+              <p:nvPr/>
+            </p:nvCxnSpPr>
+            <p:spPr>
+              <a:xfrm>
+                <a:off x="3022600" y="3780825"/>
+                <a:ext cx="166200" cy="0"/>
+              </a:xfrm>
+              <a:prstGeom prst="straightConnector1">
+                <a:avLst/>
+              </a:prstGeom>
+              <a:noFill/>
+              <a:ln w="9525" cap="flat" cmpd="sng">
+                <a:solidFill>
+                  <a:schemeClr val="dk1"/>
+                </a:solidFill>
+                <a:prstDash val="solid"/>
+                <a:round/>
+                <a:headEnd type="none" w="med" len="med"/>
+                <a:tailEnd type="none" w="med" len="med"/>
+              </a:ln>
+            </p:spPr>
+          </p:cxnSp>
+        </p:grpSp>
+      </p:grpSp>
+      <p:sp>
+        <p:nvSpPr>
+          <p:cNvPr id="17" name="Google Shape;991;p37">
+            <a:extLst>
+              <a:ext uri="{FF2B5EF4-FFF2-40B4-BE49-F238E27FC236}">
+                <a16:creationId xmlns:a16="http://schemas.microsoft.com/office/drawing/2014/main" id="{310B2FCC-C44A-528C-2380-4575D7354AD4}"/>
+              </a:ext>
+            </a:extLst>
+          </p:cNvPr>
+          <p:cNvSpPr txBox="1">
+            <a:spLocks/>
+          </p:cNvSpPr>
+          <p:nvPr/>
+        </p:nvSpPr>
+        <p:spPr>
+          <a:xfrm>
+            <a:off x="713250" y="1182250"/>
+            <a:ext cx="5878812" cy="787799"/>
+          </a:xfrm>
+          <a:prstGeom prst="rect">
+            <a:avLst/>
+          </a:prstGeom>
+          <a:noFill/>
+          <a:ln>
+            <a:noFill/>
+          </a:ln>
+        </p:spPr>
+        <p:txBody>
+          <a:bodyPr spcFirstLastPara="1" wrap="square" lIns="91425" tIns="91425" rIns="91425" bIns="91425" anchor="t" anchorCtr="0">
+            <a:noAutofit/>
+          </a:bodyPr>
+          <a:lstStyle>
+            <a:defPPr marR="0" lvl="0" algn="l" rtl="0">
+              <a:lnSpc>
+                <a:spcPct val="100000"/>
+              </a:lnSpc>
+              <a:spcBef>
+                <a:spcPts val="0"/>
+              </a:spcBef>
+              <a:spcAft>
+                <a:spcPts val="0"/>
+              </a:spcAft>
+            </a:defPPr>
+            <a:lvl1pPr marL="457200" marR="0" lvl="0" indent="-304800" algn="l" rtl="0">
+              <a:lnSpc>
+                <a:spcPct val="100000"/>
+              </a:lnSpc>
+              <a:spcBef>
+                <a:spcPts val="0"/>
+              </a:spcBef>
+              <a:spcAft>
+                <a:spcPts val="0"/>
+              </a:spcAft>
+              <a:buClr>
+                <a:schemeClr val="dk1"/>
+              </a:buClr>
+              <a:buSzPts val="1200"/>
+              <a:buFont typeface="Nunito Light"/>
+              <a:buChar char="●"/>
+              <a:defRPr sz="1200" b="0" i="0" u="none" strike="noStrike" cap="none">
+                <a:solidFill>
+                  <a:schemeClr val="dk1"/>
+                </a:solidFill>
+                <a:latin typeface="Montserrat"/>
+                <a:ea typeface="Montserrat"/>
+                <a:cs typeface="Montserrat"/>
+                <a:sym typeface="Montserrat"/>
+              </a:defRPr>
+            </a:lvl1pPr>
+            <a:lvl2pPr marL="914400" marR="0" lvl="1" indent="-304800" algn="l" rtl="0">
+              <a:lnSpc>
+                <a:spcPct val="100000"/>
+              </a:lnSpc>
+              <a:spcBef>
+                <a:spcPts val="1200"/>
+              </a:spcBef>
+              <a:spcAft>
+                <a:spcPts val="0"/>
+              </a:spcAft>
+              <a:buClr>
+                <a:schemeClr val="dk1"/>
+              </a:buClr>
+              <a:buSzPts val="1200"/>
+              <a:buFont typeface="Nunito Light"/>
+              <a:buChar char="○"/>
+              <a:defRPr sz="1200" b="0" i="0" u="none" strike="noStrike" cap="none">
+                <a:solidFill>
+                  <a:schemeClr val="dk1"/>
+                </a:solidFill>
+                <a:latin typeface="Montserrat"/>
+                <a:ea typeface="Montserrat"/>
+                <a:cs typeface="Montserrat"/>
+                <a:sym typeface="Montserrat"/>
+              </a:defRPr>
+            </a:lvl2pPr>
+            <a:lvl3pPr marL="1371600" marR="0" lvl="2" indent="-304800" algn="l" rtl="0">
+              <a:lnSpc>
+                <a:spcPct val="100000"/>
+              </a:lnSpc>
+              <a:spcBef>
+                <a:spcPts val="0"/>
+              </a:spcBef>
+              <a:spcAft>
+                <a:spcPts val="0"/>
+              </a:spcAft>
+              <a:buClr>
+                <a:schemeClr val="dk1"/>
+              </a:buClr>
+              <a:buSzPts val="1200"/>
+              <a:buFont typeface="Nunito Light"/>
+              <a:buChar char="■"/>
+              <a:defRPr sz="1200" b="0" i="0" u="none" strike="noStrike" cap="none">
+                <a:solidFill>
+                  <a:schemeClr val="dk1"/>
+                </a:solidFill>
+                <a:latin typeface="Montserrat"/>
+                <a:ea typeface="Montserrat"/>
+                <a:cs typeface="Montserrat"/>
+                <a:sym typeface="Montserrat"/>
+              </a:defRPr>
+            </a:lvl3pPr>
+            <a:lvl4pPr marL="1828800" marR="0" lvl="3" indent="-304800" algn="l" rtl="0">
+              <a:lnSpc>
+                <a:spcPct val="100000"/>
+              </a:lnSpc>
+              <a:spcBef>
+                <a:spcPts val="0"/>
+              </a:spcBef>
+              <a:spcAft>
+                <a:spcPts val="0"/>
+              </a:spcAft>
+              <a:buClr>
+                <a:schemeClr val="dk1"/>
+              </a:buClr>
+              <a:buSzPts val="1200"/>
+              <a:buFont typeface="Nunito Light"/>
+              <a:buChar char="●"/>
+              <a:defRPr sz="1200" b="0" i="0" u="none" strike="noStrike" cap="none">
+                <a:solidFill>
+                  <a:schemeClr val="dk1"/>
+                </a:solidFill>
+                <a:latin typeface="Montserrat"/>
+                <a:ea typeface="Montserrat"/>
+                <a:cs typeface="Montserrat"/>
+                <a:sym typeface="Montserrat"/>
+              </a:defRPr>
+            </a:lvl4pPr>
+            <a:lvl5pPr marL="2286000" marR="0" lvl="4" indent="-304800" algn="l" rtl="0">
+              <a:lnSpc>
+                <a:spcPct val="100000"/>
+              </a:lnSpc>
+              <a:spcBef>
+                <a:spcPts val="0"/>
+              </a:spcBef>
+              <a:spcAft>
+                <a:spcPts val="0"/>
+              </a:spcAft>
+              <a:buClr>
+                <a:schemeClr val="dk1"/>
+              </a:buClr>
+              <a:buSzPts val="1200"/>
+              <a:buFont typeface="Nunito Light"/>
+              <a:buChar char="○"/>
+              <a:defRPr sz="1200" b="0" i="0" u="none" strike="noStrike" cap="none">
+                <a:solidFill>
+                  <a:schemeClr val="dk1"/>
+                </a:solidFill>
+                <a:latin typeface="Montserrat"/>
+                <a:ea typeface="Montserrat"/>
+                <a:cs typeface="Montserrat"/>
+                <a:sym typeface="Montserrat"/>
+              </a:defRPr>
+            </a:lvl5pPr>
+            <a:lvl6pPr marL="2743200" marR="0" lvl="5" indent="-304800" algn="l" rtl="0">
+              <a:lnSpc>
+                <a:spcPct val="100000"/>
+              </a:lnSpc>
+              <a:spcBef>
+                <a:spcPts val="0"/>
+              </a:spcBef>
+              <a:spcAft>
+                <a:spcPts val="0"/>
+              </a:spcAft>
+              <a:buClr>
+                <a:schemeClr val="dk1"/>
+              </a:buClr>
+              <a:buSzPts val="1200"/>
+              <a:buFont typeface="Nunito Light"/>
+              <a:buChar char="■"/>
+              <a:defRPr sz="1200" b="0" i="0" u="none" strike="noStrike" cap="none">
+                <a:solidFill>
+                  <a:schemeClr val="dk1"/>
+                </a:solidFill>
+                <a:latin typeface="Montserrat"/>
+                <a:ea typeface="Montserrat"/>
+                <a:cs typeface="Montserrat"/>
+                <a:sym typeface="Montserrat"/>
+              </a:defRPr>
+            </a:lvl6pPr>
+            <a:lvl7pPr marL="3200400" marR="0" lvl="6" indent="-304800" algn="l" rtl="0">
+              <a:lnSpc>
+                <a:spcPct val="100000"/>
+              </a:lnSpc>
+              <a:spcBef>
+                <a:spcPts val="0"/>
+              </a:spcBef>
+              <a:spcAft>
+                <a:spcPts val="0"/>
+              </a:spcAft>
+              <a:buClr>
+                <a:schemeClr val="dk1"/>
+              </a:buClr>
+              <a:buSzPts val="1200"/>
+              <a:buFont typeface="Nunito Light"/>
+              <a:buChar char="●"/>
+              <a:defRPr sz="1200" b="0" i="0" u="none" strike="noStrike" cap="none">
+                <a:solidFill>
+                  <a:schemeClr val="dk1"/>
+                </a:solidFill>
+                <a:latin typeface="Montserrat"/>
+                <a:ea typeface="Montserrat"/>
+                <a:cs typeface="Montserrat"/>
+                <a:sym typeface="Montserrat"/>
+              </a:defRPr>
+            </a:lvl7pPr>
+            <a:lvl8pPr marL="3657600" marR="0" lvl="7" indent="-304800" algn="l" rtl="0">
+              <a:lnSpc>
+                <a:spcPct val="100000"/>
+              </a:lnSpc>
+              <a:spcBef>
+                <a:spcPts val="0"/>
+              </a:spcBef>
+              <a:spcAft>
+                <a:spcPts val="0"/>
+              </a:spcAft>
+              <a:buClr>
+                <a:schemeClr val="dk1"/>
+              </a:buClr>
+              <a:buSzPts val="1200"/>
+              <a:buFont typeface="Nunito Light"/>
+              <a:buChar char="○"/>
+              <a:defRPr sz="1200" b="0" i="0" u="none" strike="noStrike" cap="none">
+                <a:solidFill>
+                  <a:schemeClr val="dk1"/>
+                </a:solidFill>
+                <a:latin typeface="Montserrat"/>
+                <a:ea typeface="Montserrat"/>
+                <a:cs typeface="Montserrat"/>
+                <a:sym typeface="Montserrat"/>
+              </a:defRPr>
+            </a:lvl8pPr>
+            <a:lvl9pPr marL="4114800" marR="0" lvl="8" indent="-304800" algn="l" rtl="0">
+              <a:lnSpc>
+                <a:spcPct val="100000"/>
+              </a:lnSpc>
+              <a:spcBef>
+                <a:spcPts val="0"/>
+              </a:spcBef>
+              <a:spcAft>
+                <a:spcPts val="0"/>
+              </a:spcAft>
+              <a:buClr>
+                <a:schemeClr val="dk1"/>
+              </a:buClr>
+              <a:buSzPts val="1200"/>
+              <a:buFont typeface="Nunito Light"/>
+              <a:buChar char="■"/>
+              <a:defRPr sz="1200" b="0" i="0" u="none" strike="noStrike" cap="none">
+                <a:solidFill>
+                  <a:schemeClr val="dk1"/>
+                </a:solidFill>
+                <a:latin typeface="Montserrat"/>
+                <a:ea typeface="Montserrat"/>
+                <a:cs typeface="Montserrat"/>
+                <a:sym typeface="Montserrat"/>
+              </a:defRPr>
+            </a:lvl9pPr>
+          </a:lstStyle>
+          <a:p>
+            <a:pPr marL="0" indent="0">
+              <a:buFont typeface="Nunito Light"/>
+              <a:buNone/>
+            </a:pPr>
+            <a:r>
+              <a:rPr lang="it-IT" dirty="0"/>
+              <a:t>In un documento sono state inserite appositamente molte informazioni e dati, anche più di quelle che effettivamente servono. Questo perché si è pensato alle implementazioni future del progetto e alle eventuali evoluzioni che esso può avere</a:t>
+            </a:r>
+          </a:p>
+        </p:txBody>
+      </p:sp>
+    </p:spTree>
+    <p:extLst>
+      <p:ext uri="{BB962C8B-B14F-4D97-AF65-F5344CB8AC3E}">
+        <p14:creationId xmlns:p14="http://schemas.microsoft.com/office/powerpoint/2010/main" val="381248125"/>
+      </p:ext>
+    </p:extLst>
+  </p:cSld>
+  <p:clrMapOvr>
+    <a:masterClrMapping/>
+  </p:clrMapOvr>
+</p:sld>
+</file>
+
 <file path=ppt/slides/slide3.xml><?xml version="1.0" encoding="utf-8"?>
 <p:sld xmlns:a="http://schemas.openxmlformats.org/drawingml/2006/main" xmlns:r="http://schemas.openxmlformats.org/officeDocument/2006/relationships" xmlns:p="http://schemas.openxmlformats.org/presentationml/2006/main">
   <p:cSld>

--- a/Progetto_TCM/Progetto2.0/CommuniTEDx_2.0.pptx
+++ b/Progetto_TCM/Progetto2.0/CommuniTEDx_2.0.pptx
@@ -34608,36 +34608,6 @@
           </a:p>
         </p:txBody>
       </p:sp>
-      <p:pic>
-        <p:nvPicPr>
-          <p:cNvPr id="6" name="Immagine 5">
-            <a:extLst>
-              <a:ext uri="{FF2B5EF4-FFF2-40B4-BE49-F238E27FC236}">
-                <a16:creationId xmlns:a16="http://schemas.microsoft.com/office/drawing/2014/main" id="{72353628-5E2B-0BA5-7BB8-575BAEB7F50B}"/>
-              </a:ext>
-            </a:extLst>
-          </p:cNvPr>
-          <p:cNvPicPr>
-            <a:picLocks noChangeAspect="1"/>
-          </p:cNvPicPr>
-          <p:nvPr/>
-        </p:nvPicPr>
-        <p:blipFill>
-          <a:blip r:embed="rId2"/>
-          <a:stretch>
-            <a:fillRect/>
-          </a:stretch>
-        </p:blipFill>
-        <p:spPr>
-          <a:xfrm>
-            <a:off x="904547" y="2417937"/>
-            <a:ext cx="6530906" cy="617273"/>
-          </a:xfrm>
-          <a:prstGeom prst="rect">
-            <a:avLst/>
-          </a:prstGeom>
-        </p:spPr>
-      </p:pic>
       <p:sp>
         <p:nvSpPr>
           <p:cNvPr id="7" name="Segnaposto testo 2">
@@ -35213,7 +35183,7 @@
             </a:pPr>
             <a:r>
               <a:rPr lang="it-IT" dirty="0"/>
-              <a:t>Vengono filtrati solamente i dati che interessano, controllando che tra i tag dei relativi video ci siano : ‘ science ‘ e ‘ </a:t>
+              <a:t>Vengono filtrati solamente i dati che interessano, controllando che tra i tag dei relativi video ci siano : ‘ science ‘ oppure ‘ </a:t>
             </a:r>
             <a:r>
               <a:rPr lang="it-IT" dirty="0" err="1"/>
@@ -35226,6 +35196,36 @@
           </a:p>
         </p:txBody>
       </p:sp>
+      <p:pic>
+        <p:nvPicPr>
+          <p:cNvPr id="5" name="Immagine 4">
+            <a:extLst>
+              <a:ext uri="{FF2B5EF4-FFF2-40B4-BE49-F238E27FC236}">
+                <a16:creationId xmlns:a16="http://schemas.microsoft.com/office/drawing/2014/main" id="{6E12EFBC-19B2-790B-BFB8-5F719C9CE341}"/>
+              </a:ext>
+            </a:extLst>
+          </p:cNvPr>
+          <p:cNvPicPr>
+            <a:picLocks noChangeAspect="1"/>
+          </p:cNvPicPr>
+          <p:nvPr/>
+        </p:nvPicPr>
+        <p:blipFill>
+          <a:blip r:embed="rId2"/>
+          <a:stretch>
+            <a:fillRect/>
+          </a:stretch>
+        </p:blipFill>
+        <p:spPr>
+          <a:xfrm>
+            <a:off x="277758" y="2334109"/>
+            <a:ext cx="8588484" cy="784928"/>
+          </a:xfrm>
+          <a:prstGeom prst="rect">
+            <a:avLst/>
+          </a:prstGeom>
+        </p:spPr>
+      </p:pic>
     </p:spTree>
     <p:extLst>
       <p:ext uri="{BB962C8B-B14F-4D97-AF65-F5344CB8AC3E}">
@@ -35336,10 +35336,10 @@
       </p:sp>
       <p:pic>
         <p:nvPicPr>
-          <p:cNvPr id="5" name="Immagine 4">
+          <p:cNvPr id="6" name="Immagine 5">
             <a:extLst>
               <a:ext uri="{FF2B5EF4-FFF2-40B4-BE49-F238E27FC236}">
-                <a16:creationId xmlns:a16="http://schemas.microsoft.com/office/drawing/2014/main" id="{27EF40B6-BC90-9DE2-0BCB-E9BDFF89CFFF}"/>
+                <a16:creationId xmlns:a16="http://schemas.microsoft.com/office/drawing/2014/main" id="{D7C7E564-A161-129B-AD90-D36A87765BBB}"/>
               </a:ext>
             </a:extLst>
           </p:cNvPr>
@@ -35356,8 +35356,8 @@
         </p:blipFill>
         <p:spPr>
           <a:xfrm>
-            <a:off x="864601" y="1768863"/>
-            <a:ext cx="6195597" cy="1996613"/>
+            <a:off x="906968" y="1754459"/>
+            <a:ext cx="7338283" cy="2297049"/>
           </a:xfrm>
           <a:prstGeom prst="rect">
             <a:avLst/>
@@ -37418,7 +37418,7 @@
         <p:spPr>
           <a:xfrm>
             <a:off x="713250" y="1182250"/>
-            <a:ext cx="5878812" cy="787799"/>
+            <a:ext cx="5878812" cy="1672462"/>
           </a:xfrm>
           <a:prstGeom prst="rect">
             <a:avLst/>
@@ -37686,7 +37686,7 @@
             </a:pPr>
             <a:r>
               <a:rPr lang="it-IT" dirty="0"/>
-              <a:t>In un documento sono state inserite appositamente molte informazioni e dati, anche più di quelle che effettivamente servono. Questo perché si è pensato alle implementazioni future del progetto e alle eventuali evoluzioni che esso può avere</a:t>
+              <a:t>In un documento sono state inserite appositamente molte informazioni e dati, anche più di quelle che effettivamente servono. Questo perché si è pensato alle implementazioni future del progetto e alle eventuali evoluzioni che esso può avere.</a:t>
             </a:r>
           </a:p>
         </p:txBody>

--- a/Progetto_TCM/Progetto2.0/CommuniTEDx_2.0.pptx
+++ b/Progetto_TCM/Progetto2.0/CommuniTEDx_2.0.pptx
@@ -29327,8 +29327,8 @@
         </p:nvSpPr>
         <p:spPr>
           <a:xfrm>
-            <a:off x="720000" y="1489392"/>
-            <a:ext cx="7704000" cy="1823134"/>
+            <a:off x="719999" y="1489392"/>
+            <a:ext cx="7608455" cy="2415344"/>
           </a:xfrm>
         </p:spPr>
         <p:txBody>
@@ -29339,72 +29339,139 @@
               <a:buNone/>
             </a:pPr>
             <a:r>
-              <a:rPr lang="it-IT" dirty="0"/>
+              <a:rPr lang="it-IT" sz="1600" b="0" i="0" u="none" strike="noStrike" baseline="0" dirty="0">
+                <a:solidFill>
+                  <a:srgbClr val="252928"/>
+                </a:solidFill>
+                <a:latin typeface="Montserrat" panose="00000500000000000000" pitchFamily="2" charset="0"/>
+              </a:rPr>
               <a:t>Nella seconda parte del progetto è stata implementata, in primo luogo, la possibilità di visualizzare i video associati ad un determinato </a:t>
             </a:r>
             <a:r>
-              <a:rPr lang="it-IT" dirty="0" err="1"/>
+              <a:rPr lang="it-IT" sz="1600" b="0" i="0" u="none" strike="noStrike" baseline="0" dirty="0" err="1">
+                <a:solidFill>
+                  <a:srgbClr val="252928"/>
+                </a:solidFill>
+                <a:latin typeface="Montserrat" panose="00000500000000000000" pitchFamily="2" charset="0"/>
+              </a:rPr>
               <a:t>Ted</a:t>
             </a:r>
             <a:r>
-              <a:rPr lang="it-IT" dirty="0"/>
-              <a:t>, quindi i video suggeriti in base al </a:t>
+              <a:rPr lang="it-IT" sz="1600" b="0" i="0" u="none" strike="noStrike" baseline="0" dirty="0">
+                <a:solidFill>
+                  <a:srgbClr val="252928"/>
+                </a:solidFill>
+                <a:latin typeface="Montserrat" panose="00000500000000000000" pitchFamily="2" charset="0"/>
+              </a:rPr>
+              <a:t> (</a:t>
             </a:r>
             <a:r>
-              <a:rPr lang="it-IT" dirty="0" err="1"/>
-              <a:t>Ted</a:t>
-            </a:r>
-            <a:r>
-              <a:rPr lang="it-IT" dirty="0"/>
-              <a:t> che si sta guardando ( </a:t>
-            </a:r>
-            <a:r>
-              <a:rPr lang="it-IT" dirty="0" err="1"/>
+              <a:rPr lang="it-IT" sz="1600" b="0" i="0" u="none" strike="noStrike" baseline="0" dirty="0" err="1">
+                <a:solidFill>
+                  <a:srgbClr val="252928"/>
+                </a:solidFill>
+                <a:latin typeface="Montserrat" panose="00000500000000000000" pitchFamily="2" charset="0"/>
+              </a:rPr>
               <a:t>watch</a:t>
             </a:r>
             <a:r>
-              <a:rPr lang="it-IT" dirty="0"/>
+              <a:rPr lang="it-IT" sz="1600" b="0" i="0" u="none" strike="noStrike" baseline="0" dirty="0">
+                <a:solidFill>
+                  <a:srgbClr val="252928"/>
+                </a:solidFill>
+                <a:latin typeface="Montserrat" panose="00000500000000000000" pitchFamily="2" charset="0"/>
+              </a:rPr>
               <a:t> </a:t>
             </a:r>
             <a:r>
-              <a:rPr lang="it-IT" dirty="0" err="1"/>
+              <a:rPr lang="it-IT" sz="1600" b="0" i="0" u="none" strike="noStrike" baseline="0" dirty="0" err="1">
+                <a:solidFill>
+                  <a:srgbClr val="252928"/>
+                </a:solidFill>
+                <a:latin typeface="Montserrat" panose="00000500000000000000" pitchFamily="2" charset="0"/>
+              </a:rPr>
               <a:t>next</a:t>
             </a:r>
             <a:r>
-              <a:rPr lang="it-IT" dirty="0"/>
+              <a:rPr lang="it-IT" sz="1600" b="0" i="0" u="none" strike="noStrike" baseline="0" dirty="0">
+                <a:solidFill>
+                  <a:srgbClr val="252928"/>
+                </a:solidFill>
+                <a:latin typeface="Montserrat" panose="00000500000000000000" pitchFamily="2" charset="0"/>
+              </a:rPr>
               <a:t> </a:t>
             </a:r>
             <a:r>
-              <a:rPr lang="it-IT" dirty="0" err="1"/>
+              <a:rPr lang="it-IT" sz="1600" b="0" i="0" u="none" strike="noStrike" baseline="0" dirty="0" err="1">
+                <a:solidFill>
+                  <a:srgbClr val="252928"/>
+                </a:solidFill>
+                <a:latin typeface="Montserrat" panose="00000500000000000000" pitchFamily="2" charset="0"/>
+              </a:rPr>
               <a:t>videos</a:t>
             </a:r>
             <a:r>
-              <a:rPr lang="it-IT" dirty="0"/>
-              <a:t> ) e in secondo luogo la selezione dei dati presenti nel dataset in base ai criteri descritti nella prima parte del progetto e quindi video </a:t>
+              <a:rPr lang="it-IT" sz="1600" b="0" i="0" u="none" strike="noStrike" baseline="0" dirty="0">
+                <a:solidFill>
+                  <a:srgbClr val="252928"/>
+                </a:solidFill>
+                <a:latin typeface="Montserrat" panose="00000500000000000000" pitchFamily="2" charset="0"/>
+              </a:rPr>
+              <a:t>) e in secondo luogo la selezione dei dati presenti nel dataset in base ai criteri descritti nella prima parte del progetto, ovvero video </a:t>
             </a:r>
             <a:r>
-              <a:rPr lang="it-IT" dirty="0" err="1"/>
-              <a:t>Ted</a:t>
+              <a:rPr lang="it-IT" sz="1600" b="0" i="0" u="none" strike="noStrike" baseline="0" dirty="0" err="1">
+                <a:solidFill>
+                  <a:srgbClr val="252928"/>
+                </a:solidFill>
+                <a:latin typeface="Montserrat" panose="00000500000000000000" pitchFamily="2" charset="0"/>
+              </a:rPr>
+              <a:t>Tedx</a:t>
             </a:r>
             <a:r>
-              <a:rPr lang="it-IT" dirty="0"/>
+              <a:rPr lang="it-IT" sz="1600" b="0" i="0" u="none" strike="noStrike" baseline="0" dirty="0">
+                <a:solidFill>
+                  <a:srgbClr val="252928"/>
+                </a:solidFill>
+                <a:latin typeface="Montserrat" panose="00000500000000000000" pitchFamily="2" charset="0"/>
+              </a:rPr>
               <a:t> relativi a </a:t>
             </a:r>
             <a:r>
-              <a:rPr lang="it-IT" b="1" dirty="0"/>
+              <a:rPr lang="it-IT" sz="1600" b="1" i="0" u="none" strike="noStrike" baseline="0" dirty="0">
+                <a:solidFill>
+                  <a:srgbClr val="252928"/>
+                </a:solidFill>
+                <a:latin typeface="Montserrat" panose="00000500000000000000" pitchFamily="2" charset="0"/>
+              </a:rPr>
               <a:t>scienza </a:t>
             </a:r>
             <a:r>
-              <a:rPr lang="it-IT" dirty="0"/>
+              <a:rPr lang="it-IT" sz="1600" b="0" i="0" u="none" strike="noStrike" baseline="0" dirty="0">
+                <a:solidFill>
+                  <a:srgbClr val="252928"/>
+                </a:solidFill>
+                <a:latin typeface="Montserrat" panose="00000500000000000000" pitchFamily="2" charset="0"/>
+              </a:rPr>
               <a:t>e </a:t>
             </a:r>
             <a:r>
-              <a:rPr lang="it-IT" b="1" dirty="0"/>
-              <a:t>tecnologia </a:t>
+              <a:rPr lang="it-IT" sz="1600" b="1" i="0" u="none" strike="noStrike" baseline="0" dirty="0">
+                <a:solidFill>
+                  <a:srgbClr val="252928"/>
+                </a:solidFill>
+                <a:latin typeface="Montserrat" panose="00000500000000000000" pitchFamily="2" charset="0"/>
+              </a:rPr>
+              <a:t>tecnologia</a:t>
             </a:r>
             <a:r>
-              <a:rPr lang="it-IT" dirty="0"/>
-              <a:t>, scremando dall’intero insieme di dati solo quelli che servono per lo sviluppo del progetto.</a:t>
+              <a:rPr lang="it-IT" sz="1600" b="0" i="0" u="none" strike="noStrike" baseline="0" dirty="0">
+                <a:solidFill>
+                  <a:srgbClr val="252928"/>
+                </a:solidFill>
+                <a:latin typeface="Montserrat" panose="00000500000000000000" pitchFamily="2" charset="0"/>
+              </a:rPr>
+              <a:t>, scremando dall’intero insieme di dati solo quelli che servono per lo sviluppo di una parte del progetto.</a:t>
             </a:r>
           </a:p>
           <a:p>
@@ -29412,26 +29479,33 @@
               <a:buNone/>
             </a:pPr>
             <a:r>
-              <a:rPr lang="it-IT" dirty="0"/>
+              <a:rPr lang="it-IT" sz="1600" b="0" i="0" u="none" strike="noStrike" baseline="0" dirty="0">
+                <a:solidFill>
+                  <a:srgbClr val="252928"/>
+                </a:solidFill>
+                <a:latin typeface="Montserrat" panose="00000500000000000000" pitchFamily="2" charset="0"/>
+              </a:rPr>
               <a:t>A questo proposito viene inizializzato e implementato un job </a:t>
             </a:r>
             <a:r>
-              <a:rPr lang="it-IT" dirty="0" err="1"/>
+              <a:rPr lang="it-IT" sz="1600" b="0" i="0" u="none" strike="noStrike" baseline="0" dirty="0" err="1">
+                <a:solidFill>
+                  <a:srgbClr val="252928"/>
+                </a:solidFill>
+                <a:latin typeface="Montserrat" panose="00000500000000000000" pitchFamily="2" charset="0"/>
+              </a:rPr>
               <a:t>PySpark</a:t>
             </a:r>
             <a:r>
-              <a:rPr lang="it-IT" dirty="0"/>
-              <a:t>.</a:t>
+              <a:rPr lang="it-IT" sz="1600" b="0" i="0" u="none" strike="noStrike" baseline="0" dirty="0">
+                <a:solidFill>
+                  <a:srgbClr val="252928"/>
+                </a:solidFill>
+                <a:latin typeface="Montserrat" panose="00000500000000000000" pitchFamily="2" charset="0"/>
+              </a:rPr>
+              <a:t> descritto in seguito.</a:t>
             </a:r>
-          </a:p>
-          <a:p>
-            <a:pPr marL="152400" indent="0">
-              <a:buNone/>
-            </a:pPr>
-            <a:r>
-              <a:rPr lang="it-IT" dirty="0"/>
-              <a:t>Il job è descritto in seguito.</a:t>
-            </a:r>
+            <a:endParaRPr lang="it-IT" sz="1600" dirty="0"/>
           </a:p>
         </p:txBody>
       </p:sp>
@@ -29561,49 +29635,15 @@
               <a:buNone/>
             </a:pPr>
             <a:r>
-              <a:rPr lang="it-IT" dirty="0"/>
-              <a:t>Il blocco di codice seguente dello script implementa la funzionalità che permette aggiungere al dataset iniziale, contenente i video </a:t>
+              <a:rPr lang="it-IT" b="0" i="0" u="none" strike="noStrike" baseline="0" dirty="0">
+                <a:solidFill>
+                  <a:srgbClr val="252928"/>
+                </a:solidFill>
+                <a:latin typeface="Montserrat" panose="00000500000000000000" pitchFamily="2" charset="0"/>
+              </a:rPr>
+              <a:t>Il seguente blocco di codice aggiunge al dataset iniziale i video correlati ad un determinato talk.</a:t>
             </a:r>
-            <a:r>
-              <a:rPr lang="it-IT" dirty="0" err="1"/>
-              <a:t>Tedx</a:t>
-            </a:r>
-            <a:r>
-              <a:rPr lang="it-IT" dirty="0"/>
-              <a:t>, anche i </a:t>
-            </a:r>
-            <a:r>
-              <a:rPr lang="it-IT" dirty="0" err="1"/>
-              <a:t>watch</a:t>
-            </a:r>
-            <a:r>
-              <a:rPr lang="it-IT" dirty="0"/>
-              <a:t> </a:t>
-            </a:r>
-            <a:r>
-              <a:rPr lang="it-IT" dirty="0" err="1"/>
-              <a:t>next</a:t>
-            </a:r>
-            <a:r>
-              <a:rPr lang="it-IT" dirty="0"/>
-              <a:t> </a:t>
-            </a:r>
-            <a:r>
-              <a:rPr lang="it-IT" dirty="0" err="1"/>
-              <a:t>videos</a:t>
-            </a:r>
-            <a:r>
-              <a:rPr lang="it-IT" dirty="0"/>
-              <a:t>, cioè i video correlati e consigliati relativi ad un certo </a:t>
-            </a:r>
-            <a:r>
-              <a:rPr lang="it-IT" dirty="0" err="1"/>
-              <a:t>Ted</a:t>
-            </a:r>
-            <a:r>
-              <a:rPr lang="it-IT" dirty="0"/>
-              <a:t> video.</a:t>
-            </a:r>
+            <a:endParaRPr lang="it-IT" dirty="0"/>
           </a:p>
         </p:txBody>
       </p:sp>
@@ -29623,7 +29663,7 @@
         </p:nvSpPr>
         <p:spPr>
           <a:xfrm>
-            <a:off x="1144250" y="4309664"/>
+            <a:off x="1082466" y="4309664"/>
             <a:ext cx="7628546" cy="659076"/>
           </a:xfrm>
           <a:prstGeom prst="rect">
@@ -29891,25 +29931,51 @@
               <a:buNone/>
             </a:pPr>
             <a:r>
-              <a:rPr lang="it-IT" dirty="0"/>
+              <a:rPr lang="it-IT" b="0" i="0" u="none" strike="noStrike" baseline="0" dirty="0">
+                <a:solidFill>
+                  <a:srgbClr val="252928"/>
+                </a:solidFill>
+                <a:latin typeface="Montserrat" panose="00000500000000000000" pitchFamily="2" charset="0"/>
+              </a:rPr>
               <a:t>Per ogni video </a:t>
             </a:r>
             <a:r>
-              <a:rPr lang="it-IT" dirty="0" err="1"/>
+              <a:rPr lang="it-IT" b="0" i="0" u="none" strike="noStrike" baseline="0" dirty="0" err="1">
+                <a:solidFill>
+                  <a:srgbClr val="252928"/>
+                </a:solidFill>
+                <a:latin typeface="Montserrat" panose="00000500000000000000" pitchFamily="2" charset="0"/>
+              </a:rPr>
               <a:t>Tedx</a:t>
             </a:r>
             <a:r>
-              <a:rPr lang="it-IT" dirty="0"/>
-              <a:t> si possono avere più video correlati e viene deciso di indicare per ogni documento in </a:t>
+              <a:rPr lang="it-IT" b="0" i="0" u="none" strike="noStrike" baseline="0" dirty="0">
+                <a:solidFill>
+                  <a:srgbClr val="252928"/>
+                </a:solidFill>
+                <a:latin typeface="Montserrat" panose="00000500000000000000" pitchFamily="2" charset="0"/>
+              </a:rPr>
+              <a:t> si possono avere più talk correlati e si è deciso di indicare per ogni documento in </a:t>
             </a:r>
             <a:r>
-              <a:rPr lang="it-IT" dirty="0" err="1"/>
+              <a:rPr lang="it-IT" b="0" i="0" u="none" strike="noStrike" baseline="0" dirty="0" err="1">
+                <a:solidFill>
+                  <a:srgbClr val="252928"/>
+                </a:solidFill>
+                <a:latin typeface="Montserrat" panose="00000500000000000000" pitchFamily="2" charset="0"/>
+              </a:rPr>
               <a:t>MongoDb</a:t>
             </a:r>
             <a:r>
-              <a:rPr lang="it-IT" dirty="0"/>
-              <a:t> due vettori: id dei video correlati e titolo dei video correlati.</a:t>
+              <a:rPr lang="it-IT" b="0" i="0" u="none" strike="noStrike" baseline="0" dirty="0">
+                <a:solidFill>
+                  <a:srgbClr val="252928"/>
+                </a:solidFill>
+                <a:latin typeface="Montserrat" panose="00000500000000000000" pitchFamily="2" charset="0"/>
+              </a:rPr>
+              <a:t> due vettori: l’id dei video correlati e il relativo titolo.</a:t>
             </a:r>
+            <a:endParaRPr lang="it-IT" dirty="0"/>
           </a:p>
         </p:txBody>
       </p:sp>
@@ -30001,26 +30067,33 @@
               <a:buNone/>
             </a:pPr>
             <a:r>
-              <a:rPr lang="it-IT" dirty="0"/>
+              <a:rPr lang="it-IT" b="0" i="0" u="none" strike="noStrike" baseline="0" dirty="0">
+                <a:solidFill>
+                  <a:srgbClr val="252928"/>
+                </a:solidFill>
+                <a:latin typeface="Montserrat" panose="00000500000000000000" pitchFamily="2" charset="0"/>
+              </a:rPr>
               <a:t>Lo script relativo al job </a:t>
             </a:r>
             <a:r>
-              <a:rPr lang="it-IT" dirty="0" err="1"/>
+              <a:rPr lang="it-IT" b="0" i="0" u="none" strike="noStrike" baseline="0" dirty="0" err="1">
+                <a:solidFill>
+                  <a:srgbClr val="252928"/>
+                </a:solidFill>
+                <a:latin typeface="Montserrat" panose="00000500000000000000" pitchFamily="2" charset="0"/>
+              </a:rPr>
               <a:t>PySpark</a:t>
             </a:r>
             <a:r>
-              <a:rPr lang="it-IT" dirty="0"/>
-              <a:t> presenta inizialmente la lettura del set di dati iniziale e</a:t>
+              <a:rPr lang="it-IT" b="0" i="0" u="none" strike="noStrike" baseline="0" dirty="0">
+                <a:solidFill>
+                  <a:srgbClr val="252928"/>
+                </a:solidFill>
+                <a:latin typeface="Montserrat" panose="00000500000000000000" pitchFamily="2" charset="0"/>
+              </a:rPr>
+              <a:t> presenta inizialmente la lettura del set di dati iniziale e il conteggio dei record che contengono un id non nullo. </a:t>
             </a:r>
-          </a:p>
-          <a:p>
-            <a:pPr marL="152400" indent="0">
-              <a:buNone/>
-            </a:pPr>
-            <a:r>
-              <a:rPr lang="it-IT" dirty="0"/>
-              <a:t>Il filtraggio dei record che contengono un id nullo. </a:t>
-            </a:r>
+            <a:endParaRPr lang="it-IT" dirty="0"/>
           </a:p>
         </p:txBody>
       </p:sp>
@@ -31418,7 +31491,7 @@
             </a:pPr>
             <a:r>
               <a:rPr lang="en" dirty="0"/>
-              <a:t>Permette un accrescimento delle conoscenze senza tralasciare l’aspetto divertimento !</a:t>
+              <a:t>Permette un accrescimento delle conoscenze senza tralasciare il divertimento</a:t>
             </a:r>
           </a:p>
         </p:txBody>
@@ -35877,8 +35950,8 @@
         </p:nvSpPr>
         <p:spPr>
           <a:xfrm>
-            <a:off x="1445061" y="1301952"/>
-            <a:ext cx="5878812" cy="498299"/>
+            <a:off x="1445060" y="1301952"/>
+            <a:ext cx="5878813" cy="498299"/>
           </a:xfrm>
           <a:prstGeom prst="rect">
             <a:avLst/>
@@ -36145,9 +36218,15 @@
               <a:buNone/>
             </a:pPr>
             <a:r>
-              <a:rPr lang="it-IT" dirty="0"/>
-              <a:t>Tempistiche lente a causa dell’ambiente cloud</a:t>
+              <a:rPr lang="it-IT" b="0" i="0" u="none" strike="noStrike" baseline="0" dirty="0">
+                <a:solidFill>
+                  <a:srgbClr val="252928"/>
+                </a:solidFill>
+                <a:latin typeface="Montserrat" panose="00000500000000000000" pitchFamily="2" charset="0"/>
+              </a:rPr>
+              <a:t>Nonostante i molteplici vantaggi dell’ambiente cloud, ci si aspettava tempistiche di esecuzione leggermente più veloci</a:t>
             </a:r>
+            <a:endParaRPr lang="it-IT" dirty="0"/>
           </a:p>
         </p:txBody>
       </p:sp>
@@ -36601,8 +36680,13 @@
             </a:pPr>
             <a:r>
               <a:rPr lang="it-IT" dirty="0"/>
-              <a:t>Iniziale difficoltà ad apprendere i concetti legati al linguaggio di programmazione</a:t>
+              <a:t>Iniziale difficoltà ad apprendere i concetti legati alla programmazione </a:t>
             </a:r>
+            <a:r>
+              <a:rPr lang="it-IT" dirty="0" err="1"/>
+              <a:t>PySpark</a:t>
+            </a:r>
+            <a:endParaRPr lang="it-IT" dirty="0"/>
           </a:p>
         </p:txBody>
       </p:sp>
@@ -36622,7 +36706,7 @@
         </p:nvSpPr>
         <p:spPr>
           <a:xfrm>
-            <a:off x="1445061" y="2467606"/>
+            <a:off x="1445060" y="2447404"/>
             <a:ext cx="5878812" cy="498299"/>
           </a:xfrm>
           <a:prstGeom prst="rect">
@@ -36890,17 +36974,51 @@
               <a:buNone/>
             </a:pPr>
             <a:r>
-              <a:rPr lang="it-IT" dirty="0"/>
-              <a:t>Difficoltà nel capire il comportamento di </a:t>
+              <a:rPr lang="it-IT" b="0" i="0" u="none" strike="noStrike" baseline="0" dirty="0">
+                <a:solidFill>
+                  <a:srgbClr val="252928"/>
+                </a:solidFill>
+                <a:latin typeface="Montserrat" panose="00000500000000000000" pitchFamily="2" charset="0"/>
+              </a:rPr>
+              <a:t>Difficoltà sulla parte di refresh dei dati in </a:t>
             </a:r>
             <a:r>
-              <a:rPr lang="it-IT" dirty="0" err="1"/>
+              <a:rPr lang="it-IT" b="0" i="0" u="none" strike="noStrike" baseline="0" dirty="0" err="1">
+                <a:solidFill>
+                  <a:srgbClr val="252928"/>
+                </a:solidFill>
+                <a:latin typeface="Montserrat" panose="00000500000000000000" pitchFamily="2" charset="0"/>
+              </a:rPr>
               <a:t>MongoDB</a:t>
             </a:r>
             <a:r>
-              <a:rPr lang="it-IT" dirty="0"/>
-              <a:t> con l’aggiornamento dei dati e quindi aumento costi di utilizzo </a:t>
+              <a:rPr lang="it-IT" b="0" i="0" u="none" strike="noStrike" baseline="0" dirty="0">
+                <a:solidFill>
+                  <a:srgbClr val="252928"/>
+                </a:solidFill>
+                <a:latin typeface="Montserrat" panose="00000500000000000000" pitchFamily="2" charset="0"/>
+              </a:rPr>
+              <a:t> e aumento dei costi di utilizzo per la parte di AWS (</a:t>
             </a:r>
+            <a:r>
+              <a:rPr lang="it-IT" b="0" i="0" u="none" strike="noStrike" baseline="0" dirty="0" err="1">
+                <a:solidFill>
+                  <a:srgbClr val="252928"/>
+                </a:solidFill>
+                <a:latin typeface="Montserrat" panose="00000500000000000000" pitchFamily="2" charset="0"/>
+              </a:rPr>
+              <a:t>pay</a:t>
+            </a:r>
+            <a:r>
+              <a:rPr lang="it-IT" b="0" i="0" u="none" strike="noStrike" baseline="0" dirty="0">
+                <a:solidFill>
+                  <a:srgbClr val="252928"/>
+                </a:solidFill>
+                <a:latin typeface="Montserrat" panose="00000500000000000000" pitchFamily="2" charset="0"/>
+              </a:rPr>
+              <a:t>-per-use)</a:t>
+            </a:r>
+            <a:endParaRPr lang="it-IT" dirty="0"/>
           </a:p>
         </p:txBody>
       </p:sp>
